--- a/документы курсовой/проект.pptx
+++ b/документы курсовой/проект.pptx
@@ -17,8 +17,11 @@
     <p:sldId id="262" r:id="rId10"/>
     <p:sldId id="263" r:id="rId11"/>
     <p:sldId id="264" r:id="rId12"/>
-    <p:sldId id="265" r:id="rId13"/>
-    <p:sldId id="266" r:id="rId14"/>
+    <p:sldId id="267" r:id="rId13"/>
+    <p:sldId id="268" r:id="rId14"/>
+    <p:sldId id="269" r:id="rId15"/>
+    <p:sldId id="265" r:id="rId16"/>
+    <p:sldId id="266" r:id="rId17"/>
   </p:sldIdLst>
   <p:sldSz cx="12192000" cy="6858000"/>
   <p:notesSz cx="6858000" cy="9144000"/>
@@ -3448,7 +3451,7 @@
               <a:rPr lang="ru-RU" dirty="0">
                 <a:sym typeface="+mn-ea"/>
               </a:rPr>
-              <a:t>ПРЕЗЕНТАЦИЯ ВЫПУСКНОЙ КВАЛИФИКАЦИОННОЙ РАБОТЫ НА ТЕМУ: Разработка системы онлайн-опросов и голосований</a:t>
+              <a:t>ПРЕЗЕНТАЦИЯ КУРСОВОЙ РАБОТЫ НА ТЕМУ: Разработка системы онлайн-опросов и голосований</a:t>
             </a:r>
             <a:endParaRPr lang="ru-RU" dirty="0">
               <a:sym typeface="+mn-ea"/>
@@ -3568,7 +3571,7 @@
       </p:sp>
       <p:graphicFrame>
         <p:nvGraphicFramePr>
-          <p:cNvPr id="-2147482623" name="Объект -2147482624"/>
+          <p:cNvPr id="6" name="Объект -2147482624"/>
           <p:cNvGraphicFramePr>
             <a:graphicFrameLocks noChangeAspect="1"/>
           </p:cNvGraphicFramePr>
@@ -3642,167 +3645,57 @@
       <p:grpSpPr/>
       <p:sp>
         <p:nvSpPr>
-          <p:cNvPr id="4" name="Прямоугольник с одним вырезанным углом 3"/>
-          <p:cNvSpPr/>
-          <p:nvPr/>
+          <p:cNvPr id="2" name="Заголовок 1"/>
+          <p:cNvSpPr>
+            <a:spLocks noGrp="1"/>
+          </p:cNvSpPr>
+          <p:nvPr>
+            <p:ph type="title"/>
+          </p:nvPr>
         </p:nvSpPr>
         <p:spPr>
           <a:xfrm>
-            <a:off x="3347085" y="108585"/>
-            <a:ext cx="5916930" cy="1663700"/>
-          </a:xfrm>
-          <a:prstGeom prst="snip1Rect">
+            <a:off x="2915285" y="329565"/>
+            <a:ext cx="10515600" cy="1325563"/>
+          </a:xfrm>
+        </p:spPr>
+        <p:txBody>
+          <a:bodyPr/>
+          <a:p>
+            <a:r>
+              <a:rPr lang="ru-RU" altLang="en-US"/>
+              <a:t>Административная панель</a:t>
+            </a:r>
+            <a:endParaRPr lang="ru-RU" altLang="en-US"/>
+          </a:p>
+        </p:txBody>
+      </p:sp>
+      <p:pic>
+        <p:nvPicPr>
+          <p:cNvPr id="4" name="Замещающее содержимое 3"/>
+          <p:cNvPicPr>
+            <a:picLocks noChangeAspect="1"/>
+          </p:cNvPicPr>
+          <p:nvPr>
+            <p:ph idx="1"/>
+          </p:nvPr>
+        </p:nvPicPr>
+        <p:blipFill>
+          <a:blip r:embed="rId1"/>
+          <a:stretch>
+            <a:fillRect/>
+          </a:stretch>
+        </p:blipFill>
+        <p:spPr>
+          <a:xfrm>
+            <a:off x="852170" y="1397635"/>
+            <a:ext cx="10487025" cy="5340985"/>
+          </a:xfrm>
+          <a:prstGeom prst="rect">
             <a:avLst/>
           </a:prstGeom>
-          <a:solidFill>
-            <a:schemeClr val="accent1">
-              <a:lumMod val="60000"/>
-              <a:lumOff val="40000"/>
-            </a:schemeClr>
-          </a:solidFill>
-        </p:spPr>
-        <p:style>
-          <a:lnRef idx="2">
-            <a:schemeClr val="accent1">
-              <a:shade val="50000"/>
-            </a:schemeClr>
-          </a:lnRef>
-          <a:fillRef idx="1">
-            <a:schemeClr val="accent1"/>
-          </a:fillRef>
-          <a:effectRef idx="0">
-            <a:schemeClr val="accent1"/>
-          </a:effectRef>
-          <a:fontRef idx="minor">
-            <a:schemeClr val="lt1"/>
-          </a:fontRef>
-        </p:style>
-        <p:txBody>
-          <a:bodyPr rtlCol="0" anchor="ctr"/>
-          <a:p>
-            <a:pPr algn="ctr"/>
-            <a:endParaRPr lang="ru-RU" altLang="en-US"/>
-          </a:p>
-        </p:txBody>
-      </p:sp>
-      <p:sp>
-        <p:nvSpPr>
-          <p:cNvPr id="2" name="Заголовок 1"/>
-          <p:cNvSpPr>
-            <a:spLocks noGrp="1"/>
-          </p:cNvSpPr>
-          <p:nvPr>
-            <p:ph type="title"/>
-          </p:nvPr>
-        </p:nvSpPr>
-        <p:spPr>
-          <a:xfrm>
-            <a:off x="4368165" y="372110"/>
-            <a:ext cx="3455035" cy="1325880"/>
-          </a:xfrm>
-        </p:spPr>
-        <p:txBody>
-          <a:bodyPr/>
-          <a:p>
-            <a:pPr algn="ctr"/>
-            <a:r>
-              <a:rPr lang="ru-RU" b="1" dirty="0" smtClean="0">
-                <a:solidFill>
-                  <a:schemeClr val="bg1"/>
-                </a:solidFill>
-                <a:sym typeface="+mn-ea"/>
-              </a:rPr>
-              <a:t>Заключение</a:t>
-            </a:r>
-            <a:endParaRPr lang="ru-RU" altLang="en-US" b="1" dirty="0" smtClean="0">
-              <a:solidFill>
-                <a:schemeClr val="bg1"/>
-              </a:solidFill>
-              <a:sym typeface="+mn-ea"/>
-            </a:endParaRPr>
-          </a:p>
-        </p:txBody>
-      </p:sp>
-      <p:sp>
-        <p:nvSpPr>
-          <p:cNvPr id="3" name="Замещающее содержимое 2"/>
-          <p:cNvSpPr>
-            <a:spLocks noGrp="1"/>
-          </p:cNvSpPr>
-          <p:nvPr>
-            <p:ph idx="1"/>
-          </p:nvPr>
-        </p:nvSpPr>
-        <p:spPr/>
-        <p:txBody>
-          <a:bodyPr>
-            <a:normAutofit fontScale="80000"/>
-          </a:bodyPr>
-          <a:p>
-            <a:pPr algn="just"/>
-            <a:r>
-              <a:rPr lang="ru-RU" dirty="0">
-                <a:sym typeface="+mn-ea"/>
-              </a:rPr>
-              <a:t>В ходе выполнения дипломной работы был получен полнофункциональный веб-сайт, полностью готовый к использованию. Этот сайт ориентирован на клиентов и поставщиков для дальнейшего их привлечения. С его помощью пользователи могут получить необходимую информацию, связаться с помощью обратной связи и получить полное представление о компании в целом.</a:t>
-            </a:r>
-            <a:endParaRPr lang="ru-RU" dirty="0">
-              <a:solidFill>
-                <a:schemeClr val="tx1"/>
-              </a:solidFill>
-            </a:endParaRPr>
-          </a:p>
-          <a:p>
-            <a:pPr algn="just"/>
-            <a:r>
-              <a:rPr lang="ru-RU" dirty="0">
-                <a:sym typeface="+mn-ea"/>
-              </a:rPr>
-              <a:t>Для разработки сайта были изучены новейшие технологии веб-разработки, позволяющие создавать интерактивные и привлекательные веб-страницы. В результате анализа было решено использовать систему </a:t>
-            </a:r>
-            <a:r>
-              <a:rPr lang="en-US" altLang="ru-RU" dirty="0">
-                <a:sym typeface="+mn-ea"/>
-              </a:rPr>
-              <a:t>TailWind</a:t>
-            </a:r>
-            <a:r>
-              <a:rPr lang="ru-RU" dirty="0">
-                <a:sym typeface="+mn-ea"/>
-              </a:rPr>
-              <a:t>, которая оказалась наиболее подходящей для выполнения поставленных задач. </a:t>
-            </a:r>
-            <a:endParaRPr lang="ru-RU" dirty="0">
-              <a:solidFill>
-                <a:schemeClr val="tx1"/>
-              </a:solidFill>
-            </a:endParaRPr>
-          </a:p>
-          <a:p>
-            <a:pPr algn="just"/>
-            <a:r>
-              <a:rPr lang="ru-RU" dirty="0" smtClean="0">
-                <a:sym typeface="+mn-ea"/>
-              </a:rPr>
-              <a:t>В </a:t>
-            </a:r>
-            <a:r>
-              <a:rPr lang="ru-RU" dirty="0">
-                <a:sym typeface="+mn-ea"/>
-              </a:rPr>
-              <a:t>качестве дальнейшего улучшения веб-сайта, можно разрабатывать и добавлять новые дополнения. Также возможно доработать интерфейс сайта с целью дальнейшего повышения его информативности, привлекательности и удобства.</a:t>
-            </a:r>
-            <a:endParaRPr lang="ru-RU" dirty="0">
-              <a:solidFill>
-                <a:schemeClr val="tx1"/>
-              </a:solidFill>
-            </a:endParaRPr>
-          </a:p>
-          <a:p>
-            <a:endParaRPr lang="ru-RU" altLang="en-US"/>
-          </a:p>
-        </p:txBody>
-      </p:sp>
+        </p:spPr>
+      </p:pic>
     </p:spTree>
   </p:cSld>
   <p:clrMapOvr>
@@ -3831,6 +3724,320 @@
             <p:ph type="title"/>
           </p:nvPr>
         </p:nvSpPr>
+        <p:spPr/>
+        <p:txBody>
+          <a:bodyPr/>
+          <a:p>
+            <a:endParaRPr lang="ru-RU" altLang="en-US"/>
+          </a:p>
+        </p:txBody>
+      </p:sp>
+      <p:pic>
+        <p:nvPicPr>
+          <p:cNvPr id="4" name="Замещающее содержимое 3"/>
+          <p:cNvPicPr>
+            <a:picLocks noChangeAspect="1"/>
+          </p:cNvPicPr>
+          <p:nvPr>
+            <p:ph idx="1"/>
+          </p:nvPr>
+        </p:nvPicPr>
+        <p:blipFill>
+          <a:blip r:embed="rId1"/>
+          <a:stretch>
+            <a:fillRect/>
+          </a:stretch>
+        </p:blipFill>
+        <p:spPr>
+          <a:xfrm>
+            <a:off x="993775" y="1384300"/>
+            <a:ext cx="9833610" cy="5263515"/>
+          </a:xfrm>
+          <a:prstGeom prst="rect">
+            <a:avLst/>
+          </a:prstGeom>
+        </p:spPr>
+      </p:pic>
+    </p:spTree>
+  </p:cSld>
+  <p:clrMapOvr>
+    <a:masterClrMapping/>
+  </p:clrMapOvr>
+</p:sld>
+</file>
+
+<file path=ppt/slides/slide12.xml><?xml version="1.0" encoding="utf-8"?>
+<p:sld xmlns:a="http://schemas.openxmlformats.org/drawingml/2006/main" xmlns:r="http://schemas.openxmlformats.org/officeDocument/2006/relationships" xmlns:p="http://schemas.openxmlformats.org/presentationml/2006/main">
+  <p:cSld>
+    <p:spTree>
+      <p:nvGrpSpPr>
+        <p:cNvPr id="1" name=""/>
+        <p:cNvGrpSpPr/>
+        <p:nvPr/>
+      </p:nvGrpSpPr>
+      <p:grpSpPr/>
+      <p:sp>
+        <p:nvSpPr>
+          <p:cNvPr id="2" name="Заголовок 1"/>
+          <p:cNvSpPr>
+            <a:spLocks noGrp="1"/>
+          </p:cNvSpPr>
+          <p:nvPr>
+            <p:ph type="title"/>
+          </p:nvPr>
+        </p:nvSpPr>
+        <p:spPr>
+          <a:xfrm>
+            <a:off x="3203575" y="0"/>
+            <a:ext cx="10515600" cy="1325563"/>
+          </a:xfrm>
+        </p:spPr>
+        <p:txBody>
+          <a:bodyPr/>
+          <a:p>
+            <a:r>
+              <a:rPr lang="ru-RU" altLang="en-US"/>
+              <a:t>Готовая форма</a:t>
+            </a:r>
+            <a:endParaRPr lang="ru-RU" altLang="en-US"/>
+          </a:p>
+        </p:txBody>
+      </p:sp>
+      <p:pic>
+        <p:nvPicPr>
+          <p:cNvPr id="4" name="Замещающее содержимое 3"/>
+          <p:cNvPicPr>
+            <a:picLocks noChangeAspect="1"/>
+          </p:cNvPicPr>
+          <p:nvPr>
+            <p:ph idx="1"/>
+          </p:nvPr>
+        </p:nvPicPr>
+        <p:blipFill>
+          <a:blip r:embed="rId1"/>
+          <a:stretch>
+            <a:fillRect/>
+          </a:stretch>
+        </p:blipFill>
+        <p:spPr>
+          <a:xfrm>
+            <a:off x="1426210" y="1040765"/>
+            <a:ext cx="8903970" cy="5690870"/>
+          </a:xfrm>
+          <a:prstGeom prst="rect">
+            <a:avLst/>
+          </a:prstGeom>
+        </p:spPr>
+      </p:pic>
+    </p:spTree>
+  </p:cSld>
+  <p:clrMapOvr>
+    <a:masterClrMapping/>
+  </p:clrMapOvr>
+</p:sld>
+</file>
+
+<file path=ppt/slides/slide13.xml><?xml version="1.0" encoding="utf-8"?>
+<p:sld xmlns:a="http://schemas.openxmlformats.org/drawingml/2006/main" xmlns:r="http://schemas.openxmlformats.org/officeDocument/2006/relationships" xmlns:p="http://schemas.openxmlformats.org/presentationml/2006/main">
+  <p:cSld>
+    <p:spTree>
+      <p:nvGrpSpPr>
+        <p:cNvPr id="1" name=""/>
+        <p:cNvGrpSpPr/>
+        <p:nvPr/>
+      </p:nvGrpSpPr>
+      <p:grpSpPr/>
+      <p:sp>
+        <p:nvSpPr>
+          <p:cNvPr id="4" name="Прямоугольник с одним вырезанным углом 3"/>
+          <p:cNvSpPr/>
+          <p:nvPr/>
+        </p:nvSpPr>
+        <p:spPr>
+          <a:xfrm>
+            <a:off x="3347085" y="108585"/>
+            <a:ext cx="5916930" cy="1663700"/>
+          </a:xfrm>
+          <a:prstGeom prst="snip1Rect">
+            <a:avLst/>
+          </a:prstGeom>
+          <a:solidFill>
+            <a:schemeClr val="accent1">
+              <a:lumMod val="60000"/>
+              <a:lumOff val="40000"/>
+            </a:schemeClr>
+          </a:solidFill>
+        </p:spPr>
+        <p:style>
+          <a:lnRef idx="2">
+            <a:schemeClr val="accent1">
+              <a:shade val="50000"/>
+            </a:schemeClr>
+          </a:lnRef>
+          <a:fillRef idx="1">
+            <a:schemeClr val="accent1"/>
+          </a:fillRef>
+          <a:effectRef idx="0">
+            <a:schemeClr val="accent1"/>
+          </a:effectRef>
+          <a:fontRef idx="minor">
+            <a:schemeClr val="lt1"/>
+          </a:fontRef>
+        </p:style>
+        <p:txBody>
+          <a:bodyPr rtlCol="0" anchor="ctr"/>
+          <a:p>
+            <a:pPr algn="ctr"/>
+            <a:endParaRPr lang="ru-RU" altLang="en-US"/>
+          </a:p>
+        </p:txBody>
+      </p:sp>
+      <p:sp>
+        <p:nvSpPr>
+          <p:cNvPr id="2" name="Заголовок 1"/>
+          <p:cNvSpPr>
+            <a:spLocks noGrp="1"/>
+          </p:cNvSpPr>
+          <p:nvPr>
+            <p:ph type="title"/>
+          </p:nvPr>
+        </p:nvSpPr>
+        <p:spPr>
+          <a:xfrm>
+            <a:off x="4368165" y="372110"/>
+            <a:ext cx="3455035" cy="1325880"/>
+          </a:xfrm>
+        </p:spPr>
+        <p:txBody>
+          <a:bodyPr/>
+          <a:p>
+            <a:pPr algn="ctr"/>
+            <a:r>
+              <a:rPr lang="ru-RU" b="1" dirty="0" smtClean="0">
+                <a:solidFill>
+                  <a:schemeClr val="bg1"/>
+                </a:solidFill>
+                <a:sym typeface="+mn-ea"/>
+              </a:rPr>
+              <a:t>Заключение</a:t>
+            </a:r>
+            <a:endParaRPr lang="ru-RU" altLang="en-US" b="1" dirty="0" smtClean="0">
+              <a:solidFill>
+                <a:schemeClr val="bg1"/>
+              </a:solidFill>
+              <a:sym typeface="+mn-ea"/>
+            </a:endParaRPr>
+          </a:p>
+        </p:txBody>
+      </p:sp>
+      <p:sp>
+        <p:nvSpPr>
+          <p:cNvPr id="3" name="Замещающее содержимое 2"/>
+          <p:cNvSpPr>
+            <a:spLocks noGrp="1"/>
+          </p:cNvSpPr>
+          <p:nvPr>
+            <p:ph idx="1"/>
+          </p:nvPr>
+        </p:nvSpPr>
+        <p:spPr/>
+        <p:txBody>
+          <a:bodyPr>
+            <a:normAutofit fontScale="80000"/>
+          </a:bodyPr>
+          <a:p>
+            <a:pPr algn="just"/>
+            <a:r>
+              <a:rPr lang="ru-RU" dirty="0">
+                <a:sym typeface="+mn-ea"/>
+              </a:rPr>
+              <a:t>В ходе выполнения курсовой работы был получен дизайн веб-сайт, полностью готовый к использованию. Этот сайт ориентирован на клиентов и поставщиков для дальнейшего их привлечения. С его помощью пользователи могут получить необходимую информацию, связаться с помощью обратной связи и получить полное представление о компании в целом.</a:t>
+            </a:r>
+            <a:endParaRPr lang="ru-RU" dirty="0">
+              <a:solidFill>
+                <a:schemeClr val="tx1"/>
+              </a:solidFill>
+            </a:endParaRPr>
+          </a:p>
+          <a:p>
+            <a:pPr algn="just"/>
+            <a:r>
+              <a:rPr lang="ru-RU" dirty="0">
+                <a:sym typeface="+mn-ea"/>
+              </a:rPr>
+              <a:t>Для разработки сайта были изучены новейшие технологии веб-разметки, позволяющие создавать интерактивные и привлекательные веб-страницы. В результате анализа было решено использовать систему </a:t>
+            </a:r>
+            <a:r>
+              <a:rPr lang="en-US" altLang="ru-RU" dirty="0">
+                <a:sym typeface="+mn-ea"/>
+              </a:rPr>
+              <a:t>TailWind</a:t>
+            </a:r>
+            <a:r>
+              <a:rPr lang="ru-RU" dirty="0">
+                <a:sym typeface="+mn-ea"/>
+              </a:rPr>
+              <a:t>, которая оказалась наиболее подходящей для выполнения поставленных задач. </a:t>
+            </a:r>
+            <a:endParaRPr lang="ru-RU" dirty="0">
+              <a:solidFill>
+                <a:schemeClr val="tx1"/>
+              </a:solidFill>
+            </a:endParaRPr>
+          </a:p>
+          <a:p>
+            <a:pPr algn="just"/>
+            <a:r>
+              <a:rPr lang="ru-RU" dirty="0" smtClean="0">
+                <a:sym typeface="+mn-ea"/>
+              </a:rPr>
+              <a:t>В </a:t>
+            </a:r>
+            <a:r>
+              <a:rPr lang="ru-RU" dirty="0">
+                <a:sym typeface="+mn-ea"/>
+              </a:rPr>
+              <a:t>качестве дальнейшего улучшения веб-сайта, можно разработать и добавить полный функционал веб-приложения. Также возможно доработать интерфейс сайта с целью дальнейшего повышения его информативности, привлекательности и удобства.</a:t>
+            </a:r>
+            <a:endParaRPr lang="ru-RU" dirty="0">
+              <a:solidFill>
+                <a:schemeClr val="tx1"/>
+              </a:solidFill>
+            </a:endParaRPr>
+          </a:p>
+          <a:p>
+            <a:endParaRPr lang="ru-RU" altLang="en-US"/>
+          </a:p>
+        </p:txBody>
+      </p:sp>
+    </p:spTree>
+  </p:cSld>
+  <p:clrMapOvr>
+    <a:masterClrMapping/>
+  </p:clrMapOvr>
+</p:sld>
+</file>
+
+<file path=ppt/slides/slide14.xml><?xml version="1.0" encoding="utf-8"?>
+<p:sld xmlns:a="http://schemas.openxmlformats.org/drawingml/2006/main" xmlns:r="http://schemas.openxmlformats.org/officeDocument/2006/relationships" xmlns:p="http://schemas.openxmlformats.org/presentationml/2006/main">
+  <p:cSld>
+    <p:spTree>
+      <p:nvGrpSpPr>
+        <p:cNvPr id="1" name=""/>
+        <p:cNvGrpSpPr/>
+        <p:nvPr/>
+      </p:nvGrpSpPr>
+      <p:grpSpPr/>
+      <p:sp>
+        <p:nvSpPr>
+          <p:cNvPr id="2" name="Заголовок 1"/>
+          <p:cNvSpPr>
+            <a:spLocks noGrp="1"/>
+          </p:cNvSpPr>
+          <p:nvPr>
+            <p:ph type="title"/>
+          </p:nvPr>
+        </p:nvSpPr>
         <p:spPr>
           <a:xfrm>
             <a:off x="2635250" y="3306445"/>
@@ -3966,7 +4173,7 @@
                 </a:solidFill>
                 <a:sym typeface="+mn-ea"/>
               </a:rPr>
-              <a:t>Цель разработки с</a:t>
+              <a:t>Цели и задачи разработки с</a:t>
             </a:r>
             <a:r>
               <a:rPr lang="ru-RU" u="sng" dirty="0">
@@ -4184,15 +4391,15 @@
           <a:p>
             <a:pPr marL="0" indent="0" algn="ctr"/>
             <a:r>
-              <a:rPr lang="ru-RU" sz="8000" b="1" dirty="0" smtClean="0">
+              <a:rPr lang="ru-RU" sz="5400" b="1" dirty="0" smtClean="0">
                 <a:solidFill>
                   <a:schemeClr val="bg1"/>
                 </a:solidFill>
                 <a:sym typeface="+mn-ea"/>
               </a:rPr>
-              <a:t>Цель разработки</a:t>
-            </a:r>
-            <a:endParaRPr lang="ru-RU" altLang="en-US" sz="8000" b="1" dirty="0" smtClean="0">
+              <a:t>Цели и задачи разработки</a:t>
+            </a:r>
+            <a:endParaRPr lang="ru-RU" altLang="en-US" sz="5400" b="1" dirty="0" smtClean="0">
               <a:solidFill>
                 <a:schemeClr val="bg1"/>
               </a:solidFill>
@@ -4422,7 +4629,7 @@
               <a:rPr lang="ru-RU" sz="6665" b="1" dirty="0" smtClean="0">
                 <a:sym typeface="+mn-ea"/>
               </a:rPr>
-              <a:t>Преимущества наличия сайта у компании</a:t>
+              <a:t>Преимущества наличия сайта для пользователей</a:t>
             </a:r>
             <a:br>
               <a:rPr lang="ru-RU" sz="6665" b="1" dirty="0"/>

--- a/документы курсовой/проект.pptx
+++ b/документы курсовой/проект.pptx
@@ -17,11 +17,12 @@
     <p:sldId id="262" r:id="rId10"/>
     <p:sldId id="263" r:id="rId11"/>
     <p:sldId id="264" r:id="rId12"/>
-    <p:sldId id="267" r:id="rId13"/>
-    <p:sldId id="268" r:id="rId14"/>
-    <p:sldId id="269" r:id="rId15"/>
-    <p:sldId id="265" r:id="rId16"/>
-    <p:sldId id="266" r:id="rId17"/>
+    <p:sldId id="272" r:id="rId13"/>
+    <p:sldId id="267" r:id="rId14"/>
+    <p:sldId id="268" r:id="rId15"/>
+    <p:sldId id="269" r:id="rId16"/>
+    <p:sldId id="265" r:id="rId17"/>
+    <p:sldId id="266" r:id="rId18"/>
   </p:sldIdLst>
   <p:sldSz cx="12192000" cy="6858000"/>
   <p:notesSz cx="6858000" cy="9144000"/>
@@ -516,7 +517,7 @@
 
 <file path=ppt/slideLayouts/slideLayout1.xml><?xml version="1.0" encoding="utf-8"?>
 <p:sldLayout xmlns:a="http://schemas.openxmlformats.org/drawingml/2006/main" xmlns:r="http://schemas.openxmlformats.org/officeDocument/2006/relationships" xmlns:p="http://schemas.openxmlformats.org/presentationml/2006/main" type="title" preserve="1">
-  <p:cSld name="Title Slide">
+  <p:cSld name="Титульный слайд">
     <p:spTree>
       <p:nvGrpSpPr>
         <p:cNvPr id="1" name=""/>
@@ -533,7 +534,7 @@
       </p:grpSpPr>
       <p:sp>
         <p:nvSpPr>
-          <p:cNvPr id="2" name="Title 1"/>
+          <p:cNvPr id="2" name="Заголовок 1"/>
           <p:cNvSpPr>
             <a:spLocks noGrp="1"/>
           </p:cNvSpPr>
@@ -551,21 +552,21 @@
           <a:bodyPr anchor="b"/>
           <a:lstStyle>
             <a:lvl1pPr algn="ctr">
-              <a:defRPr sz="6000"/>
+              <a:defRPr sz="4500"/>
             </a:lvl1pPr>
           </a:lstStyle>
           <a:p>
             <a:r>
-              <a:rPr lang="en-US" smtClean="0"/>
-              <a:t>Click to edit Master title style</a:t>
-            </a:r>
-            <a:endParaRPr lang="en-US"/>
-          </a:p>
-        </p:txBody>
-      </p:sp>
-      <p:sp>
-        <p:nvSpPr>
-          <p:cNvPr id="3" name="Subtitle 2"/>
+              <a:rPr lang="ru-RU" smtClean="0"/>
+              <a:t>Образец заголовка</a:t>
+            </a:r>
+            <a:endParaRPr lang="ru-RU"/>
+          </a:p>
+        </p:txBody>
+      </p:sp>
+      <p:sp>
+        <p:nvSpPr>
+          <p:cNvPr id="3" name="Подзаголовок 2"/>
           <p:cNvSpPr>
             <a:spLocks noGrp="1"/>
           </p:cNvSpPr>
@@ -584,53 +585,53 @@
           <a:lstStyle>
             <a:lvl1pPr marL="0" indent="0" algn="ctr">
               <a:buNone/>
-              <a:defRPr sz="2400"/>
+              <a:defRPr sz="1800"/>
             </a:lvl1pPr>
-            <a:lvl2pPr marL="457200" indent="0" algn="ctr">
-              <a:buNone/>
-              <a:defRPr sz="2000"/>
+            <a:lvl2pPr marL="342900" indent="0" algn="ctr">
+              <a:buNone/>
+              <a:defRPr sz="1500"/>
             </a:lvl2pPr>
-            <a:lvl3pPr marL="914400" indent="0" algn="ctr">
-              <a:buNone/>
-              <a:defRPr sz="1800"/>
+            <a:lvl3pPr marL="685800" indent="0" algn="ctr">
+              <a:buNone/>
+              <a:defRPr sz="1350"/>
             </a:lvl3pPr>
-            <a:lvl4pPr marL="1371600" indent="0" algn="ctr">
-              <a:buNone/>
-              <a:defRPr sz="1600"/>
+            <a:lvl4pPr marL="1028700" indent="0" algn="ctr">
+              <a:buNone/>
+              <a:defRPr sz="1200"/>
             </a:lvl4pPr>
-            <a:lvl5pPr marL="1828800" indent="0" algn="ctr">
-              <a:buNone/>
-              <a:defRPr sz="1600"/>
+            <a:lvl5pPr marL="1371600" indent="0" algn="ctr">
+              <a:buNone/>
+              <a:defRPr sz="1200"/>
             </a:lvl5pPr>
-            <a:lvl6pPr marL="2286000" indent="0" algn="ctr">
-              <a:buNone/>
-              <a:defRPr sz="1600"/>
+            <a:lvl6pPr marL="1714500" indent="0" algn="ctr">
+              <a:buNone/>
+              <a:defRPr sz="1200"/>
             </a:lvl6pPr>
-            <a:lvl7pPr marL="2743200" indent="0" algn="ctr">
-              <a:buNone/>
-              <a:defRPr sz="1600"/>
+            <a:lvl7pPr marL="2057400" indent="0" algn="ctr">
+              <a:buNone/>
+              <a:defRPr sz="1200"/>
             </a:lvl7pPr>
-            <a:lvl8pPr marL="3200400" indent="0" algn="ctr">
-              <a:buNone/>
-              <a:defRPr sz="1600"/>
+            <a:lvl8pPr marL="2400300" indent="0" algn="ctr">
+              <a:buNone/>
+              <a:defRPr sz="1200"/>
             </a:lvl8pPr>
-            <a:lvl9pPr marL="3657600" indent="0" algn="ctr">
-              <a:buNone/>
-              <a:defRPr sz="1600"/>
+            <a:lvl9pPr marL="2743200" indent="0" algn="ctr">
+              <a:buNone/>
+              <a:defRPr sz="1200"/>
             </a:lvl9pPr>
           </a:lstStyle>
           <a:p>
             <a:r>
-              <a:rPr lang="en-US" smtClean="0"/>
-              <a:t>Click to edit Master subtitle style</a:t>
-            </a:r>
-            <a:endParaRPr lang="en-US"/>
-          </a:p>
-        </p:txBody>
-      </p:sp>
-      <p:sp>
-        <p:nvSpPr>
-          <p:cNvPr id="4" name="Date Placeholder 3"/>
+              <a:rPr lang="ru-RU" smtClean="0"/>
+              <a:t>Образец подзаголовка</a:t>
+            </a:r>
+            <a:endParaRPr lang="ru-RU"/>
+          </a:p>
+        </p:txBody>
+      </p:sp>
+      <p:sp>
+        <p:nvSpPr>
+          <p:cNvPr id="4" name="Дата 3"/>
           <p:cNvSpPr>
             <a:spLocks noGrp="1"/>
           </p:cNvSpPr>
@@ -652,7 +653,7 @@
       </p:sp>
       <p:sp>
         <p:nvSpPr>
-          <p:cNvPr id="5" name="Footer Placeholder 4"/>
+          <p:cNvPr id="5" name="Нижний колонтитул 4"/>
           <p:cNvSpPr>
             <a:spLocks noGrp="1"/>
           </p:cNvSpPr>
@@ -671,7 +672,7 @@
       </p:sp>
       <p:sp>
         <p:nvSpPr>
-          <p:cNvPr id="6" name="Slide Number Placeholder 5"/>
+          <p:cNvPr id="6" name="Номер слайда 5"/>
           <p:cNvSpPr>
             <a:spLocks noGrp="1"/>
           </p:cNvSpPr>
@@ -696,12 +697,13 @@
   <p:clrMapOvr>
     <a:masterClrMapping/>
   </p:clrMapOvr>
+  <p:hf sldNum="0" hdr="0" ftr="0" dt="0"/>
 </p:sldLayout>
 </file>
 
 <file path=ppt/slideLayouts/slideLayout10.xml><?xml version="1.0" encoding="utf-8"?>
 <p:sldLayout xmlns:a="http://schemas.openxmlformats.org/drawingml/2006/main" xmlns:r="http://schemas.openxmlformats.org/officeDocument/2006/relationships" xmlns:p="http://schemas.openxmlformats.org/presentationml/2006/main" type="vertTx" preserve="1">
-  <p:cSld name="Title and Vertical Text">
+  <p:cSld name="Заголовок и вертикальный текст">
     <p:spTree>
       <p:nvGrpSpPr>
         <p:cNvPr id="1" name=""/>
@@ -718,7 +720,7 @@
       </p:grpSpPr>
       <p:sp>
         <p:nvSpPr>
-          <p:cNvPr id="2" name="Title 1"/>
+          <p:cNvPr id="2" name="Заголовок 1"/>
           <p:cNvSpPr>
             <a:spLocks noGrp="1"/>
           </p:cNvSpPr>
@@ -732,16 +734,16 @@
           <a:lstStyle/>
           <a:p>
             <a:r>
-              <a:rPr lang="en-US" smtClean="0"/>
-              <a:t>Click to edit Master title style</a:t>
-            </a:r>
-            <a:endParaRPr lang="en-US"/>
-          </a:p>
-        </p:txBody>
-      </p:sp>
-      <p:sp>
-        <p:nvSpPr>
-          <p:cNvPr id="3" name="Vertical Text Placeholder 2"/>
+              <a:rPr lang="ru-RU" smtClean="0"/>
+              <a:t>Образец заголовка</a:t>
+            </a:r>
+            <a:endParaRPr lang="ru-RU"/>
+          </a:p>
+        </p:txBody>
+      </p:sp>
+      <p:sp>
+        <p:nvSpPr>
+          <p:cNvPr id="3" name="Вертикальный текст 2"/>
           <p:cNvSpPr>
             <a:spLocks noGrp="1"/>
           </p:cNvSpPr>
@@ -756,48 +758,48 @@
           <a:p>
             <a:pPr lvl="0"/>
             <a:r>
-              <a:rPr lang="en-US" smtClean="0"/>
-              <a:t>Click to edit Master text styles</a:t>
-            </a:r>
-            <a:endParaRPr lang="en-US" smtClean="0"/>
+              <a:rPr lang="ru-RU" smtClean="0"/>
+              <a:t>Образец текста</a:t>
+            </a:r>
+            <a:endParaRPr lang="ru-RU" smtClean="0"/>
           </a:p>
           <a:p>
             <a:pPr lvl="1"/>
             <a:r>
-              <a:rPr lang="en-US" smtClean="0"/>
-              <a:t>Second level</a:t>
-            </a:r>
-            <a:endParaRPr lang="en-US" smtClean="0"/>
+              <a:rPr lang="ru-RU" smtClean="0"/>
+              <a:t>Второй уровень</a:t>
+            </a:r>
+            <a:endParaRPr lang="ru-RU" smtClean="0"/>
           </a:p>
           <a:p>
             <a:pPr lvl="2"/>
             <a:r>
-              <a:rPr lang="en-US" smtClean="0"/>
-              <a:t>Third level</a:t>
-            </a:r>
-            <a:endParaRPr lang="en-US" smtClean="0"/>
+              <a:rPr lang="ru-RU" smtClean="0"/>
+              <a:t>Третий уровень</a:t>
+            </a:r>
+            <a:endParaRPr lang="ru-RU" smtClean="0"/>
           </a:p>
           <a:p>
             <a:pPr lvl="3"/>
             <a:r>
-              <a:rPr lang="en-US" smtClean="0"/>
-              <a:t>Fourth level</a:t>
-            </a:r>
-            <a:endParaRPr lang="en-US" smtClean="0"/>
+              <a:rPr lang="ru-RU" smtClean="0"/>
+              <a:t>Четвертый уровень</a:t>
+            </a:r>
+            <a:endParaRPr lang="ru-RU" smtClean="0"/>
           </a:p>
           <a:p>
             <a:pPr lvl="4"/>
             <a:r>
-              <a:rPr lang="en-US" smtClean="0"/>
-              <a:t>Fifth level</a:t>
-            </a:r>
-            <a:endParaRPr lang="en-US"/>
-          </a:p>
-        </p:txBody>
-      </p:sp>
-      <p:sp>
-        <p:nvSpPr>
-          <p:cNvPr id="4" name="Date Placeholder 3"/>
+              <a:rPr lang="ru-RU" smtClean="0"/>
+              <a:t>Пятый уровень</a:t>
+            </a:r>
+            <a:endParaRPr lang="ru-RU"/>
+          </a:p>
+        </p:txBody>
+      </p:sp>
+      <p:sp>
+        <p:nvSpPr>
+          <p:cNvPr id="4" name="Дата 3"/>
           <p:cNvSpPr>
             <a:spLocks noGrp="1"/>
           </p:cNvSpPr>
@@ -819,7 +821,7 @@
       </p:sp>
       <p:sp>
         <p:nvSpPr>
-          <p:cNvPr id="5" name="Footer Placeholder 4"/>
+          <p:cNvPr id="5" name="Нижний колонтитул 4"/>
           <p:cNvSpPr>
             <a:spLocks noGrp="1"/>
           </p:cNvSpPr>
@@ -838,7 +840,7 @@
       </p:sp>
       <p:sp>
         <p:nvSpPr>
-          <p:cNvPr id="6" name="Slide Number Placeholder 5"/>
+          <p:cNvPr id="6" name="Номер слайда 5"/>
           <p:cNvSpPr>
             <a:spLocks noGrp="1"/>
           </p:cNvSpPr>
@@ -863,12 +865,13 @@
   <p:clrMapOvr>
     <a:masterClrMapping/>
   </p:clrMapOvr>
+  <p:hf sldNum="0" hdr="0" ftr="0" dt="0"/>
 </p:sldLayout>
 </file>
 
 <file path=ppt/slideLayouts/slideLayout11.xml><?xml version="1.0" encoding="utf-8"?>
 <p:sldLayout xmlns:a="http://schemas.openxmlformats.org/drawingml/2006/main" xmlns:r="http://schemas.openxmlformats.org/officeDocument/2006/relationships" xmlns:p="http://schemas.openxmlformats.org/presentationml/2006/main" type="vertTitleAndTx" preserve="1">
-  <p:cSld name="Vertical Title and Text">
+  <p:cSld name="Вертикальный заголовок и текст">
     <p:spTree>
       <p:nvGrpSpPr>
         <p:cNvPr id="1" name=""/>
@@ -885,7 +888,7 @@
       </p:grpSpPr>
       <p:sp>
         <p:nvSpPr>
-          <p:cNvPr id="2" name="Vertical Title 1"/>
+          <p:cNvPr id="2" name="Вертикальный заголовок 1"/>
           <p:cNvSpPr>
             <a:spLocks noGrp="1"/>
           </p:cNvSpPr>
@@ -895,8 +898,8 @@
         </p:nvSpPr>
         <p:spPr>
           <a:xfrm>
-            <a:off x="8724900" y="365125"/>
-            <a:ext cx="2628900" cy="5811838"/>
+            <a:off x="8839200" y="274638"/>
+            <a:ext cx="2743200" cy="5851525"/>
           </a:xfrm>
         </p:spPr>
         <p:txBody>
@@ -904,16 +907,16 @@
           <a:lstStyle/>
           <a:p>
             <a:r>
-              <a:rPr lang="en-US" smtClean="0"/>
-              <a:t>Click to edit Master title style</a:t>
-            </a:r>
-            <a:endParaRPr lang="en-US"/>
-          </a:p>
-        </p:txBody>
-      </p:sp>
-      <p:sp>
-        <p:nvSpPr>
-          <p:cNvPr id="3" name="Vertical Text Placeholder 2"/>
+              <a:rPr lang="ru-RU" smtClean="0"/>
+              <a:t>Образец заголовка</a:t>
+            </a:r>
+            <a:endParaRPr lang="ru-RU"/>
+          </a:p>
+        </p:txBody>
+      </p:sp>
+      <p:sp>
+        <p:nvSpPr>
+          <p:cNvPr id="3" name="Вертикальный текст 2"/>
           <p:cNvSpPr>
             <a:spLocks noGrp="1"/>
           </p:cNvSpPr>
@@ -923,8 +926,8 @@
         </p:nvSpPr>
         <p:spPr>
           <a:xfrm>
-            <a:off x="838200" y="365125"/>
-            <a:ext cx="7734300" cy="5811838"/>
+            <a:off x="609600" y="274638"/>
+            <a:ext cx="8070573" cy="5851525"/>
           </a:xfrm>
         </p:spPr>
         <p:txBody>
@@ -933,48 +936,48 @@
           <a:p>
             <a:pPr lvl="0"/>
             <a:r>
-              <a:rPr lang="en-US" smtClean="0"/>
-              <a:t>Click to edit Master text styles</a:t>
-            </a:r>
-            <a:endParaRPr lang="en-US" smtClean="0"/>
+              <a:rPr lang="ru-RU" smtClean="0"/>
+              <a:t>Образец текста</a:t>
+            </a:r>
+            <a:endParaRPr lang="ru-RU" smtClean="0"/>
           </a:p>
           <a:p>
             <a:pPr lvl="1"/>
             <a:r>
-              <a:rPr lang="en-US" smtClean="0"/>
-              <a:t>Second level</a:t>
-            </a:r>
-            <a:endParaRPr lang="en-US" smtClean="0"/>
+              <a:rPr lang="ru-RU" smtClean="0"/>
+              <a:t>Второй уровень</a:t>
+            </a:r>
+            <a:endParaRPr lang="ru-RU" smtClean="0"/>
           </a:p>
           <a:p>
             <a:pPr lvl="2"/>
             <a:r>
-              <a:rPr lang="en-US" smtClean="0"/>
-              <a:t>Third level</a:t>
-            </a:r>
-            <a:endParaRPr lang="en-US" smtClean="0"/>
+              <a:rPr lang="ru-RU" smtClean="0"/>
+              <a:t>Третий уровень</a:t>
+            </a:r>
+            <a:endParaRPr lang="ru-RU" smtClean="0"/>
           </a:p>
           <a:p>
             <a:pPr lvl="3"/>
             <a:r>
-              <a:rPr lang="en-US" smtClean="0"/>
-              <a:t>Fourth level</a:t>
-            </a:r>
-            <a:endParaRPr lang="en-US" smtClean="0"/>
+              <a:rPr lang="ru-RU" smtClean="0"/>
+              <a:t>Четвертый уровень</a:t>
+            </a:r>
+            <a:endParaRPr lang="ru-RU" smtClean="0"/>
           </a:p>
           <a:p>
             <a:pPr lvl="4"/>
             <a:r>
-              <a:rPr lang="en-US" smtClean="0"/>
-              <a:t>Fifth level</a:t>
-            </a:r>
-            <a:endParaRPr lang="en-US"/>
-          </a:p>
-        </p:txBody>
-      </p:sp>
-      <p:sp>
-        <p:nvSpPr>
-          <p:cNvPr id="4" name="Date Placeholder 3"/>
+              <a:rPr lang="ru-RU" smtClean="0"/>
+              <a:t>Пятый уровень</a:t>
+            </a:r>
+            <a:endParaRPr lang="ru-RU"/>
+          </a:p>
+        </p:txBody>
+      </p:sp>
+      <p:sp>
+        <p:nvSpPr>
+          <p:cNvPr id="4" name="Дата 3"/>
           <p:cNvSpPr>
             <a:spLocks noGrp="1"/>
           </p:cNvSpPr>
@@ -996,7 +999,7 @@
       </p:sp>
       <p:sp>
         <p:nvSpPr>
-          <p:cNvPr id="5" name="Footer Placeholder 4"/>
+          <p:cNvPr id="5" name="Нижний колонтитул 4"/>
           <p:cNvSpPr>
             <a:spLocks noGrp="1"/>
           </p:cNvSpPr>
@@ -1015,7 +1018,7 @@
       </p:sp>
       <p:sp>
         <p:nvSpPr>
-          <p:cNvPr id="6" name="Slide Number Placeholder 5"/>
+          <p:cNvPr id="6" name="Номер слайда 5"/>
           <p:cNvSpPr>
             <a:spLocks noGrp="1"/>
           </p:cNvSpPr>
@@ -1040,12 +1043,13 @@
   <p:clrMapOvr>
     <a:masterClrMapping/>
   </p:clrMapOvr>
+  <p:hf sldNum="0" hdr="0" ftr="0" dt="0"/>
 </p:sldLayout>
 </file>
 
 <file path=ppt/slideLayouts/slideLayout2.xml><?xml version="1.0" encoding="utf-8"?>
 <p:sldLayout xmlns:a="http://schemas.openxmlformats.org/drawingml/2006/main" xmlns:r="http://schemas.openxmlformats.org/officeDocument/2006/relationships" xmlns:p="http://schemas.openxmlformats.org/presentationml/2006/main" type="obj" preserve="1">
-  <p:cSld name="Title and Content">
+  <p:cSld name="Заголовок и объект">
     <p:spTree>
       <p:nvGrpSpPr>
         <p:cNvPr id="1" name=""/>
@@ -1062,7 +1066,7 @@
       </p:grpSpPr>
       <p:sp>
         <p:nvSpPr>
-          <p:cNvPr id="2" name="Title 1"/>
+          <p:cNvPr id="2" name="Заголовок 1"/>
           <p:cNvSpPr>
             <a:spLocks noGrp="1"/>
           </p:cNvSpPr>
@@ -1076,16 +1080,16 @@
           <a:lstStyle/>
           <a:p>
             <a:r>
-              <a:rPr lang="en-US" smtClean="0"/>
-              <a:t>Click to edit Master title style</a:t>
-            </a:r>
-            <a:endParaRPr lang="en-US"/>
-          </a:p>
-        </p:txBody>
-      </p:sp>
-      <p:sp>
-        <p:nvSpPr>
-          <p:cNvPr id="3" name="Content Placeholder 2"/>
+              <a:rPr lang="ru-RU" smtClean="0"/>
+              <a:t>Образец заголовка</a:t>
+            </a:r>
+            <a:endParaRPr lang="ru-RU"/>
+          </a:p>
+        </p:txBody>
+      </p:sp>
+      <p:sp>
+        <p:nvSpPr>
+          <p:cNvPr id="3" name="Объект 2"/>
           <p:cNvSpPr>
             <a:spLocks noGrp="1"/>
           </p:cNvSpPr>
@@ -1100,48 +1104,48 @@
           <a:p>
             <a:pPr lvl="0"/>
             <a:r>
-              <a:rPr lang="en-US" smtClean="0"/>
-              <a:t>Click to edit Master text styles</a:t>
-            </a:r>
-            <a:endParaRPr lang="en-US" smtClean="0"/>
+              <a:rPr lang="ru-RU" smtClean="0"/>
+              <a:t>Образец текста</a:t>
+            </a:r>
+            <a:endParaRPr lang="ru-RU" smtClean="0"/>
           </a:p>
           <a:p>
             <a:pPr lvl="1"/>
             <a:r>
-              <a:rPr lang="en-US" smtClean="0"/>
-              <a:t>Second level</a:t>
-            </a:r>
-            <a:endParaRPr lang="en-US" smtClean="0"/>
+              <a:rPr lang="ru-RU" smtClean="0"/>
+              <a:t>Второй уровень</a:t>
+            </a:r>
+            <a:endParaRPr lang="ru-RU" smtClean="0"/>
           </a:p>
           <a:p>
             <a:pPr lvl="2"/>
             <a:r>
-              <a:rPr lang="en-US" smtClean="0"/>
-              <a:t>Third level</a:t>
-            </a:r>
-            <a:endParaRPr lang="en-US" smtClean="0"/>
+              <a:rPr lang="ru-RU" smtClean="0"/>
+              <a:t>Третий уровень</a:t>
+            </a:r>
+            <a:endParaRPr lang="ru-RU" smtClean="0"/>
           </a:p>
           <a:p>
             <a:pPr lvl="3"/>
             <a:r>
-              <a:rPr lang="en-US" smtClean="0"/>
-              <a:t>Fourth level</a:t>
-            </a:r>
-            <a:endParaRPr lang="en-US" smtClean="0"/>
+              <a:rPr lang="ru-RU" smtClean="0"/>
+              <a:t>Четвертый уровень</a:t>
+            </a:r>
+            <a:endParaRPr lang="ru-RU" smtClean="0"/>
           </a:p>
           <a:p>
             <a:pPr lvl="4"/>
             <a:r>
-              <a:rPr lang="en-US" smtClean="0"/>
-              <a:t>Fifth level</a:t>
-            </a:r>
-            <a:endParaRPr lang="en-US"/>
-          </a:p>
-        </p:txBody>
-      </p:sp>
-      <p:sp>
-        <p:nvSpPr>
-          <p:cNvPr id="4" name="Date Placeholder 3"/>
+              <a:rPr lang="ru-RU" smtClean="0"/>
+              <a:t>Пятый уровень</a:t>
+            </a:r>
+            <a:endParaRPr lang="ru-RU"/>
+          </a:p>
+        </p:txBody>
+      </p:sp>
+      <p:sp>
+        <p:nvSpPr>
+          <p:cNvPr id="4" name="Дата 3"/>
           <p:cNvSpPr>
             <a:spLocks noGrp="1"/>
           </p:cNvSpPr>
@@ -1163,7 +1167,7 @@
       </p:sp>
       <p:sp>
         <p:nvSpPr>
-          <p:cNvPr id="5" name="Footer Placeholder 4"/>
+          <p:cNvPr id="5" name="Нижний колонтитул 4"/>
           <p:cNvSpPr>
             <a:spLocks noGrp="1"/>
           </p:cNvSpPr>
@@ -1182,7 +1186,7 @@
       </p:sp>
       <p:sp>
         <p:nvSpPr>
-          <p:cNvPr id="6" name="Slide Number Placeholder 5"/>
+          <p:cNvPr id="6" name="Номер слайда 5"/>
           <p:cNvSpPr>
             <a:spLocks noGrp="1"/>
           </p:cNvSpPr>
@@ -1207,12 +1211,13 @@
   <p:clrMapOvr>
     <a:masterClrMapping/>
   </p:clrMapOvr>
+  <p:hf sldNum="0" hdr="0" ftr="0" dt="0"/>
 </p:sldLayout>
 </file>
 
 <file path=ppt/slideLayouts/slideLayout3.xml><?xml version="1.0" encoding="utf-8"?>
 <p:sldLayout xmlns:a="http://schemas.openxmlformats.org/drawingml/2006/main" xmlns:r="http://schemas.openxmlformats.org/officeDocument/2006/relationships" xmlns:p="http://schemas.openxmlformats.org/presentationml/2006/main" type="secHead" preserve="1">
-  <p:cSld name="Section Header">
+  <p:cSld name="Заголовок раздела">
     <p:spTree>
       <p:nvGrpSpPr>
         <p:cNvPr id="1" name=""/>
@@ -1229,7 +1234,7 @@
       </p:grpSpPr>
       <p:sp>
         <p:nvSpPr>
-          <p:cNvPr id="2" name="Title 1"/>
+          <p:cNvPr id="2" name="Заголовок 1"/>
           <p:cNvSpPr>
             <a:spLocks noGrp="1"/>
           </p:cNvSpPr>
@@ -1239,7 +1244,7 @@
         </p:nvSpPr>
         <p:spPr>
           <a:xfrm>
-            <a:off x="831850" y="1709738"/>
+            <a:off x="831851" y="1709738"/>
             <a:ext cx="10515600" cy="2852737"/>
           </a:xfrm>
         </p:spPr>
@@ -1247,21 +1252,21 @@
           <a:bodyPr anchor="b"/>
           <a:lstStyle>
             <a:lvl1pPr>
-              <a:defRPr sz="6000"/>
+              <a:defRPr sz="4500"/>
             </a:lvl1pPr>
           </a:lstStyle>
           <a:p>
             <a:r>
-              <a:rPr lang="en-US" smtClean="0"/>
-              <a:t>Click to edit Master title style</a:t>
-            </a:r>
-            <a:endParaRPr lang="en-US"/>
-          </a:p>
-        </p:txBody>
-      </p:sp>
-      <p:sp>
-        <p:nvSpPr>
-          <p:cNvPr id="3" name="Text Placeholder 2"/>
+              <a:rPr lang="ru-RU" smtClean="0"/>
+              <a:t>Образец заголовка</a:t>
+            </a:r>
+            <a:endParaRPr lang="ru-RU"/>
+          </a:p>
+        </p:txBody>
+      </p:sp>
+      <p:sp>
+        <p:nvSpPr>
+          <p:cNvPr id="3" name="Текст 2"/>
           <p:cNvSpPr>
             <a:spLocks noGrp="1"/>
           </p:cNvSpPr>
@@ -1271,7 +1276,7 @@
         </p:nvSpPr>
         <p:spPr>
           <a:xfrm>
-            <a:off x="831850" y="4589463"/>
+            <a:off x="831851" y="4589463"/>
             <a:ext cx="10515600" cy="1500187"/>
           </a:xfrm>
         </p:spPr>
@@ -1280,7 +1285,7 @@
           <a:lstStyle>
             <a:lvl1pPr marL="0" indent="0">
               <a:buNone/>
-              <a:defRPr sz="2400">
+              <a:defRPr sz="1800">
                 <a:solidFill>
                   <a:schemeClr val="tx1">
                     <a:tint val="75000"/>
@@ -1288,9 +1293,9 @@
                 </a:solidFill>
               </a:defRPr>
             </a:lvl1pPr>
-            <a:lvl2pPr marL="457200" indent="0">
-              <a:buNone/>
-              <a:defRPr sz="2000">
+            <a:lvl2pPr marL="342900" indent="0">
+              <a:buNone/>
+              <a:defRPr sz="1500">
                 <a:solidFill>
                   <a:schemeClr val="tx1">
                     <a:tint val="75000"/>
@@ -1298,9 +1303,9 @@
                 </a:solidFill>
               </a:defRPr>
             </a:lvl2pPr>
-            <a:lvl3pPr marL="914400" indent="0">
-              <a:buNone/>
-              <a:defRPr sz="1800">
+            <a:lvl3pPr marL="685800" indent="0">
+              <a:buNone/>
+              <a:defRPr sz="1350">
                 <a:solidFill>
                   <a:schemeClr val="tx1">
                     <a:tint val="75000"/>
@@ -1308,9 +1313,9 @@
                 </a:solidFill>
               </a:defRPr>
             </a:lvl3pPr>
-            <a:lvl4pPr marL="1371600" indent="0">
-              <a:buNone/>
-              <a:defRPr sz="1600">
+            <a:lvl4pPr marL="1028700" indent="0">
+              <a:buNone/>
+              <a:defRPr sz="1200">
                 <a:solidFill>
                   <a:schemeClr val="tx1">
                     <a:tint val="75000"/>
@@ -1318,9 +1323,9 @@
                 </a:solidFill>
               </a:defRPr>
             </a:lvl4pPr>
-            <a:lvl5pPr marL="1828800" indent="0">
-              <a:buNone/>
-              <a:defRPr sz="1600">
+            <a:lvl5pPr marL="1371600" indent="0">
+              <a:buNone/>
+              <a:defRPr sz="1200">
                 <a:solidFill>
                   <a:schemeClr val="tx1">
                     <a:tint val="75000"/>
@@ -1328,9 +1333,9 @@
                 </a:solidFill>
               </a:defRPr>
             </a:lvl5pPr>
-            <a:lvl6pPr marL="2286000" indent="0">
-              <a:buNone/>
-              <a:defRPr sz="1600">
+            <a:lvl6pPr marL="1714500" indent="0">
+              <a:buNone/>
+              <a:defRPr sz="1200">
                 <a:solidFill>
                   <a:schemeClr val="tx1">
                     <a:tint val="75000"/>
@@ -1338,9 +1343,9 @@
                 </a:solidFill>
               </a:defRPr>
             </a:lvl6pPr>
-            <a:lvl7pPr marL="2743200" indent="0">
-              <a:buNone/>
-              <a:defRPr sz="1600">
+            <a:lvl7pPr marL="2057400" indent="0">
+              <a:buNone/>
+              <a:defRPr sz="1200">
                 <a:solidFill>
                   <a:schemeClr val="tx1">
                     <a:tint val="75000"/>
@@ -1348,9 +1353,9 @@
                 </a:solidFill>
               </a:defRPr>
             </a:lvl7pPr>
-            <a:lvl8pPr marL="3200400" indent="0">
-              <a:buNone/>
-              <a:defRPr sz="1600">
+            <a:lvl8pPr marL="2400300" indent="0">
+              <a:buNone/>
+              <a:defRPr sz="1200">
                 <a:solidFill>
                   <a:schemeClr val="tx1">
                     <a:tint val="75000"/>
@@ -1358,9 +1363,9 @@
                 </a:solidFill>
               </a:defRPr>
             </a:lvl8pPr>
-            <a:lvl9pPr marL="3657600" indent="0">
-              <a:buNone/>
-              <a:defRPr sz="1600">
+            <a:lvl9pPr marL="2743200" indent="0">
+              <a:buNone/>
+              <a:defRPr sz="1200">
                 <a:solidFill>
                   <a:schemeClr val="tx1">
                     <a:tint val="75000"/>
@@ -1372,16 +1377,16 @@
           <a:p>
             <a:pPr lvl="0"/>
             <a:r>
-              <a:rPr lang="en-US" smtClean="0"/>
-              <a:t>Click to edit Master text styles</a:t>
-            </a:r>
-            <a:endParaRPr lang="en-US" smtClean="0"/>
-          </a:p>
-        </p:txBody>
-      </p:sp>
-      <p:sp>
-        <p:nvSpPr>
-          <p:cNvPr id="4" name="Date Placeholder 3"/>
+              <a:rPr lang="ru-RU" smtClean="0"/>
+              <a:t>Образец текста</a:t>
+            </a:r>
+            <a:endParaRPr lang="ru-RU" smtClean="0"/>
+          </a:p>
+        </p:txBody>
+      </p:sp>
+      <p:sp>
+        <p:nvSpPr>
+          <p:cNvPr id="4" name="Дата 3"/>
           <p:cNvSpPr>
             <a:spLocks noGrp="1"/>
           </p:cNvSpPr>
@@ -1403,7 +1408,7 @@
       </p:sp>
       <p:sp>
         <p:nvSpPr>
-          <p:cNvPr id="5" name="Footer Placeholder 4"/>
+          <p:cNvPr id="5" name="Нижний колонтитул 4"/>
           <p:cNvSpPr>
             <a:spLocks noGrp="1"/>
           </p:cNvSpPr>
@@ -1422,7 +1427,7 @@
       </p:sp>
       <p:sp>
         <p:nvSpPr>
-          <p:cNvPr id="6" name="Slide Number Placeholder 5"/>
+          <p:cNvPr id="6" name="Номер слайда 5"/>
           <p:cNvSpPr>
             <a:spLocks noGrp="1"/>
           </p:cNvSpPr>
@@ -1447,12 +1452,13 @@
   <p:clrMapOvr>
     <a:masterClrMapping/>
   </p:clrMapOvr>
+  <p:hf sldNum="0" hdr="0" ftr="0" dt="0"/>
 </p:sldLayout>
 </file>
 
 <file path=ppt/slideLayouts/slideLayout4.xml><?xml version="1.0" encoding="utf-8"?>
 <p:sldLayout xmlns:a="http://schemas.openxmlformats.org/drawingml/2006/main" xmlns:r="http://schemas.openxmlformats.org/officeDocument/2006/relationships" xmlns:p="http://schemas.openxmlformats.org/presentationml/2006/main" type="twoObj" preserve="1">
-  <p:cSld name="Two Content">
+  <p:cSld name="Два объекта">
     <p:spTree>
       <p:nvGrpSpPr>
         <p:cNvPr id="1" name=""/>
@@ -1469,7 +1475,7 @@
       </p:grpSpPr>
       <p:sp>
         <p:nvSpPr>
-          <p:cNvPr id="2" name="Title 1"/>
+          <p:cNvPr id="2" name="Заголовок 1"/>
           <p:cNvSpPr>
             <a:spLocks noGrp="1"/>
           </p:cNvSpPr>
@@ -1483,16 +1489,16 @@
           <a:lstStyle/>
           <a:p>
             <a:r>
-              <a:rPr lang="en-US" smtClean="0"/>
-              <a:t>Click to edit Master title style</a:t>
-            </a:r>
-            <a:endParaRPr lang="en-US"/>
-          </a:p>
-        </p:txBody>
-      </p:sp>
-      <p:sp>
-        <p:nvSpPr>
-          <p:cNvPr id="3" name="Content Placeholder 2"/>
+              <a:rPr lang="ru-RU" smtClean="0"/>
+              <a:t>Образец заголовка</a:t>
+            </a:r>
+            <a:endParaRPr lang="ru-RU"/>
+          </a:p>
+        </p:txBody>
+      </p:sp>
+      <p:sp>
+        <p:nvSpPr>
+          <p:cNvPr id="3" name="Объект 2"/>
           <p:cNvSpPr>
             <a:spLocks noGrp="1"/>
           </p:cNvSpPr>
@@ -1502,8 +1508,8 @@
         </p:nvSpPr>
         <p:spPr>
           <a:xfrm>
-            <a:off x="838200" y="1825625"/>
-            <a:ext cx="5181600" cy="4351338"/>
+            <a:off x="609600" y="1600200"/>
+            <a:ext cx="5376672" cy="4525963"/>
           </a:xfrm>
         </p:spPr>
         <p:txBody>
@@ -1512,48 +1518,48 @@
           <a:p>
             <a:pPr lvl="0"/>
             <a:r>
-              <a:rPr lang="en-US" smtClean="0"/>
-              <a:t>Click to edit Master text styles</a:t>
-            </a:r>
-            <a:endParaRPr lang="en-US" smtClean="0"/>
+              <a:rPr lang="ru-RU" smtClean="0"/>
+              <a:t>Образец текста</a:t>
+            </a:r>
+            <a:endParaRPr lang="ru-RU" smtClean="0"/>
           </a:p>
           <a:p>
             <a:pPr lvl="1"/>
             <a:r>
-              <a:rPr lang="en-US" smtClean="0"/>
-              <a:t>Second level</a:t>
-            </a:r>
-            <a:endParaRPr lang="en-US" smtClean="0"/>
+              <a:rPr lang="ru-RU" smtClean="0"/>
+              <a:t>Второй уровень</a:t>
+            </a:r>
+            <a:endParaRPr lang="ru-RU" smtClean="0"/>
           </a:p>
           <a:p>
             <a:pPr lvl="2"/>
             <a:r>
-              <a:rPr lang="en-US" smtClean="0"/>
-              <a:t>Third level</a:t>
-            </a:r>
-            <a:endParaRPr lang="en-US" smtClean="0"/>
+              <a:rPr lang="ru-RU" smtClean="0"/>
+              <a:t>Третий уровень</a:t>
+            </a:r>
+            <a:endParaRPr lang="ru-RU" smtClean="0"/>
           </a:p>
           <a:p>
             <a:pPr lvl="3"/>
             <a:r>
-              <a:rPr lang="en-US" smtClean="0"/>
-              <a:t>Fourth level</a:t>
-            </a:r>
-            <a:endParaRPr lang="en-US" smtClean="0"/>
+              <a:rPr lang="ru-RU" smtClean="0"/>
+              <a:t>Четвертый уровень</a:t>
+            </a:r>
+            <a:endParaRPr lang="ru-RU" smtClean="0"/>
           </a:p>
           <a:p>
             <a:pPr lvl="4"/>
             <a:r>
-              <a:rPr lang="en-US" smtClean="0"/>
-              <a:t>Fifth level</a:t>
-            </a:r>
-            <a:endParaRPr lang="en-US"/>
-          </a:p>
-        </p:txBody>
-      </p:sp>
-      <p:sp>
-        <p:nvSpPr>
-          <p:cNvPr id="4" name="Content Placeholder 3"/>
+              <a:rPr lang="ru-RU" smtClean="0"/>
+              <a:t>Пятый уровень</a:t>
+            </a:r>
+            <a:endParaRPr lang="ru-RU"/>
+          </a:p>
+        </p:txBody>
+      </p:sp>
+      <p:sp>
+        <p:nvSpPr>
+          <p:cNvPr id="4" name="Объект 3"/>
           <p:cNvSpPr>
             <a:spLocks noGrp="1"/>
           </p:cNvSpPr>
@@ -1563,8 +1569,8 @@
         </p:nvSpPr>
         <p:spPr>
           <a:xfrm>
-            <a:off x="6172200" y="1825625"/>
-            <a:ext cx="5181600" cy="4351338"/>
+            <a:off x="6205728" y="1600200"/>
+            <a:ext cx="5376672" cy="4525963"/>
           </a:xfrm>
         </p:spPr>
         <p:txBody>
@@ -1573,48 +1579,48 @@
           <a:p>
             <a:pPr lvl="0"/>
             <a:r>
-              <a:rPr lang="en-US" smtClean="0"/>
-              <a:t>Click to edit Master text styles</a:t>
-            </a:r>
-            <a:endParaRPr lang="en-US" smtClean="0"/>
+              <a:rPr lang="ru-RU" smtClean="0"/>
+              <a:t>Образец текста</a:t>
+            </a:r>
+            <a:endParaRPr lang="ru-RU" smtClean="0"/>
           </a:p>
           <a:p>
             <a:pPr lvl="1"/>
             <a:r>
-              <a:rPr lang="en-US" smtClean="0"/>
-              <a:t>Second level</a:t>
-            </a:r>
-            <a:endParaRPr lang="en-US" smtClean="0"/>
+              <a:rPr lang="ru-RU" smtClean="0"/>
+              <a:t>Второй уровень</a:t>
+            </a:r>
+            <a:endParaRPr lang="ru-RU" smtClean="0"/>
           </a:p>
           <a:p>
             <a:pPr lvl="2"/>
             <a:r>
-              <a:rPr lang="en-US" smtClean="0"/>
-              <a:t>Third level</a:t>
-            </a:r>
-            <a:endParaRPr lang="en-US" smtClean="0"/>
+              <a:rPr lang="ru-RU" smtClean="0"/>
+              <a:t>Третий уровень</a:t>
+            </a:r>
+            <a:endParaRPr lang="ru-RU" smtClean="0"/>
           </a:p>
           <a:p>
             <a:pPr lvl="3"/>
             <a:r>
-              <a:rPr lang="en-US" smtClean="0"/>
-              <a:t>Fourth level</a:t>
-            </a:r>
-            <a:endParaRPr lang="en-US" smtClean="0"/>
+              <a:rPr lang="ru-RU" smtClean="0"/>
+              <a:t>Четвертый уровень</a:t>
+            </a:r>
+            <a:endParaRPr lang="ru-RU" smtClean="0"/>
           </a:p>
           <a:p>
             <a:pPr lvl="4"/>
             <a:r>
-              <a:rPr lang="en-US" smtClean="0"/>
-              <a:t>Fifth level</a:t>
-            </a:r>
-            <a:endParaRPr lang="en-US"/>
-          </a:p>
-        </p:txBody>
-      </p:sp>
-      <p:sp>
-        <p:nvSpPr>
-          <p:cNvPr id="5" name="Date Placeholder 4"/>
+              <a:rPr lang="ru-RU" smtClean="0"/>
+              <a:t>Пятый уровень</a:t>
+            </a:r>
+            <a:endParaRPr lang="ru-RU"/>
+          </a:p>
+        </p:txBody>
+      </p:sp>
+      <p:sp>
+        <p:nvSpPr>
+          <p:cNvPr id="5" name="Дата 4"/>
           <p:cNvSpPr>
             <a:spLocks noGrp="1"/>
           </p:cNvSpPr>
@@ -1636,7 +1642,7 @@
       </p:sp>
       <p:sp>
         <p:nvSpPr>
-          <p:cNvPr id="6" name="Footer Placeholder 5"/>
+          <p:cNvPr id="6" name="Нижний колонтитул 5"/>
           <p:cNvSpPr>
             <a:spLocks noGrp="1"/>
           </p:cNvSpPr>
@@ -1655,7 +1661,7 @@
       </p:sp>
       <p:sp>
         <p:nvSpPr>
-          <p:cNvPr id="7" name="Slide Number Placeholder 6"/>
+          <p:cNvPr id="7" name="Номер слайда 6"/>
           <p:cNvSpPr>
             <a:spLocks noGrp="1"/>
           </p:cNvSpPr>
@@ -1680,12 +1686,13 @@
   <p:clrMapOvr>
     <a:masterClrMapping/>
   </p:clrMapOvr>
+  <p:hf sldNum="0" hdr="0" ftr="0" dt="0"/>
 </p:sldLayout>
 </file>
 
 <file path=ppt/slideLayouts/slideLayout5.xml><?xml version="1.0" encoding="utf-8"?>
 <p:sldLayout xmlns:a="http://schemas.openxmlformats.org/drawingml/2006/main" xmlns:r="http://schemas.openxmlformats.org/officeDocument/2006/relationships" xmlns:p="http://schemas.openxmlformats.org/presentationml/2006/main" type="twoTxTwoObj" preserve="1">
-  <p:cSld name="Comparison">
+  <p:cSld name="Сравнение">
     <p:spTree>
       <p:nvGrpSpPr>
         <p:cNvPr id="1" name=""/>
@@ -1702,7 +1709,7 @@
       </p:grpSpPr>
       <p:sp>
         <p:nvSpPr>
-          <p:cNvPr id="2" name="Title 1"/>
+          <p:cNvPr id="2" name="Заголовок 1"/>
           <p:cNvSpPr>
             <a:spLocks noGrp="1"/>
           </p:cNvSpPr>
@@ -1721,16 +1728,16 @@
           <a:lstStyle/>
           <a:p>
             <a:r>
-              <a:rPr lang="en-US" smtClean="0"/>
-              <a:t>Click to edit Master title style</a:t>
-            </a:r>
-            <a:endParaRPr lang="en-US"/>
-          </a:p>
-        </p:txBody>
-      </p:sp>
-      <p:sp>
-        <p:nvSpPr>
-          <p:cNvPr id="3" name="Text Placeholder 2"/>
+              <a:rPr lang="ru-RU" smtClean="0"/>
+              <a:t>Образец заголовка</a:t>
+            </a:r>
+            <a:endParaRPr lang="ru-RU"/>
+          </a:p>
+        </p:txBody>
+      </p:sp>
+      <p:sp>
+        <p:nvSpPr>
+          <p:cNvPr id="3" name="Текст 2"/>
           <p:cNvSpPr>
             <a:spLocks noGrp="1"/>
           </p:cNvSpPr>
@@ -1749,54 +1756,54 @@
           <a:lstStyle>
             <a:lvl1pPr marL="0" indent="0">
               <a:buNone/>
-              <a:defRPr sz="2400" b="1"/>
+              <a:defRPr sz="1800" b="1"/>
             </a:lvl1pPr>
-            <a:lvl2pPr marL="457200" indent="0">
-              <a:buNone/>
-              <a:defRPr sz="2000" b="1"/>
+            <a:lvl2pPr marL="342900" indent="0">
+              <a:buNone/>
+              <a:defRPr sz="1500" b="1"/>
             </a:lvl2pPr>
-            <a:lvl3pPr marL="914400" indent="0">
-              <a:buNone/>
-              <a:defRPr sz="1800" b="1"/>
+            <a:lvl3pPr marL="685800" indent="0">
+              <a:buNone/>
+              <a:defRPr sz="1350" b="1"/>
             </a:lvl3pPr>
-            <a:lvl4pPr marL="1371600" indent="0">
-              <a:buNone/>
-              <a:defRPr sz="1600" b="1"/>
+            <a:lvl4pPr marL="1028700" indent="0">
+              <a:buNone/>
+              <a:defRPr sz="1200" b="1"/>
             </a:lvl4pPr>
-            <a:lvl5pPr marL="1828800" indent="0">
-              <a:buNone/>
-              <a:defRPr sz="1600" b="1"/>
+            <a:lvl5pPr marL="1371600" indent="0">
+              <a:buNone/>
+              <a:defRPr sz="1200" b="1"/>
             </a:lvl5pPr>
-            <a:lvl6pPr marL="2286000" indent="0">
-              <a:buNone/>
-              <a:defRPr sz="1600" b="1"/>
+            <a:lvl6pPr marL="1714500" indent="0">
+              <a:buNone/>
+              <a:defRPr sz="1200" b="1"/>
             </a:lvl6pPr>
-            <a:lvl7pPr marL="2743200" indent="0">
-              <a:buNone/>
-              <a:defRPr sz="1600" b="1"/>
+            <a:lvl7pPr marL="2057400" indent="0">
+              <a:buNone/>
+              <a:defRPr sz="1200" b="1"/>
             </a:lvl7pPr>
-            <a:lvl8pPr marL="3200400" indent="0">
-              <a:buNone/>
-              <a:defRPr sz="1600" b="1"/>
+            <a:lvl8pPr marL="2400300" indent="0">
+              <a:buNone/>
+              <a:defRPr sz="1200" b="1"/>
             </a:lvl8pPr>
-            <a:lvl9pPr marL="3657600" indent="0">
-              <a:buNone/>
-              <a:defRPr sz="1600" b="1"/>
+            <a:lvl9pPr marL="2743200" indent="0">
+              <a:buNone/>
+              <a:defRPr sz="1200" b="1"/>
             </a:lvl9pPr>
           </a:lstStyle>
           <a:p>
             <a:pPr lvl="0"/>
             <a:r>
-              <a:rPr lang="en-US" smtClean="0"/>
-              <a:t>Click to edit Master text styles</a:t>
-            </a:r>
-            <a:endParaRPr lang="en-US" smtClean="0"/>
-          </a:p>
-        </p:txBody>
-      </p:sp>
-      <p:sp>
-        <p:nvSpPr>
-          <p:cNvPr id="4" name="Content Placeholder 3"/>
+              <a:rPr lang="ru-RU" smtClean="0"/>
+              <a:t>Образец текста</a:t>
+            </a:r>
+            <a:endParaRPr lang="ru-RU" smtClean="0"/>
+          </a:p>
+        </p:txBody>
+      </p:sp>
+      <p:sp>
+        <p:nvSpPr>
+          <p:cNvPr id="4" name="Объект 3"/>
           <p:cNvSpPr>
             <a:spLocks noGrp="1"/>
           </p:cNvSpPr>
@@ -1816,48 +1823,48 @@
           <a:p>
             <a:pPr lvl="0"/>
             <a:r>
-              <a:rPr lang="en-US" smtClean="0"/>
-              <a:t>Click to edit Master text styles</a:t>
-            </a:r>
-            <a:endParaRPr lang="en-US" smtClean="0"/>
+              <a:rPr lang="ru-RU" smtClean="0"/>
+              <a:t>Образец текста</a:t>
+            </a:r>
+            <a:endParaRPr lang="ru-RU" smtClean="0"/>
           </a:p>
           <a:p>
             <a:pPr lvl="1"/>
             <a:r>
-              <a:rPr lang="en-US" smtClean="0"/>
-              <a:t>Second level</a:t>
-            </a:r>
-            <a:endParaRPr lang="en-US" smtClean="0"/>
+              <a:rPr lang="ru-RU" smtClean="0"/>
+              <a:t>Второй уровень</a:t>
+            </a:r>
+            <a:endParaRPr lang="ru-RU" smtClean="0"/>
           </a:p>
           <a:p>
             <a:pPr lvl="2"/>
             <a:r>
-              <a:rPr lang="en-US" smtClean="0"/>
-              <a:t>Third level</a:t>
-            </a:r>
-            <a:endParaRPr lang="en-US" smtClean="0"/>
+              <a:rPr lang="ru-RU" smtClean="0"/>
+              <a:t>Третий уровень</a:t>
+            </a:r>
+            <a:endParaRPr lang="ru-RU" smtClean="0"/>
           </a:p>
           <a:p>
             <a:pPr lvl="3"/>
             <a:r>
-              <a:rPr lang="en-US" smtClean="0"/>
-              <a:t>Fourth level</a:t>
-            </a:r>
-            <a:endParaRPr lang="en-US" smtClean="0"/>
+              <a:rPr lang="ru-RU" smtClean="0"/>
+              <a:t>Четвертый уровень</a:t>
+            </a:r>
+            <a:endParaRPr lang="ru-RU" smtClean="0"/>
           </a:p>
           <a:p>
             <a:pPr lvl="4"/>
             <a:r>
-              <a:rPr lang="en-US" smtClean="0"/>
-              <a:t>Fifth level</a:t>
-            </a:r>
-            <a:endParaRPr lang="en-US"/>
-          </a:p>
-        </p:txBody>
-      </p:sp>
-      <p:sp>
-        <p:nvSpPr>
-          <p:cNvPr id="5" name="Text Placeholder 4"/>
+              <a:rPr lang="ru-RU" smtClean="0"/>
+              <a:t>Пятый уровень</a:t>
+            </a:r>
+            <a:endParaRPr lang="ru-RU"/>
+          </a:p>
+        </p:txBody>
+      </p:sp>
+      <p:sp>
+        <p:nvSpPr>
+          <p:cNvPr id="5" name="Текст 4"/>
           <p:cNvSpPr>
             <a:spLocks noGrp="1"/>
           </p:cNvSpPr>
@@ -1876,54 +1883,54 @@
           <a:lstStyle>
             <a:lvl1pPr marL="0" indent="0">
               <a:buNone/>
-              <a:defRPr sz="2400" b="1"/>
+              <a:defRPr sz="1800" b="1"/>
             </a:lvl1pPr>
-            <a:lvl2pPr marL="457200" indent="0">
-              <a:buNone/>
-              <a:defRPr sz="2000" b="1"/>
+            <a:lvl2pPr marL="342900" indent="0">
+              <a:buNone/>
+              <a:defRPr sz="1500" b="1"/>
             </a:lvl2pPr>
-            <a:lvl3pPr marL="914400" indent="0">
-              <a:buNone/>
-              <a:defRPr sz="1800" b="1"/>
+            <a:lvl3pPr marL="685800" indent="0">
+              <a:buNone/>
+              <a:defRPr sz="1350" b="1"/>
             </a:lvl3pPr>
-            <a:lvl4pPr marL="1371600" indent="0">
-              <a:buNone/>
-              <a:defRPr sz="1600" b="1"/>
+            <a:lvl4pPr marL="1028700" indent="0">
+              <a:buNone/>
+              <a:defRPr sz="1200" b="1"/>
             </a:lvl4pPr>
-            <a:lvl5pPr marL="1828800" indent="0">
-              <a:buNone/>
-              <a:defRPr sz="1600" b="1"/>
+            <a:lvl5pPr marL="1371600" indent="0">
+              <a:buNone/>
+              <a:defRPr sz="1200" b="1"/>
             </a:lvl5pPr>
-            <a:lvl6pPr marL="2286000" indent="0">
-              <a:buNone/>
-              <a:defRPr sz="1600" b="1"/>
+            <a:lvl6pPr marL="1714500" indent="0">
+              <a:buNone/>
+              <a:defRPr sz="1200" b="1"/>
             </a:lvl6pPr>
-            <a:lvl7pPr marL="2743200" indent="0">
-              <a:buNone/>
-              <a:defRPr sz="1600" b="1"/>
+            <a:lvl7pPr marL="2057400" indent="0">
+              <a:buNone/>
+              <a:defRPr sz="1200" b="1"/>
             </a:lvl7pPr>
-            <a:lvl8pPr marL="3200400" indent="0">
-              <a:buNone/>
-              <a:defRPr sz="1600" b="1"/>
+            <a:lvl8pPr marL="2400300" indent="0">
+              <a:buNone/>
+              <a:defRPr sz="1200" b="1"/>
             </a:lvl8pPr>
-            <a:lvl9pPr marL="3657600" indent="0">
-              <a:buNone/>
-              <a:defRPr sz="1600" b="1"/>
+            <a:lvl9pPr marL="2743200" indent="0">
+              <a:buNone/>
+              <a:defRPr sz="1200" b="1"/>
             </a:lvl9pPr>
           </a:lstStyle>
           <a:p>
             <a:pPr lvl="0"/>
             <a:r>
-              <a:rPr lang="en-US" smtClean="0"/>
-              <a:t>Click to edit Master text styles</a:t>
-            </a:r>
-            <a:endParaRPr lang="en-US" smtClean="0"/>
-          </a:p>
-        </p:txBody>
-      </p:sp>
-      <p:sp>
-        <p:nvSpPr>
-          <p:cNvPr id="6" name="Content Placeholder 5"/>
+              <a:rPr lang="ru-RU" smtClean="0"/>
+              <a:t>Образец текста</a:t>
+            </a:r>
+            <a:endParaRPr lang="ru-RU" smtClean="0"/>
+          </a:p>
+        </p:txBody>
+      </p:sp>
+      <p:sp>
+        <p:nvSpPr>
+          <p:cNvPr id="6" name="Объект 5"/>
           <p:cNvSpPr>
             <a:spLocks noGrp="1"/>
           </p:cNvSpPr>
@@ -1943,48 +1950,48 @@
           <a:p>
             <a:pPr lvl="0"/>
             <a:r>
-              <a:rPr lang="en-US" smtClean="0"/>
-              <a:t>Click to edit Master text styles</a:t>
-            </a:r>
-            <a:endParaRPr lang="en-US" smtClean="0"/>
+              <a:rPr lang="ru-RU" smtClean="0"/>
+              <a:t>Образец текста</a:t>
+            </a:r>
+            <a:endParaRPr lang="ru-RU" smtClean="0"/>
           </a:p>
           <a:p>
             <a:pPr lvl="1"/>
             <a:r>
-              <a:rPr lang="en-US" smtClean="0"/>
-              <a:t>Second level</a:t>
-            </a:r>
-            <a:endParaRPr lang="en-US" smtClean="0"/>
+              <a:rPr lang="ru-RU" smtClean="0"/>
+              <a:t>Второй уровень</a:t>
+            </a:r>
+            <a:endParaRPr lang="ru-RU" smtClean="0"/>
           </a:p>
           <a:p>
             <a:pPr lvl="2"/>
             <a:r>
-              <a:rPr lang="en-US" smtClean="0"/>
-              <a:t>Third level</a:t>
-            </a:r>
-            <a:endParaRPr lang="en-US" smtClean="0"/>
+              <a:rPr lang="ru-RU" smtClean="0"/>
+              <a:t>Третий уровень</a:t>
+            </a:r>
+            <a:endParaRPr lang="ru-RU" smtClean="0"/>
           </a:p>
           <a:p>
             <a:pPr lvl="3"/>
             <a:r>
-              <a:rPr lang="en-US" smtClean="0"/>
-              <a:t>Fourth level</a:t>
-            </a:r>
-            <a:endParaRPr lang="en-US" smtClean="0"/>
+              <a:rPr lang="ru-RU" smtClean="0"/>
+              <a:t>Четвертый уровень</a:t>
+            </a:r>
+            <a:endParaRPr lang="ru-RU" smtClean="0"/>
           </a:p>
           <a:p>
             <a:pPr lvl="4"/>
             <a:r>
-              <a:rPr lang="en-US" smtClean="0"/>
-              <a:t>Fifth level</a:t>
-            </a:r>
-            <a:endParaRPr lang="en-US"/>
-          </a:p>
-        </p:txBody>
-      </p:sp>
-      <p:sp>
-        <p:nvSpPr>
-          <p:cNvPr id="7" name="Date Placeholder 6"/>
+              <a:rPr lang="ru-RU" smtClean="0"/>
+              <a:t>Пятый уровень</a:t>
+            </a:r>
+            <a:endParaRPr lang="ru-RU"/>
+          </a:p>
+        </p:txBody>
+      </p:sp>
+      <p:sp>
+        <p:nvSpPr>
+          <p:cNvPr id="7" name="Дата 6"/>
           <p:cNvSpPr>
             <a:spLocks noGrp="1"/>
           </p:cNvSpPr>
@@ -2006,7 +2013,7 @@
       </p:sp>
       <p:sp>
         <p:nvSpPr>
-          <p:cNvPr id="8" name="Footer Placeholder 7"/>
+          <p:cNvPr id="8" name="Нижний колонтитул 7"/>
           <p:cNvSpPr>
             <a:spLocks noGrp="1"/>
           </p:cNvSpPr>
@@ -2025,7 +2032,7 @@
       </p:sp>
       <p:sp>
         <p:nvSpPr>
-          <p:cNvPr id="9" name="Slide Number Placeholder 8"/>
+          <p:cNvPr id="9" name="Номер слайда 8"/>
           <p:cNvSpPr>
             <a:spLocks noGrp="1"/>
           </p:cNvSpPr>
@@ -2050,12 +2057,13 @@
   <p:clrMapOvr>
     <a:masterClrMapping/>
   </p:clrMapOvr>
+  <p:hf sldNum="0" hdr="0" ftr="0" dt="0"/>
 </p:sldLayout>
 </file>
 
 <file path=ppt/slideLayouts/slideLayout6.xml><?xml version="1.0" encoding="utf-8"?>
 <p:sldLayout xmlns:a="http://schemas.openxmlformats.org/drawingml/2006/main" xmlns:r="http://schemas.openxmlformats.org/officeDocument/2006/relationships" xmlns:p="http://schemas.openxmlformats.org/presentationml/2006/main" type="titleOnly" preserve="1">
-  <p:cSld name="Title Only">
+  <p:cSld name="Только заголовок">
     <p:spTree>
       <p:nvGrpSpPr>
         <p:cNvPr id="1" name=""/>
@@ -2072,7 +2080,7 @@
       </p:grpSpPr>
       <p:sp>
         <p:nvSpPr>
-          <p:cNvPr id="2" name="Title 1"/>
+          <p:cNvPr id="2" name="Заголовок 1"/>
           <p:cNvSpPr>
             <a:spLocks noGrp="1"/>
           </p:cNvSpPr>
@@ -2086,16 +2094,16 @@
           <a:lstStyle/>
           <a:p>
             <a:r>
-              <a:rPr lang="en-US" smtClean="0"/>
-              <a:t>Click to edit Master title style</a:t>
-            </a:r>
-            <a:endParaRPr lang="en-US"/>
-          </a:p>
-        </p:txBody>
-      </p:sp>
-      <p:sp>
-        <p:nvSpPr>
-          <p:cNvPr id="3" name="Date Placeholder 2"/>
+              <a:rPr lang="ru-RU" smtClean="0"/>
+              <a:t>Образец заголовка</a:t>
+            </a:r>
+            <a:endParaRPr lang="ru-RU"/>
+          </a:p>
+        </p:txBody>
+      </p:sp>
+      <p:sp>
+        <p:nvSpPr>
+          <p:cNvPr id="3" name="Дата 2"/>
           <p:cNvSpPr>
             <a:spLocks noGrp="1"/>
           </p:cNvSpPr>
@@ -2117,7 +2125,7 @@
       </p:sp>
       <p:sp>
         <p:nvSpPr>
-          <p:cNvPr id="4" name="Footer Placeholder 3"/>
+          <p:cNvPr id="4" name="Нижний колонтитул 3"/>
           <p:cNvSpPr>
             <a:spLocks noGrp="1"/>
           </p:cNvSpPr>
@@ -2136,7 +2144,7 @@
       </p:sp>
       <p:sp>
         <p:nvSpPr>
-          <p:cNvPr id="5" name="Slide Number Placeholder 4"/>
+          <p:cNvPr id="5" name="Номер слайда 4"/>
           <p:cNvSpPr>
             <a:spLocks noGrp="1"/>
           </p:cNvSpPr>
@@ -2161,12 +2169,13 @@
   <p:clrMapOvr>
     <a:masterClrMapping/>
   </p:clrMapOvr>
+  <p:hf sldNum="0" hdr="0" ftr="0" dt="0"/>
 </p:sldLayout>
 </file>
 
 <file path=ppt/slideLayouts/slideLayout7.xml><?xml version="1.0" encoding="utf-8"?>
 <p:sldLayout xmlns:a="http://schemas.openxmlformats.org/drawingml/2006/main" xmlns:r="http://schemas.openxmlformats.org/officeDocument/2006/relationships" xmlns:p="http://schemas.openxmlformats.org/presentationml/2006/main" type="blank" preserve="1">
-  <p:cSld name="Blank">
+  <p:cSld name="Пустой слайд">
     <p:spTree>
       <p:nvGrpSpPr>
         <p:cNvPr id="1" name=""/>
@@ -2183,7 +2192,7 @@
       </p:grpSpPr>
       <p:sp>
         <p:nvSpPr>
-          <p:cNvPr id="2" name="Date Placeholder 1"/>
+          <p:cNvPr id="2" name="Дата 1"/>
           <p:cNvSpPr>
             <a:spLocks noGrp="1"/>
           </p:cNvSpPr>
@@ -2205,7 +2214,7 @@
       </p:sp>
       <p:sp>
         <p:nvSpPr>
-          <p:cNvPr id="3" name="Footer Placeholder 2"/>
+          <p:cNvPr id="3" name="Нижний колонтитул 2"/>
           <p:cNvSpPr>
             <a:spLocks noGrp="1"/>
           </p:cNvSpPr>
@@ -2224,7 +2233,7 @@
       </p:sp>
       <p:sp>
         <p:nvSpPr>
-          <p:cNvPr id="4" name="Slide Number Placeholder 3"/>
+          <p:cNvPr id="4" name="Номер слайда 3"/>
           <p:cNvSpPr>
             <a:spLocks noGrp="1"/>
           </p:cNvSpPr>
@@ -2249,12 +2258,13 @@
   <p:clrMapOvr>
     <a:masterClrMapping/>
   </p:clrMapOvr>
+  <p:hf sldNum="0" hdr="0" ftr="0" dt="0"/>
 </p:sldLayout>
 </file>
 
 <file path=ppt/slideLayouts/slideLayout8.xml><?xml version="1.0" encoding="utf-8"?>
 <p:sldLayout xmlns:a="http://schemas.openxmlformats.org/drawingml/2006/main" xmlns:r="http://schemas.openxmlformats.org/officeDocument/2006/relationships" xmlns:p="http://schemas.openxmlformats.org/presentationml/2006/main" type="objTx" preserve="1">
-  <p:cSld name="Content with Caption">
+  <p:cSld name="Объект с подписью">
     <p:spTree>
       <p:nvGrpSpPr>
         <p:cNvPr id="1" name=""/>
@@ -2271,7 +2281,7 @@
       </p:grpSpPr>
       <p:sp>
         <p:nvSpPr>
-          <p:cNvPr id="2" name="Title 1"/>
+          <p:cNvPr id="2" name="Заголовок 1"/>
           <p:cNvSpPr>
             <a:spLocks noGrp="1"/>
           </p:cNvSpPr>
@@ -2289,21 +2299,21 @@
           <a:bodyPr anchor="b"/>
           <a:lstStyle>
             <a:lvl1pPr>
-              <a:defRPr sz="3200"/>
+              <a:defRPr sz="2400"/>
             </a:lvl1pPr>
           </a:lstStyle>
           <a:p>
             <a:r>
-              <a:rPr lang="en-US" smtClean="0"/>
-              <a:t>Click to edit Master title style</a:t>
-            </a:r>
-            <a:endParaRPr lang="en-US"/>
-          </a:p>
-        </p:txBody>
-      </p:sp>
-      <p:sp>
-        <p:nvSpPr>
-          <p:cNvPr id="3" name="Content Placeholder 2"/>
+              <a:rPr lang="ru-RU" smtClean="0"/>
+              <a:t>Образец заголовка</a:t>
+            </a:r>
+            <a:endParaRPr lang="ru-RU"/>
+          </a:p>
+        </p:txBody>
+      </p:sp>
+      <p:sp>
+        <p:nvSpPr>
+          <p:cNvPr id="3" name="Объект 2"/>
           <p:cNvSpPr>
             <a:spLocks noGrp="1"/>
           </p:cNvSpPr>
@@ -2321,78 +2331,78 @@
           <a:bodyPr/>
           <a:lstStyle>
             <a:lvl1pPr>
-              <a:defRPr sz="3200"/>
+              <a:defRPr sz="2400"/>
             </a:lvl1pPr>
             <a:lvl2pPr>
-              <a:defRPr sz="2800"/>
+              <a:defRPr sz="2100"/>
             </a:lvl2pPr>
             <a:lvl3pPr>
-              <a:defRPr sz="2400"/>
+              <a:defRPr sz="1800"/>
             </a:lvl3pPr>
             <a:lvl4pPr>
-              <a:defRPr sz="2000"/>
+              <a:defRPr sz="1500"/>
             </a:lvl4pPr>
             <a:lvl5pPr>
-              <a:defRPr sz="2000"/>
+              <a:defRPr sz="1500"/>
             </a:lvl5pPr>
             <a:lvl6pPr>
-              <a:defRPr sz="2000"/>
+              <a:defRPr sz="1500"/>
             </a:lvl6pPr>
             <a:lvl7pPr>
-              <a:defRPr sz="2000"/>
+              <a:defRPr sz="1500"/>
             </a:lvl7pPr>
             <a:lvl8pPr>
-              <a:defRPr sz="2000"/>
+              <a:defRPr sz="1500"/>
             </a:lvl8pPr>
             <a:lvl9pPr>
-              <a:defRPr sz="2000"/>
+              <a:defRPr sz="1500"/>
             </a:lvl9pPr>
           </a:lstStyle>
           <a:p>
             <a:pPr lvl="0"/>
             <a:r>
-              <a:rPr lang="en-US" smtClean="0"/>
-              <a:t>Click to edit Master text styles</a:t>
-            </a:r>
-            <a:endParaRPr lang="en-US" smtClean="0"/>
+              <a:rPr lang="ru-RU" smtClean="0"/>
+              <a:t>Образец текста</a:t>
+            </a:r>
+            <a:endParaRPr lang="ru-RU" smtClean="0"/>
           </a:p>
           <a:p>
             <a:pPr lvl="1"/>
             <a:r>
-              <a:rPr lang="en-US" smtClean="0"/>
-              <a:t>Second level</a:t>
-            </a:r>
-            <a:endParaRPr lang="en-US" smtClean="0"/>
+              <a:rPr lang="ru-RU" smtClean="0"/>
+              <a:t>Второй уровень</a:t>
+            </a:r>
+            <a:endParaRPr lang="ru-RU" smtClean="0"/>
           </a:p>
           <a:p>
             <a:pPr lvl="2"/>
             <a:r>
-              <a:rPr lang="en-US" smtClean="0"/>
-              <a:t>Third level</a:t>
-            </a:r>
-            <a:endParaRPr lang="en-US" smtClean="0"/>
+              <a:rPr lang="ru-RU" smtClean="0"/>
+              <a:t>Третий уровень</a:t>
+            </a:r>
+            <a:endParaRPr lang="ru-RU" smtClean="0"/>
           </a:p>
           <a:p>
             <a:pPr lvl="3"/>
             <a:r>
-              <a:rPr lang="en-US" smtClean="0"/>
-              <a:t>Fourth level</a:t>
-            </a:r>
-            <a:endParaRPr lang="en-US" smtClean="0"/>
+              <a:rPr lang="ru-RU" smtClean="0"/>
+              <a:t>Четвертый уровень</a:t>
+            </a:r>
+            <a:endParaRPr lang="ru-RU" smtClean="0"/>
           </a:p>
           <a:p>
             <a:pPr lvl="4"/>
             <a:r>
-              <a:rPr lang="en-US" smtClean="0"/>
-              <a:t>Fifth level</a:t>
-            </a:r>
-            <a:endParaRPr lang="en-US"/>
-          </a:p>
-        </p:txBody>
-      </p:sp>
-      <p:sp>
-        <p:nvSpPr>
-          <p:cNvPr id="4" name="Text Placeholder 3"/>
+              <a:rPr lang="ru-RU" smtClean="0"/>
+              <a:t>Пятый уровень</a:t>
+            </a:r>
+            <a:endParaRPr lang="ru-RU"/>
+          </a:p>
+        </p:txBody>
+      </p:sp>
+      <p:sp>
+        <p:nvSpPr>
+          <p:cNvPr id="4" name="Текст 3"/>
           <p:cNvSpPr>
             <a:spLocks noGrp="1"/>
           </p:cNvSpPr>
@@ -2411,54 +2421,54 @@
           <a:lstStyle>
             <a:lvl1pPr marL="0" indent="0">
               <a:buNone/>
-              <a:defRPr sz="1600"/>
+              <a:defRPr sz="1200"/>
             </a:lvl1pPr>
-            <a:lvl2pPr marL="457200" indent="0">
-              <a:buNone/>
-              <a:defRPr sz="1400"/>
+            <a:lvl2pPr marL="342900" indent="0">
+              <a:buNone/>
+              <a:defRPr sz="1050"/>
             </a:lvl2pPr>
-            <a:lvl3pPr marL="914400" indent="0">
-              <a:buNone/>
-              <a:defRPr sz="1200"/>
+            <a:lvl3pPr marL="685800" indent="0">
+              <a:buNone/>
+              <a:defRPr sz="900"/>
             </a:lvl3pPr>
-            <a:lvl4pPr marL="1371600" indent="0">
-              <a:buNone/>
-              <a:defRPr sz="1000"/>
+            <a:lvl4pPr marL="1028700" indent="0">
+              <a:buNone/>
+              <a:defRPr sz="750"/>
             </a:lvl4pPr>
-            <a:lvl5pPr marL="1828800" indent="0">
-              <a:buNone/>
-              <a:defRPr sz="1000"/>
+            <a:lvl5pPr marL="1371600" indent="0">
+              <a:buNone/>
+              <a:defRPr sz="750"/>
             </a:lvl5pPr>
-            <a:lvl6pPr marL="2286000" indent="0">
-              <a:buNone/>
-              <a:defRPr sz="1000"/>
+            <a:lvl6pPr marL="1714500" indent="0">
+              <a:buNone/>
+              <a:defRPr sz="750"/>
             </a:lvl6pPr>
-            <a:lvl7pPr marL="2743200" indent="0">
-              <a:buNone/>
-              <a:defRPr sz="1000"/>
+            <a:lvl7pPr marL="2057400" indent="0">
+              <a:buNone/>
+              <a:defRPr sz="750"/>
             </a:lvl7pPr>
-            <a:lvl8pPr marL="3200400" indent="0">
-              <a:buNone/>
-              <a:defRPr sz="1000"/>
+            <a:lvl8pPr marL="2400300" indent="0">
+              <a:buNone/>
+              <a:defRPr sz="750"/>
             </a:lvl8pPr>
-            <a:lvl9pPr marL="3657600" indent="0">
-              <a:buNone/>
-              <a:defRPr sz="1000"/>
+            <a:lvl9pPr marL="2743200" indent="0">
+              <a:buNone/>
+              <a:defRPr sz="750"/>
             </a:lvl9pPr>
           </a:lstStyle>
           <a:p>
             <a:pPr lvl="0"/>
             <a:r>
-              <a:rPr lang="en-US" smtClean="0"/>
-              <a:t>Click to edit Master text styles</a:t>
-            </a:r>
-            <a:endParaRPr lang="en-US" smtClean="0"/>
-          </a:p>
-        </p:txBody>
-      </p:sp>
-      <p:sp>
-        <p:nvSpPr>
-          <p:cNvPr id="5" name="Date Placeholder 4"/>
+              <a:rPr lang="ru-RU" smtClean="0"/>
+              <a:t>Образец текста</a:t>
+            </a:r>
+            <a:endParaRPr lang="ru-RU" smtClean="0"/>
+          </a:p>
+        </p:txBody>
+      </p:sp>
+      <p:sp>
+        <p:nvSpPr>
+          <p:cNvPr id="5" name="Дата 4"/>
           <p:cNvSpPr>
             <a:spLocks noGrp="1"/>
           </p:cNvSpPr>
@@ -2480,7 +2490,7 @@
       </p:sp>
       <p:sp>
         <p:nvSpPr>
-          <p:cNvPr id="6" name="Footer Placeholder 5"/>
+          <p:cNvPr id="6" name="Нижний колонтитул 5"/>
           <p:cNvSpPr>
             <a:spLocks noGrp="1"/>
           </p:cNvSpPr>
@@ -2499,7 +2509,7 @@
       </p:sp>
       <p:sp>
         <p:nvSpPr>
-          <p:cNvPr id="7" name="Slide Number Placeholder 6"/>
+          <p:cNvPr id="7" name="Номер слайда 6"/>
           <p:cNvSpPr>
             <a:spLocks noGrp="1"/>
           </p:cNvSpPr>
@@ -2524,12 +2534,13 @@
   <p:clrMapOvr>
     <a:masterClrMapping/>
   </p:clrMapOvr>
+  <p:hf sldNum="0" hdr="0" ftr="0" dt="0"/>
 </p:sldLayout>
 </file>
 
 <file path=ppt/slideLayouts/slideLayout9.xml><?xml version="1.0" encoding="utf-8"?>
 <p:sldLayout xmlns:a="http://schemas.openxmlformats.org/drawingml/2006/main" xmlns:r="http://schemas.openxmlformats.org/officeDocument/2006/relationships" xmlns:p="http://schemas.openxmlformats.org/presentationml/2006/main" type="picTx" preserve="1">
-  <p:cSld name="Picture with Caption">
+  <p:cSld name="Рисунок с подписью">
     <p:spTree>
       <p:nvGrpSpPr>
         <p:cNvPr id="1" name=""/>
@@ -2546,7 +2557,7 @@
       </p:grpSpPr>
       <p:sp>
         <p:nvSpPr>
-          <p:cNvPr id="2" name="Title 1"/>
+          <p:cNvPr id="2" name="Заголовок 1"/>
           <p:cNvSpPr>
             <a:spLocks noGrp="1"/>
           </p:cNvSpPr>
@@ -2564,21 +2575,21 @@
           <a:bodyPr anchor="b"/>
           <a:lstStyle>
             <a:lvl1pPr>
-              <a:defRPr sz="3200"/>
+              <a:defRPr sz="2400"/>
             </a:lvl1pPr>
           </a:lstStyle>
           <a:p>
             <a:r>
-              <a:rPr lang="en-US" smtClean="0"/>
-              <a:t>Click to edit Master title style</a:t>
-            </a:r>
-            <a:endParaRPr lang="en-US"/>
-          </a:p>
-        </p:txBody>
-      </p:sp>
-      <p:sp>
-        <p:nvSpPr>
-          <p:cNvPr id="3" name="Picture Placeholder 2"/>
+              <a:rPr lang="ru-RU" smtClean="0"/>
+              <a:t>Образец заголовка</a:t>
+            </a:r>
+            <a:endParaRPr lang="ru-RU"/>
+          </a:p>
+        </p:txBody>
+      </p:sp>
+      <p:sp>
+        <p:nvSpPr>
+          <p:cNvPr id="3" name="Рисунок 2"/>
           <p:cNvSpPr>
             <a:spLocks noGrp="1"/>
           </p:cNvSpPr>
@@ -2597,49 +2608,49 @@
           <a:lstStyle>
             <a:lvl1pPr marL="0" indent="0">
               <a:buNone/>
-              <a:defRPr sz="3200"/>
+              <a:defRPr sz="2400"/>
             </a:lvl1pPr>
-            <a:lvl2pPr marL="457200" indent="0">
-              <a:buNone/>
-              <a:defRPr sz="2800"/>
+            <a:lvl2pPr marL="342900" indent="0">
+              <a:buNone/>
+              <a:defRPr sz="2100"/>
             </a:lvl2pPr>
-            <a:lvl3pPr marL="914400" indent="0">
-              <a:buNone/>
-              <a:defRPr sz="2400"/>
+            <a:lvl3pPr marL="685800" indent="0">
+              <a:buNone/>
+              <a:defRPr sz="1800"/>
             </a:lvl3pPr>
-            <a:lvl4pPr marL="1371600" indent="0">
-              <a:buNone/>
-              <a:defRPr sz="2000"/>
+            <a:lvl4pPr marL="1028700" indent="0">
+              <a:buNone/>
+              <a:defRPr sz="1500"/>
             </a:lvl4pPr>
-            <a:lvl5pPr marL="1828800" indent="0">
-              <a:buNone/>
-              <a:defRPr sz="2000"/>
+            <a:lvl5pPr marL="1371600" indent="0">
+              <a:buNone/>
+              <a:defRPr sz="1500"/>
             </a:lvl5pPr>
-            <a:lvl6pPr marL="2286000" indent="0">
-              <a:buNone/>
-              <a:defRPr sz="2000"/>
+            <a:lvl6pPr marL="1714500" indent="0">
+              <a:buNone/>
+              <a:defRPr sz="1500"/>
             </a:lvl6pPr>
-            <a:lvl7pPr marL="2743200" indent="0">
-              <a:buNone/>
-              <a:defRPr sz="2000"/>
+            <a:lvl7pPr marL="2057400" indent="0">
+              <a:buNone/>
+              <a:defRPr sz="1500"/>
             </a:lvl7pPr>
-            <a:lvl8pPr marL="3200400" indent="0">
-              <a:buNone/>
-              <a:defRPr sz="2000"/>
+            <a:lvl8pPr marL="2400300" indent="0">
+              <a:buNone/>
+              <a:defRPr sz="1500"/>
             </a:lvl8pPr>
-            <a:lvl9pPr marL="3657600" indent="0">
-              <a:buNone/>
-              <a:defRPr sz="2000"/>
+            <a:lvl9pPr marL="2743200" indent="0">
+              <a:buNone/>
+              <a:defRPr sz="1500"/>
             </a:lvl9pPr>
           </a:lstStyle>
           <a:p>
-            <a:endParaRPr lang="en-US"/>
-          </a:p>
-        </p:txBody>
-      </p:sp>
-      <p:sp>
-        <p:nvSpPr>
-          <p:cNvPr id="4" name="Text Placeholder 3"/>
+            <a:endParaRPr lang="ru-RU"/>
+          </a:p>
+        </p:txBody>
+      </p:sp>
+      <p:sp>
+        <p:nvSpPr>
+          <p:cNvPr id="4" name="Текст 3"/>
           <p:cNvSpPr>
             <a:spLocks noGrp="1"/>
           </p:cNvSpPr>
@@ -2658,54 +2669,54 @@
           <a:lstStyle>
             <a:lvl1pPr marL="0" indent="0">
               <a:buNone/>
-              <a:defRPr sz="1600"/>
+              <a:defRPr sz="1200"/>
             </a:lvl1pPr>
-            <a:lvl2pPr marL="457200" indent="0">
-              <a:buNone/>
-              <a:defRPr sz="1400"/>
+            <a:lvl2pPr marL="342900" indent="0">
+              <a:buNone/>
+              <a:defRPr sz="1050"/>
             </a:lvl2pPr>
-            <a:lvl3pPr marL="914400" indent="0">
-              <a:buNone/>
-              <a:defRPr sz="1200"/>
+            <a:lvl3pPr marL="685800" indent="0">
+              <a:buNone/>
+              <a:defRPr sz="900"/>
             </a:lvl3pPr>
-            <a:lvl4pPr marL="1371600" indent="0">
-              <a:buNone/>
-              <a:defRPr sz="1000"/>
+            <a:lvl4pPr marL="1028700" indent="0">
+              <a:buNone/>
+              <a:defRPr sz="750"/>
             </a:lvl4pPr>
-            <a:lvl5pPr marL="1828800" indent="0">
-              <a:buNone/>
-              <a:defRPr sz="1000"/>
+            <a:lvl5pPr marL="1371600" indent="0">
+              <a:buNone/>
+              <a:defRPr sz="750"/>
             </a:lvl5pPr>
-            <a:lvl6pPr marL="2286000" indent="0">
-              <a:buNone/>
-              <a:defRPr sz="1000"/>
+            <a:lvl6pPr marL="1714500" indent="0">
+              <a:buNone/>
+              <a:defRPr sz="750"/>
             </a:lvl6pPr>
-            <a:lvl7pPr marL="2743200" indent="0">
-              <a:buNone/>
-              <a:defRPr sz="1000"/>
+            <a:lvl7pPr marL="2057400" indent="0">
+              <a:buNone/>
+              <a:defRPr sz="750"/>
             </a:lvl7pPr>
-            <a:lvl8pPr marL="3200400" indent="0">
-              <a:buNone/>
-              <a:defRPr sz="1000"/>
+            <a:lvl8pPr marL="2400300" indent="0">
+              <a:buNone/>
+              <a:defRPr sz="750"/>
             </a:lvl8pPr>
-            <a:lvl9pPr marL="3657600" indent="0">
-              <a:buNone/>
-              <a:defRPr sz="1000"/>
+            <a:lvl9pPr marL="2743200" indent="0">
+              <a:buNone/>
+              <a:defRPr sz="750"/>
             </a:lvl9pPr>
           </a:lstStyle>
           <a:p>
             <a:pPr lvl="0"/>
             <a:r>
-              <a:rPr lang="en-US" smtClean="0"/>
-              <a:t>Click to edit Master text styles</a:t>
-            </a:r>
-            <a:endParaRPr lang="en-US" smtClean="0"/>
-          </a:p>
-        </p:txBody>
-      </p:sp>
-      <p:sp>
-        <p:nvSpPr>
-          <p:cNvPr id="5" name="Date Placeholder 4"/>
+              <a:rPr lang="ru-RU" smtClean="0"/>
+              <a:t>Образец текста</a:t>
+            </a:r>
+            <a:endParaRPr lang="ru-RU" smtClean="0"/>
+          </a:p>
+        </p:txBody>
+      </p:sp>
+      <p:sp>
+        <p:nvSpPr>
+          <p:cNvPr id="5" name="Дата 4"/>
           <p:cNvSpPr>
             <a:spLocks noGrp="1"/>
           </p:cNvSpPr>
@@ -2727,7 +2738,7 @@
       </p:sp>
       <p:sp>
         <p:nvSpPr>
-          <p:cNvPr id="6" name="Footer Placeholder 5"/>
+          <p:cNvPr id="6" name="Нижний колонтитул 5"/>
           <p:cNvSpPr>
             <a:spLocks noGrp="1"/>
           </p:cNvSpPr>
@@ -2746,7 +2757,7 @@
       </p:sp>
       <p:sp>
         <p:nvSpPr>
-          <p:cNvPr id="7" name="Slide Number Placeholder 6"/>
+          <p:cNvPr id="7" name="Номер слайда 6"/>
           <p:cNvSpPr>
             <a:spLocks noGrp="1"/>
           </p:cNvSpPr>
@@ -2771,6 +2782,7 @@
   <p:clrMapOvr>
     <a:masterClrMapping/>
   </p:clrMapOvr>
+  <p:hf sldNum="0" hdr="0" ftr="0" dt="0"/>
 </p:sldLayout>
 </file>
 
@@ -2778,9 +2790,14 @@
 <p:sldMaster xmlns:a="http://schemas.openxmlformats.org/drawingml/2006/main" xmlns:r="http://schemas.openxmlformats.org/officeDocument/2006/relationships" xmlns:p="http://schemas.openxmlformats.org/presentationml/2006/main">
   <p:cSld>
     <p:bg>
-      <p:bgRef idx="1001">
-        <a:schemeClr val="bg1"/>
-      </p:bgRef>
+      <p:bgPr>
+        <a:solidFill>
+          <a:schemeClr val="bg1">
+            <a:alpha val="100000"/>
+          </a:schemeClr>
+        </a:solidFill>
+        <a:effectLst/>
+      </p:bgPr>
     </p:bg>
     <p:spTree>
       <p:nvGrpSpPr>
@@ -2788,143 +2805,119 @@
         <p:cNvGrpSpPr/>
         <p:nvPr/>
       </p:nvGrpSpPr>
-      <p:grpSpPr>
-        <a:xfrm>
-          <a:off x="0" y="0"/>
-          <a:ext cx="0" cy="0"/>
-          <a:chOff x="0" y="0"/>
-          <a:chExt cx="0" cy="0"/>
-        </a:xfrm>
-      </p:grpSpPr>
-      <p:sp>
-        <p:nvSpPr>
-          <p:cNvPr id="2" name="Title Placeholder 1"/>
-          <p:cNvSpPr>
-            <a:spLocks noGrp="1"/>
-          </p:cNvSpPr>
+      <p:grpSpPr/>
+      <p:sp>
+        <p:nvSpPr>
+          <p:cNvPr id="1026" name="Заголовок 1025"/>
+          <p:cNvSpPr/>
           <p:nvPr>
             <p:ph type="title"/>
           </p:nvPr>
         </p:nvSpPr>
         <p:spPr>
           <a:xfrm>
-            <a:off x="838200" y="365125"/>
-            <a:ext cx="10515600" cy="1325563"/>
+            <a:off x="609600" y="274638"/>
+            <a:ext cx="10972800" cy="1143000"/>
           </a:xfrm>
           <a:prstGeom prst="rect">
             <a:avLst/>
           </a:prstGeom>
-        </p:spPr>
-        <p:txBody>
-          <a:bodyPr vert="horz" lIns="91440" tIns="45720" rIns="91440" bIns="45720" rtlCol="0" anchor="ctr">
-            <a:normAutofit/>
-          </a:bodyPr>
-          <a:lstStyle/>
-          <a:p>
-            <a:r>
-              <a:rPr lang="en-US" smtClean="0"/>
+          <a:noFill/>
+          <a:ln w="9525">
+            <a:noFill/>
+          </a:ln>
+        </p:spPr>
+        <p:txBody>
+          <a:bodyPr anchor="ctr" anchorCtr="0"/>
+          <a:p>
+            <a:pPr lvl="0"/>
+            <a:r>
               <a:t>Click to edit Master title style</a:t>
             </a:r>
-            <a:endParaRPr lang="en-US"/>
-          </a:p>
-        </p:txBody>
-      </p:sp>
-      <p:sp>
-        <p:nvSpPr>
-          <p:cNvPr id="3" name="Text Placeholder 2"/>
-          <p:cNvSpPr>
-            <a:spLocks noGrp="1"/>
-          </p:cNvSpPr>
+          </a:p>
+        </p:txBody>
+      </p:sp>
+      <p:sp>
+        <p:nvSpPr>
+          <p:cNvPr id="1027" name="Замещающий текст 1026"/>
+          <p:cNvSpPr/>
           <p:nvPr>
             <p:ph type="body" idx="1"/>
           </p:nvPr>
         </p:nvSpPr>
         <p:spPr>
           <a:xfrm>
-            <a:off x="838200" y="1825625"/>
-            <a:ext cx="10515600" cy="4351338"/>
+            <a:off x="609600" y="1600200"/>
+            <a:ext cx="10972800" cy="4525963"/>
           </a:xfrm>
           <a:prstGeom prst="rect">
             <a:avLst/>
           </a:prstGeom>
-        </p:spPr>
-        <p:txBody>
-          <a:bodyPr vert="horz" lIns="91440" tIns="45720" rIns="91440" bIns="45720" rtlCol="0">
-            <a:normAutofit/>
-          </a:bodyPr>
-          <a:lstStyle/>
+          <a:noFill/>
+          <a:ln w="9525">
+            <a:noFill/>
+          </a:ln>
+        </p:spPr>
+        <p:txBody>
+          <a:bodyPr/>
           <a:p>
             <a:pPr lvl="0"/>
             <a:r>
-              <a:rPr lang="en-US" smtClean="0"/>
               <a:t>Click to edit Master text styles</a:t>
             </a:r>
-            <a:endParaRPr lang="en-US" smtClean="0"/>
           </a:p>
           <a:p>
             <a:pPr lvl="1"/>
             <a:r>
-              <a:rPr lang="en-US" smtClean="0"/>
               <a:t>Second level</a:t>
             </a:r>
-            <a:endParaRPr lang="en-US" smtClean="0"/>
           </a:p>
           <a:p>
             <a:pPr lvl="2"/>
             <a:r>
-              <a:rPr lang="en-US" smtClean="0"/>
               <a:t>Third level</a:t>
             </a:r>
-            <a:endParaRPr lang="en-US" smtClean="0"/>
           </a:p>
           <a:p>
             <a:pPr lvl="3"/>
             <a:r>
-              <a:rPr lang="en-US" smtClean="0"/>
               <a:t>Fourth level</a:t>
             </a:r>
-            <a:endParaRPr lang="en-US" smtClean="0"/>
           </a:p>
           <a:p>
             <a:pPr lvl="4"/>
             <a:r>
-              <a:rPr lang="en-US" smtClean="0"/>
               <a:t>Fifth level</a:t>
             </a:r>
-            <a:endParaRPr lang="en-US"/>
-          </a:p>
-        </p:txBody>
-      </p:sp>
-      <p:sp>
-        <p:nvSpPr>
-          <p:cNvPr id="4" name="Date Placeholder 3"/>
-          <p:cNvSpPr>
-            <a:spLocks noGrp="1"/>
-          </p:cNvSpPr>
+          </a:p>
+        </p:txBody>
+      </p:sp>
+      <p:sp>
+        <p:nvSpPr>
+          <p:cNvPr id="1028" name="Замещающая дата 1027"/>
+          <p:cNvSpPr/>
           <p:nvPr>
             <p:ph type="dt" sz="half" idx="2"/>
           </p:nvPr>
         </p:nvSpPr>
         <p:spPr>
           <a:xfrm>
-            <a:off x="838200" y="6356350"/>
-            <a:ext cx="2743200" cy="365125"/>
+            <a:off x="609600" y="6245225"/>
+            <a:ext cx="2844800" cy="476250"/>
           </a:xfrm>
           <a:prstGeom prst="rect">
             <a:avLst/>
           </a:prstGeom>
-        </p:spPr>
-        <p:txBody>
-          <a:bodyPr vert="horz" lIns="91440" tIns="45720" rIns="91440" bIns="45720" rtlCol="0" anchor="ctr"/>
+          <a:noFill/>
+          <a:ln w="9525">
+            <a:noFill/>
+          </a:ln>
+        </p:spPr>
+        <p:txBody>
+          <a:bodyPr/>
           <a:lstStyle>
-            <a:lvl1pPr algn="l">
-              <a:defRPr sz="1200">
-                <a:solidFill>
-                  <a:schemeClr val="tx1">
-                    <a:tint val="75000"/>
-                  </a:schemeClr>
-                </a:solidFill>
-              </a:defRPr>
+            <a:lvl1pPr>
+              <a:defRPr sz="1400"/>
             </a:lvl1pPr>
           </a:lstStyle>
           <a:p>
@@ -2937,34 +2930,30 @@
       </p:sp>
       <p:sp>
         <p:nvSpPr>
-          <p:cNvPr id="5" name="Footer Placeholder 4"/>
-          <p:cNvSpPr>
-            <a:spLocks noGrp="1"/>
-          </p:cNvSpPr>
+          <p:cNvPr id="1029" name="Замещающий нижний колонтитул 1028"/>
+          <p:cNvSpPr/>
           <p:nvPr>
             <p:ph type="ftr" sz="quarter" idx="3"/>
           </p:nvPr>
         </p:nvSpPr>
         <p:spPr>
           <a:xfrm>
-            <a:off x="4038600" y="6356350"/>
-            <a:ext cx="4114800" cy="365125"/>
+            <a:off x="4165600" y="6245225"/>
+            <a:ext cx="3860800" cy="476250"/>
           </a:xfrm>
           <a:prstGeom prst="rect">
             <a:avLst/>
           </a:prstGeom>
-        </p:spPr>
-        <p:txBody>
-          <a:bodyPr vert="horz" lIns="91440" tIns="45720" rIns="91440" bIns="45720" rtlCol="0" anchor="ctr"/>
+          <a:noFill/>
+          <a:ln w="9525">
+            <a:noFill/>
+          </a:ln>
+        </p:spPr>
+        <p:txBody>
+          <a:bodyPr/>
           <a:lstStyle>
             <a:lvl1pPr algn="ctr">
-              <a:defRPr sz="1200">
-                <a:solidFill>
-                  <a:schemeClr val="tx1">
-                    <a:tint val="75000"/>
-                  </a:schemeClr>
-                </a:solidFill>
-              </a:defRPr>
+              <a:defRPr sz="1400"/>
             </a:lvl1pPr>
           </a:lstStyle>
           <a:p>
@@ -2974,34 +2963,30 @@
       </p:sp>
       <p:sp>
         <p:nvSpPr>
-          <p:cNvPr id="6" name="Slide Number Placeholder 5"/>
-          <p:cNvSpPr>
-            <a:spLocks noGrp="1"/>
-          </p:cNvSpPr>
+          <p:cNvPr id="1030" name="Замещающий номер слайда 1029"/>
+          <p:cNvSpPr/>
           <p:nvPr>
             <p:ph type="sldNum" sz="quarter" idx="4"/>
           </p:nvPr>
         </p:nvSpPr>
         <p:spPr>
           <a:xfrm>
-            <a:off x="8610600" y="6356350"/>
-            <a:ext cx="2743200" cy="365125"/>
+            <a:off x="8737600" y="6245225"/>
+            <a:ext cx="2844800" cy="476250"/>
           </a:xfrm>
           <a:prstGeom prst="rect">
             <a:avLst/>
           </a:prstGeom>
-        </p:spPr>
-        <p:txBody>
-          <a:bodyPr vert="horz" lIns="91440" tIns="45720" rIns="91440" bIns="45720" rtlCol="0" anchor="ctr"/>
+          <a:noFill/>
+          <a:ln w="9525">
+            <a:noFill/>
+          </a:ln>
+        </p:spPr>
+        <p:txBody>
+          <a:bodyPr/>
           <a:lstStyle>
             <a:lvl1pPr algn="r">
-              <a:defRPr sz="1200">
-                <a:solidFill>
-                  <a:schemeClr val="tx1">
-                    <a:tint val="75000"/>
-                  </a:schemeClr>
-                </a:solidFill>
-              </a:defRPr>
+              <a:defRPr sz="1400"/>
             </a:lvl1pPr>
           </a:lstStyle>
           <a:p>
@@ -3028,19 +3013,23 @@
     <p:sldLayoutId id="2147483658" r:id="rId10"/>
     <p:sldLayoutId id="2147483659" r:id="rId11"/>
   </p:sldLayoutIdLst>
+  <p:hf sldNum="0" hdr="0" ftr="0" dt="0"/>
   <p:txStyles>
     <p:titleStyle>
-      <a:lvl1pPr algn="l" defTabSz="914400" rtl="0" eaLnBrk="1" latinLnBrk="0" hangingPunct="1">
+      <a:lvl1pPr marL="0" lvl="0" indent="0" algn="ctr" defTabSz="914400" eaLnBrk="1" fontAlgn="base" latinLnBrk="0" hangingPunct="1">
         <a:lnSpc>
-          <a:spcPct val="90000"/>
+          <a:spcPct val="100000"/>
         </a:lnSpc>
         <a:spcBef>
           <a:spcPct val="0"/>
         </a:spcBef>
+        <a:spcAft>
+          <a:spcPct val="0"/>
+        </a:spcAft>
         <a:buNone/>
-        <a:defRPr sz="4400" kern="1200">
+        <a:defRPr sz="4400" b="0" i="0" u="none" kern="1200" baseline="0">
           <a:solidFill>
-            <a:schemeClr val="tx1"/>
+            <a:schemeClr val="tx2"/>
           </a:solidFill>
           <a:latin typeface="+mj-lt"/>
           <a:ea typeface="+mj-ea"/>
@@ -3049,16 +3038,18 @@
       </a:lvl1pPr>
     </p:titleStyle>
     <p:bodyStyle>
-      <a:lvl1pPr marL="228600" indent="-228600" algn="l" defTabSz="914400" rtl="0" eaLnBrk="1" latinLnBrk="0" hangingPunct="1">
+      <a:lvl1pPr marL="342900" lvl="0" indent="-342900" algn="l" defTabSz="914400" eaLnBrk="1" fontAlgn="base" latinLnBrk="0" hangingPunct="1">
         <a:lnSpc>
-          <a:spcPct val="90000"/>
+          <a:spcPct val="100000"/>
         </a:lnSpc>
         <a:spcBef>
-          <a:spcPts val="1000"/>
+          <a:spcPct val="20000"/>
         </a:spcBef>
-        <a:buFont typeface="Arial" panose="020B0604020202020204" pitchFamily="34" charset="0"/>
+        <a:spcAft>
+          <a:spcPct val="0"/>
+        </a:spcAft>
         <a:buChar char="•"/>
-        <a:defRPr sz="2800" kern="1200">
+        <a:defRPr sz="3200" b="0" i="0" u="none" kern="1200" baseline="0">
           <a:solidFill>
             <a:schemeClr val="tx1"/>
           </a:solidFill>
@@ -3067,16 +3058,18 @@
           <a:cs typeface="+mn-cs"/>
         </a:defRPr>
       </a:lvl1pPr>
-      <a:lvl2pPr marL="685800" indent="-228600" algn="l" defTabSz="914400" rtl="0" eaLnBrk="1" latinLnBrk="0" hangingPunct="1">
+      <a:lvl2pPr marL="742950" lvl="1" indent="-285750" algn="l" defTabSz="914400" eaLnBrk="1" fontAlgn="base" latinLnBrk="0" hangingPunct="1">
         <a:lnSpc>
-          <a:spcPct val="90000"/>
+          <a:spcPct val="100000"/>
         </a:lnSpc>
         <a:spcBef>
-          <a:spcPts val="500"/>
+          <a:spcPct val="20000"/>
         </a:spcBef>
-        <a:buFont typeface="Arial" panose="020B0604020202020204" pitchFamily="34" charset="0"/>
-        <a:buChar char="•"/>
-        <a:defRPr sz="2400" kern="1200">
+        <a:spcAft>
+          <a:spcPct val="0"/>
+        </a:spcAft>
+        <a:buChar char="–"/>
+        <a:defRPr sz="2800" b="0" i="0" u="none" kern="1200" baseline="0">
           <a:solidFill>
             <a:schemeClr val="tx1"/>
           </a:solidFill>
@@ -3085,16 +3078,18 @@
           <a:cs typeface="+mn-cs"/>
         </a:defRPr>
       </a:lvl2pPr>
-      <a:lvl3pPr marL="1143000" indent="-228600" algn="l" defTabSz="914400" rtl="0" eaLnBrk="1" latinLnBrk="0" hangingPunct="1">
+      <a:lvl3pPr marL="1143000" lvl="2" indent="-228600" algn="l" defTabSz="914400" eaLnBrk="1" fontAlgn="base" latinLnBrk="0" hangingPunct="1">
         <a:lnSpc>
-          <a:spcPct val="90000"/>
+          <a:spcPct val="100000"/>
         </a:lnSpc>
         <a:spcBef>
-          <a:spcPts val="500"/>
+          <a:spcPct val="20000"/>
         </a:spcBef>
-        <a:buFont typeface="Arial" panose="020B0604020202020204" pitchFamily="34" charset="0"/>
+        <a:spcAft>
+          <a:spcPct val="0"/>
+        </a:spcAft>
         <a:buChar char="•"/>
-        <a:defRPr sz="2000" kern="1200">
+        <a:defRPr sz="2400" b="0" i="0" u="none" kern="1200" baseline="0">
           <a:solidFill>
             <a:schemeClr val="tx1"/>
           </a:solidFill>
@@ -3103,16 +3098,18 @@
           <a:cs typeface="+mn-cs"/>
         </a:defRPr>
       </a:lvl3pPr>
-      <a:lvl4pPr marL="1600200" indent="-228600" algn="l" defTabSz="914400" rtl="0" eaLnBrk="1" latinLnBrk="0" hangingPunct="1">
+      <a:lvl4pPr marL="1600200" lvl="3" indent="-228600" algn="l" defTabSz="914400" eaLnBrk="1" fontAlgn="base" latinLnBrk="0" hangingPunct="1">
         <a:lnSpc>
-          <a:spcPct val="90000"/>
+          <a:spcPct val="100000"/>
         </a:lnSpc>
         <a:spcBef>
-          <a:spcPts val="500"/>
+          <a:spcPct val="20000"/>
         </a:spcBef>
-        <a:buFont typeface="Arial" panose="020B0604020202020204" pitchFamily="34" charset="0"/>
-        <a:buChar char="•"/>
-        <a:defRPr sz="1800" kern="1200">
+        <a:spcAft>
+          <a:spcPct val="0"/>
+        </a:spcAft>
+        <a:buChar char="–"/>
+        <a:defRPr sz="2000" b="0" i="0" u="none" kern="1200" baseline="0">
           <a:solidFill>
             <a:schemeClr val="tx1"/>
           </a:solidFill>
@@ -3121,16 +3118,18 @@
           <a:cs typeface="+mn-cs"/>
         </a:defRPr>
       </a:lvl4pPr>
-      <a:lvl5pPr marL="2057400" indent="-228600" algn="l" defTabSz="914400" rtl="0" eaLnBrk="1" latinLnBrk="0" hangingPunct="1">
+      <a:lvl5pPr marL="2057400" lvl="4" indent="-228600" algn="l" defTabSz="914400" eaLnBrk="1" fontAlgn="base" latinLnBrk="0" hangingPunct="1">
         <a:lnSpc>
-          <a:spcPct val="90000"/>
+          <a:spcPct val="100000"/>
         </a:lnSpc>
         <a:spcBef>
-          <a:spcPts val="500"/>
+          <a:spcPct val="20000"/>
         </a:spcBef>
-        <a:buFont typeface="Arial" panose="020B0604020202020204" pitchFamily="34" charset="0"/>
-        <a:buChar char="•"/>
-        <a:defRPr sz="1800" kern="1200">
+        <a:spcAft>
+          <a:spcPct val="0"/>
+        </a:spcAft>
+        <a:buChar char="»"/>
+        <a:defRPr sz="2000" b="0" i="0" u="none" kern="1200" baseline="0">
           <a:solidFill>
             <a:schemeClr val="tx1"/>
           </a:solidFill>
@@ -3139,16 +3138,18 @@
           <a:cs typeface="+mn-cs"/>
         </a:defRPr>
       </a:lvl5pPr>
-      <a:lvl6pPr marL="2514600" indent="-228600" algn="l" defTabSz="914400" rtl="0" eaLnBrk="1" latinLnBrk="0" hangingPunct="1">
+      <a:lvl6pPr marL="2514600" lvl="5" indent="-228600" algn="l" defTabSz="914400" eaLnBrk="1" fontAlgn="base" latinLnBrk="0" hangingPunct="1">
         <a:lnSpc>
-          <a:spcPct val="90000"/>
+          <a:spcPct val="100000"/>
         </a:lnSpc>
         <a:spcBef>
-          <a:spcPts val="500"/>
+          <a:spcPct val="20000"/>
         </a:spcBef>
-        <a:buFont typeface="Arial" panose="020B0604020202020204" pitchFamily="34" charset="0"/>
-        <a:buChar char="•"/>
-        <a:defRPr sz="1800" kern="1200">
+        <a:spcAft>
+          <a:spcPct val="0"/>
+        </a:spcAft>
+        <a:buChar char="»"/>
+        <a:defRPr sz="2000" b="0" i="0" u="none" kern="1200" baseline="0">
           <a:solidFill>
             <a:schemeClr val="tx1"/>
           </a:solidFill>
@@ -3157,16 +3158,18 @@
           <a:cs typeface="+mn-cs"/>
         </a:defRPr>
       </a:lvl6pPr>
-      <a:lvl7pPr marL="2971800" indent="-228600" algn="l" defTabSz="914400" rtl="0" eaLnBrk="1" latinLnBrk="0" hangingPunct="1">
+      <a:lvl7pPr marL="2971800" lvl="6" indent="-228600" algn="l" defTabSz="914400" eaLnBrk="1" fontAlgn="base" latinLnBrk="0" hangingPunct="1">
         <a:lnSpc>
-          <a:spcPct val="90000"/>
+          <a:spcPct val="100000"/>
         </a:lnSpc>
         <a:spcBef>
-          <a:spcPts val="500"/>
+          <a:spcPct val="20000"/>
         </a:spcBef>
-        <a:buFont typeface="Arial" panose="020B0604020202020204" pitchFamily="34" charset="0"/>
-        <a:buChar char="•"/>
-        <a:defRPr sz="1800" kern="1200">
+        <a:spcAft>
+          <a:spcPct val="0"/>
+        </a:spcAft>
+        <a:buChar char="»"/>
+        <a:defRPr sz="2000" b="0" i="0" u="none" kern="1200" baseline="0">
           <a:solidFill>
             <a:schemeClr val="tx1"/>
           </a:solidFill>
@@ -3175,16 +3178,18 @@
           <a:cs typeface="+mn-cs"/>
         </a:defRPr>
       </a:lvl7pPr>
-      <a:lvl8pPr marL="3429000" indent="-228600" algn="l" defTabSz="914400" rtl="0" eaLnBrk="1" latinLnBrk="0" hangingPunct="1">
+      <a:lvl8pPr marL="3429000" lvl="7" indent="-228600" algn="l" defTabSz="914400" eaLnBrk="1" fontAlgn="base" latinLnBrk="0" hangingPunct="1">
         <a:lnSpc>
-          <a:spcPct val="90000"/>
+          <a:spcPct val="100000"/>
         </a:lnSpc>
         <a:spcBef>
-          <a:spcPts val="500"/>
+          <a:spcPct val="20000"/>
         </a:spcBef>
-        <a:buFont typeface="Arial" panose="020B0604020202020204" pitchFamily="34" charset="0"/>
-        <a:buChar char="•"/>
-        <a:defRPr sz="1800" kern="1200">
+        <a:spcAft>
+          <a:spcPct val="0"/>
+        </a:spcAft>
+        <a:buChar char="»"/>
+        <a:defRPr sz="2000" b="0" i="0" u="none" kern="1200" baseline="0">
           <a:solidFill>
             <a:schemeClr val="tx1"/>
           </a:solidFill>
@@ -3193,16 +3198,18 @@
           <a:cs typeface="+mn-cs"/>
         </a:defRPr>
       </a:lvl8pPr>
-      <a:lvl9pPr marL="3886200" indent="-228600" algn="l" defTabSz="914400" rtl="0" eaLnBrk="1" latinLnBrk="0" hangingPunct="1">
+      <a:lvl9pPr marL="3886200" lvl="8" indent="-228600" algn="l" defTabSz="914400" eaLnBrk="1" fontAlgn="base" latinLnBrk="0" hangingPunct="1">
         <a:lnSpc>
-          <a:spcPct val="90000"/>
+          <a:spcPct val="100000"/>
         </a:lnSpc>
         <a:spcBef>
-          <a:spcPts val="500"/>
+          <a:spcPct val="20000"/>
         </a:spcBef>
-        <a:buFont typeface="Arial" panose="020B0604020202020204" pitchFamily="34" charset="0"/>
-        <a:buChar char="•"/>
-        <a:defRPr sz="1800" kern="1200">
+        <a:spcAft>
+          <a:spcPct val="0"/>
+        </a:spcAft>
+        <a:buChar char="»"/>
+        <a:defRPr sz="2000" b="0" i="0" u="none" kern="1200" baseline="0">
           <a:solidFill>
             <a:schemeClr val="tx1"/>
           </a:solidFill>
@@ -3213,11 +3220,19 @@
       </a:lvl9pPr>
     </p:bodyStyle>
     <p:otherStyle>
-      <a:defPPr>
-        <a:defRPr lang="en-US"/>
-      </a:defPPr>
-      <a:lvl1pPr marL="0" algn="l" defTabSz="914400" rtl="0" eaLnBrk="1" latinLnBrk="0" hangingPunct="1">
-        <a:defRPr sz="1800" kern="1200">
+      <a:lvl1pPr marL="0" lvl="0" indent="0" algn="l" defTabSz="914400" eaLnBrk="1" fontAlgn="base" latinLnBrk="0" hangingPunct="1">
+        <a:lnSpc>
+          <a:spcPct val="100000"/>
+        </a:lnSpc>
+        <a:spcBef>
+          <a:spcPct val="0"/>
+        </a:spcBef>
+        <a:spcAft>
+          <a:spcPct val="0"/>
+        </a:spcAft>
+        <a:buFont typeface="Arial" panose="020B0604020202020204" pitchFamily="34" charset="0"/>
+        <a:buNone/>
+        <a:defRPr sz="1800" b="0" i="0" u="none" kern="1200" baseline="0">
           <a:solidFill>
             <a:schemeClr val="tx1"/>
           </a:solidFill>
@@ -3226,82 +3241,170 @@
           <a:cs typeface="+mn-cs"/>
         </a:defRPr>
       </a:lvl1pPr>
-      <a:lvl2pPr marL="457200" algn="l" defTabSz="914400" rtl="0" eaLnBrk="1" latinLnBrk="0" hangingPunct="1">
-        <a:defRPr sz="1800" kern="1200">
+      <a:lvl2pPr marL="457200" lvl="1" indent="0" algn="l" defTabSz="914400" eaLnBrk="1" fontAlgn="base" latinLnBrk="0" hangingPunct="1">
+        <a:lnSpc>
+          <a:spcPct val="100000"/>
+        </a:lnSpc>
+        <a:spcBef>
+          <a:spcPct val="0"/>
+        </a:spcBef>
+        <a:spcAft>
+          <a:spcPct val="0"/>
+        </a:spcAft>
+        <a:buFont typeface="Arial" panose="020B0604020202020204" pitchFamily="34" charset="0"/>
+        <a:buNone/>
+        <a:defRPr b="0" i="0" u="none" kern="1200" baseline="0">
           <a:solidFill>
             <a:schemeClr val="tx1"/>
           </a:solidFill>
-          <a:latin typeface="+mn-lt"/>
+          <a:latin typeface="Arial" panose="020B0604020202020204" pitchFamily="34" charset="0"/>
           <a:ea typeface="+mn-ea"/>
           <a:cs typeface="+mn-cs"/>
         </a:defRPr>
       </a:lvl2pPr>
-      <a:lvl3pPr marL="914400" algn="l" defTabSz="914400" rtl="0" eaLnBrk="1" latinLnBrk="0" hangingPunct="1">
-        <a:defRPr sz="1800" kern="1200">
+      <a:lvl3pPr marL="914400" lvl="2" indent="0" algn="l" defTabSz="914400" eaLnBrk="1" fontAlgn="base" latinLnBrk="0" hangingPunct="1">
+        <a:lnSpc>
+          <a:spcPct val="100000"/>
+        </a:lnSpc>
+        <a:spcBef>
+          <a:spcPct val="0"/>
+        </a:spcBef>
+        <a:spcAft>
+          <a:spcPct val="0"/>
+        </a:spcAft>
+        <a:buFont typeface="Arial" panose="020B0604020202020204" pitchFamily="34" charset="0"/>
+        <a:buNone/>
+        <a:defRPr b="0" i="0" u="none" kern="1200" baseline="0">
           <a:solidFill>
             <a:schemeClr val="tx1"/>
           </a:solidFill>
-          <a:latin typeface="+mn-lt"/>
+          <a:latin typeface="Arial" panose="020B0604020202020204" pitchFamily="34" charset="0"/>
           <a:ea typeface="+mn-ea"/>
           <a:cs typeface="+mn-cs"/>
         </a:defRPr>
       </a:lvl3pPr>
-      <a:lvl4pPr marL="1371600" algn="l" defTabSz="914400" rtl="0" eaLnBrk="1" latinLnBrk="0" hangingPunct="1">
-        <a:defRPr sz="1800" kern="1200">
+      <a:lvl4pPr marL="1371600" lvl="3" indent="0" algn="l" defTabSz="914400" eaLnBrk="1" fontAlgn="base" latinLnBrk="0" hangingPunct="1">
+        <a:lnSpc>
+          <a:spcPct val="100000"/>
+        </a:lnSpc>
+        <a:spcBef>
+          <a:spcPct val="0"/>
+        </a:spcBef>
+        <a:spcAft>
+          <a:spcPct val="0"/>
+        </a:spcAft>
+        <a:buFont typeface="Arial" panose="020B0604020202020204" pitchFamily="34" charset="0"/>
+        <a:buNone/>
+        <a:defRPr b="0" i="0" u="none" kern="1200" baseline="0">
           <a:solidFill>
             <a:schemeClr val="tx1"/>
           </a:solidFill>
-          <a:latin typeface="+mn-lt"/>
+          <a:latin typeface="Arial" panose="020B0604020202020204" pitchFamily="34" charset="0"/>
           <a:ea typeface="+mn-ea"/>
           <a:cs typeface="+mn-cs"/>
         </a:defRPr>
       </a:lvl4pPr>
-      <a:lvl5pPr marL="1828800" algn="l" defTabSz="914400" rtl="0" eaLnBrk="1" latinLnBrk="0" hangingPunct="1">
-        <a:defRPr sz="1800" kern="1200">
+      <a:lvl5pPr marL="1828800" lvl="4" indent="0" algn="l" defTabSz="914400" eaLnBrk="1" fontAlgn="base" latinLnBrk="0" hangingPunct="1">
+        <a:lnSpc>
+          <a:spcPct val="100000"/>
+        </a:lnSpc>
+        <a:spcBef>
+          <a:spcPct val="0"/>
+        </a:spcBef>
+        <a:spcAft>
+          <a:spcPct val="0"/>
+        </a:spcAft>
+        <a:buFont typeface="Arial" panose="020B0604020202020204" pitchFamily="34" charset="0"/>
+        <a:buNone/>
+        <a:defRPr b="0" i="0" u="none" kern="1200" baseline="0">
           <a:solidFill>
             <a:schemeClr val="tx1"/>
           </a:solidFill>
-          <a:latin typeface="+mn-lt"/>
+          <a:latin typeface="Arial" panose="020B0604020202020204" pitchFamily="34" charset="0"/>
           <a:ea typeface="+mn-ea"/>
           <a:cs typeface="+mn-cs"/>
         </a:defRPr>
       </a:lvl5pPr>
-      <a:lvl6pPr marL="2286000" algn="l" defTabSz="914400" rtl="0" eaLnBrk="1" latinLnBrk="0" hangingPunct="1">
-        <a:defRPr sz="1800" kern="1200">
+      <a:lvl6pPr marL="2286000" lvl="5" indent="0" algn="l" defTabSz="914400" eaLnBrk="1" fontAlgn="base" latinLnBrk="0" hangingPunct="1">
+        <a:lnSpc>
+          <a:spcPct val="100000"/>
+        </a:lnSpc>
+        <a:spcBef>
+          <a:spcPct val="0"/>
+        </a:spcBef>
+        <a:spcAft>
+          <a:spcPct val="0"/>
+        </a:spcAft>
+        <a:buFont typeface="Arial" panose="020B0604020202020204" pitchFamily="34" charset="0"/>
+        <a:buNone/>
+        <a:defRPr b="0" i="0" u="none" kern="1200" baseline="0">
           <a:solidFill>
             <a:schemeClr val="tx1"/>
           </a:solidFill>
-          <a:latin typeface="+mn-lt"/>
+          <a:latin typeface="Arial" panose="020B0604020202020204" pitchFamily="34" charset="0"/>
           <a:ea typeface="+mn-ea"/>
           <a:cs typeface="+mn-cs"/>
         </a:defRPr>
       </a:lvl6pPr>
-      <a:lvl7pPr marL="2743200" algn="l" defTabSz="914400" rtl="0" eaLnBrk="1" latinLnBrk="0" hangingPunct="1">
-        <a:defRPr sz="1800" kern="1200">
+      <a:lvl7pPr marL="2743200" lvl="6" indent="0" algn="l" defTabSz="914400" eaLnBrk="1" fontAlgn="base" latinLnBrk="0" hangingPunct="1">
+        <a:lnSpc>
+          <a:spcPct val="100000"/>
+        </a:lnSpc>
+        <a:spcBef>
+          <a:spcPct val="0"/>
+        </a:spcBef>
+        <a:spcAft>
+          <a:spcPct val="0"/>
+        </a:spcAft>
+        <a:buFont typeface="Arial" panose="020B0604020202020204" pitchFamily="34" charset="0"/>
+        <a:buNone/>
+        <a:defRPr b="0" i="0" u="none" kern="1200" baseline="0">
           <a:solidFill>
             <a:schemeClr val="tx1"/>
           </a:solidFill>
-          <a:latin typeface="+mn-lt"/>
+          <a:latin typeface="Arial" panose="020B0604020202020204" pitchFamily="34" charset="0"/>
           <a:ea typeface="+mn-ea"/>
           <a:cs typeface="+mn-cs"/>
         </a:defRPr>
       </a:lvl7pPr>
-      <a:lvl8pPr marL="3200400" algn="l" defTabSz="914400" rtl="0" eaLnBrk="1" latinLnBrk="0" hangingPunct="1">
-        <a:defRPr sz="1800" kern="1200">
+      <a:lvl8pPr marL="3200400" lvl="7" indent="0" algn="l" defTabSz="914400" eaLnBrk="1" fontAlgn="base" latinLnBrk="0" hangingPunct="1">
+        <a:lnSpc>
+          <a:spcPct val="100000"/>
+        </a:lnSpc>
+        <a:spcBef>
+          <a:spcPct val="0"/>
+        </a:spcBef>
+        <a:spcAft>
+          <a:spcPct val="0"/>
+        </a:spcAft>
+        <a:buFont typeface="Arial" panose="020B0604020202020204" pitchFamily="34" charset="0"/>
+        <a:buNone/>
+        <a:defRPr b="0" i="0" u="none" kern="1200" baseline="0">
           <a:solidFill>
             <a:schemeClr val="tx1"/>
           </a:solidFill>
-          <a:latin typeface="+mn-lt"/>
+          <a:latin typeface="Arial" panose="020B0604020202020204" pitchFamily="34" charset="0"/>
           <a:ea typeface="+mn-ea"/>
           <a:cs typeface="+mn-cs"/>
         </a:defRPr>
       </a:lvl8pPr>
-      <a:lvl9pPr marL="3657600" algn="l" defTabSz="914400" rtl="0" eaLnBrk="1" latinLnBrk="0" hangingPunct="1">
-        <a:defRPr sz="1800" kern="1200">
+      <a:lvl9pPr marL="3657600" lvl="8" indent="0" algn="l" defTabSz="914400" eaLnBrk="1" fontAlgn="base" latinLnBrk="0" hangingPunct="1">
+        <a:lnSpc>
+          <a:spcPct val="100000"/>
+        </a:lnSpc>
+        <a:spcBef>
+          <a:spcPct val="0"/>
+        </a:spcBef>
+        <a:spcAft>
+          <a:spcPct val="0"/>
+        </a:spcAft>
+        <a:buFont typeface="Arial" panose="020B0604020202020204" pitchFamily="34" charset="0"/>
+        <a:buNone/>
+        <a:defRPr b="0" i="0" u="none" kern="1200" baseline="0">
           <a:solidFill>
             <a:schemeClr val="tx1"/>
           </a:solidFill>
-          <a:latin typeface="+mn-lt"/>
+          <a:latin typeface="Arial" panose="020B0604020202020204" pitchFamily="34" charset="0"/>
           <a:ea typeface="+mn-ea"/>
           <a:cs typeface="+mn-cs"/>
         </a:defRPr>
@@ -3351,7 +3454,7 @@
           <a:lstStyle/>
           <a:p>
             <a:r>
-              <a:rPr lang="ru-RU" sz="3110" b="1" dirty="0">
+              <a:rPr lang="ru-RU" sz="2800" b="1" dirty="0">
                 <a:solidFill>
                   <a:schemeClr val="tx1"/>
                 </a:solidFill>
@@ -3367,7 +3470,7 @@
               <a:t>Министерство образования московской области</a:t>
             </a:r>
             <a:br>
-              <a:rPr lang="ru-RU" sz="3110" b="1" dirty="0">
+              <a:rPr lang="ru-RU" sz="2800" b="1" dirty="0">
                 <a:solidFill>
                   <a:schemeClr val="tx1"/>
                 </a:solidFill>
@@ -3382,7 +3485,7 @@
               </a:rPr>
             </a:br>
             <a:r>
-              <a:rPr lang="ru-RU" sz="3110" b="1" dirty="0">
+              <a:rPr lang="ru-RU" sz="2800" b="1" dirty="0">
                 <a:solidFill>
                   <a:schemeClr val="tx1"/>
                 </a:solidFill>
@@ -3398,7 +3501,7 @@
               <a:t>государственное автономное профессиональное образовательное учреждение московской области «подмосковный колледж «Энергия»</a:t>
             </a:r>
             <a:br>
-              <a:rPr lang="ru-RU" sz="3110" b="1" dirty="0">
+              <a:rPr lang="ru-RU" sz="2800" b="1" dirty="0">
                 <a:solidFill>
                   <a:schemeClr val="tx1"/>
                 </a:solidFill>
@@ -3411,7 +3514,7 @@
                 </a:effectLst>
               </a:rPr>
             </a:br>
-            <a:endParaRPr lang="ru-RU" sz="3110" b="1" dirty="0">
+            <a:endParaRPr lang="ru-RU" sz="2800" b="1" dirty="0">
               <a:solidFill>
                 <a:schemeClr val="tx1"/>
               </a:solidFill>
@@ -3655,8 +3758,8 @@
         </p:nvSpPr>
         <p:spPr>
           <a:xfrm>
-            <a:off x="2915285" y="329565"/>
-            <a:ext cx="10515600" cy="1325563"/>
+            <a:off x="2448560" y="527368"/>
+            <a:ext cx="10972800" cy="1143000"/>
           </a:xfrm>
         </p:spPr>
         <p:txBody>
@@ -3664,7 +3767,7 @@
           <a:p>
             <a:r>
               <a:rPr lang="ru-RU" altLang="en-US"/>
-              <a:t>Административная панель</a:t>
+              <a:t>Нижняя навигация по сайту</a:t>
             </a:r>
             <a:endParaRPr lang="ru-RU" altLang="en-US"/>
           </a:p>
@@ -3688,8 +3791,8 @@
         </p:blipFill>
         <p:spPr>
           <a:xfrm>
-            <a:off x="852170" y="1397635"/>
-            <a:ext cx="10487025" cy="5340985"/>
+            <a:off x="609600" y="2564765"/>
+            <a:ext cx="10972800" cy="2595880"/>
           </a:xfrm>
           <a:prstGeom prst="rect">
             <a:avLst/>
@@ -3724,10 +3827,19 @@
             <p:ph type="title"/>
           </p:nvPr>
         </p:nvSpPr>
-        <p:spPr/>
+        <p:spPr>
+          <a:xfrm>
+            <a:off x="2915285" y="329565"/>
+            <a:ext cx="10515600" cy="1325563"/>
+          </a:xfrm>
+        </p:spPr>
         <p:txBody>
           <a:bodyPr/>
           <a:p>
+            <a:r>
+              <a:rPr lang="ru-RU" altLang="en-US"/>
+              <a:t>Административная панель</a:t>
+            </a:r>
             <a:endParaRPr lang="ru-RU" altLang="en-US"/>
           </a:p>
         </p:txBody>
@@ -3750,8 +3862,8 @@
         </p:blipFill>
         <p:spPr>
           <a:xfrm>
-            <a:off x="993775" y="1384300"/>
-            <a:ext cx="9833610" cy="5263515"/>
+            <a:off x="852170" y="1397635"/>
+            <a:ext cx="10487025" cy="5340985"/>
           </a:xfrm>
           <a:prstGeom prst="rect">
             <a:avLst/>
@@ -3788,8 +3900,8 @@
         </p:nvSpPr>
         <p:spPr>
           <a:xfrm>
-            <a:off x="3203575" y="0"/>
-            <a:ext cx="10515600" cy="1325563"/>
+            <a:off x="2259330" y="290513"/>
+            <a:ext cx="10972800" cy="1143000"/>
           </a:xfrm>
         </p:spPr>
         <p:txBody>
@@ -3797,7 +3909,7 @@
           <a:p>
             <a:r>
               <a:rPr lang="ru-RU" altLang="en-US"/>
-              <a:t>Готовая форма</a:t>
+              <a:t>Модальное окно админ. панели</a:t>
             </a:r>
             <a:endParaRPr lang="ru-RU" altLang="en-US"/>
           </a:p>
@@ -3821,8 +3933,8 @@
         </p:blipFill>
         <p:spPr>
           <a:xfrm>
-            <a:off x="1426210" y="1040765"/>
-            <a:ext cx="8903970" cy="5690870"/>
+            <a:off x="853440" y="1433830"/>
+            <a:ext cx="9833610" cy="5263515"/>
           </a:xfrm>
           <a:prstGeom prst="rect">
             <a:avLst/>
@@ -3849,167 +3961,57 @@
       <p:grpSpPr/>
       <p:sp>
         <p:nvSpPr>
-          <p:cNvPr id="4" name="Прямоугольник с одним вырезанным углом 3"/>
-          <p:cNvSpPr/>
-          <p:nvPr/>
+          <p:cNvPr id="2" name="Заголовок 1"/>
+          <p:cNvSpPr>
+            <a:spLocks noGrp="1"/>
+          </p:cNvSpPr>
+          <p:nvPr>
+            <p:ph type="title"/>
+          </p:nvPr>
         </p:nvSpPr>
         <p:spPr>
           <a:xfrm>
-            <a:off x="3347085" y="108585"/>
-            <a:ext cx="5916930" cy="1663700"/>
-          </a:xfrm>
-          <a:prstGeom prst="snip1Rect">
+            <a:off x="3203575" y="0"/>
+            <a:ext cx="10515600" cy="1325563"/>
+          </a:xfrm>
+        </p:spPr>
+        <p:txBody>
+          <a:bodyPr/>
+          <a:p>
+            <a:r>
+              <a:rPr lang="ru-RU" altLang="en-US"/>
+              <a:t>Готовая форма</a:t>
+            </a:r>
+            <a:endParaRPr lang="ru-RU" altLang="en-US"/>
+          </a:p>
+        </p:txBody>
+      </p:sp>
+      <p:pic>
+        <p:nvPicPr>
+          <p:cNvPr id="4" name="Замещающее содержимое 3"/>
+          <p:cNvPicPr>
+            <a:picLocks noChangeAspect="1"/>
+          </p:cNvPicPr>
+          <p:nvPr>
+            <p:ph idx="1"/>
+          </p:nvPr>
+        </p:nvPicPr>
+        <p:blipFill>
+          <a:blip r:embed="rId1"/>
+          <a:stretch>
+            <a:fillRect/>
+          </a:stretch>
+        </p:blipFill>
+        <p:spPr>
+          <a:xfrm>
+            <a:off x="1426210" y="1040765"/>
+            <a:ext cx="8903970" cy="5690870"/>
+          </a:xfrm>
+          <a:prstGeom prst="rect">
             <a:avLst/>
           </a:prstGeom>
-          <a:solidFill>
-            <a:schemeClr val="accent1">
-              <a:lumMod val="60000"/>
-              <a:lumOff val="40000"/>
-            </a:schemeClr>
-          </a:solidFill>
-        </p:spPr>
-        <p:style>
-          <a:lnRef idx="2">
-            <a:schemeClr val="accent1">
-              <a:shade val="50000"/>
-            </a:schemeClr>
-          </a:lnRef>
-          <a:fillRef idx="1">
-            <a:schemeClr val="accent1"/>
-          </a:fillRef>
-          <a:effectRef idx="0">
-            <a:schemeClr val="accent1"/>
-          </a:effectRef>
-          <a:fontRef idx="minor">
-            <a:schemeClr val="lt1"/>
-          </a:fontRef>
-        </p:style>
-        <p:txBody>
-          <a:bodyPr rtlCol="0" anchor="ctr"/>
-          <a:p>
-            <a:pPr algn="ctr"/>
-            <a:endParaRPr lang="ru-RU" altLang="en-US"/>
-          </a:p>
-        </p:txBody>
-      </p:sp>
-      <p:sp>
-        <p:nvSpPr>
-          <p:cNvPr id="2" name="Заголовок 1"/>
-          <p:cNvSpPr>
-            <a:spLocks noGrp="1"/>
-          </p:cNvSpPr>
-          <p:nvPr>
-            <p:ph type="title"/>
-          </p:nvPr>
-        </p:nvSpPr>
-        <p:spPr>
-          <a:xfrm>
-            <a:off x="4368165" y="372110"/>
-            <a:ext cx="3455035" cy="1325880"/>
-          </a:xfrm>
-        </p:spPr>
-        <p:txBody>
-          <a:bodyPr/>
-          <a:p>
-            <a:pPr algn="ctr"/>
-            <a:r>
-              <a:rPr lang="ru-RU" b="1" dirty="0" smtClean="0">
-                <a:solidFill>
-                  <a:schemeClr val="bg1"/>
-                </a:solidFill>
-                <a:sym typeface="+mn-ea"/>
-              </a:rPr>
-              <a:t>Заключение</a:t>
-            </a:r>
-            <a:endParaRPr lang="ru-RU" altLang="en-US" b="1" dirty="0" smtClean="0">
-              <a:solidFill>
-                <a:schemeClr val="bg1"/>
-              </a:solidFill>
-              <a:sym typeface="+mn-ea"/>
-            </a:endParaRPr>
-          </a:p>
-        </p:txBody>
-      </p:sp>
-      <p:sp>
-        <p:nvSpPr>
-          <p:cNvPr id="3" name="Замещающее содержимое 2"/>
-          <p:cNvSpPr>
-            <a:spLocks noGrp="1"/>
-          </p:cNvSpPr>
-          <p:nvPr>
-            <p:ph idx="1"/>
-          </p:nvPr>
-        </p:nvSpPr>
-        <p:spPr/>
-        <p:txBody>
-          <a:bodyPr>
-            <a:normAutofit fontScale="80000"/>
-          </a:bodyPr>
-          <a:p>
-            <a:pPr algn="just"/>
-            <a:r>
-              <a:rPr lang="ru-RU" dirty="0">
-                <a:sym typeface="+mn-ea"/>
-              </a:rPr>
-              <a:t>В ходе выполнения курсовой работы был получен дизайн веб-сайт, полностью готовый к использованию. Этот сайт ориентирован на клиентов и поставщиков для дальнейшего их привлечения. С его помощью пользователи могут получить необходимую информацию, связаться с помощью обратной связи и получить полное представление о компании в целом.</a:t>
-            </a:r>
-            <a:endParaRPr lang="ru-RU" dirty="0">
-              <a:solidFill>
-                <a:schemeClr val="tx1"/>
-              </a:solidFill>
-            </a:endParaRPr>
-          </a:p>
-          <a:p>
-            <a:pPr algn="just"/>
-            <a:r>
-              <a:rPr lang="ru-RU" dirty="0">
-                <a:sym typeface="+mn-ea"/>
-              </a:rPr>
-              <a:t>Для разработки сайта были изучены новейшие технологии веб-разметки, позволяющие создавать интерактивные и привлекательные веб-страницы. В результате анализа было решено использовать систему </a:t>
-            </a:r>
-            <a:r>
-              <a:rPr lang="en-US" altLang="ru-RU" dirty="0">
-                <a:sym typeface="+mn-ea"/>
-              </a:rPr>
-              <a:t>TailWind</a:t>
-            </a:r>
-            <a:r>
-              <a:rPr lang="ru-RU" dirty="0">
-                <a:sym typeface="+mn-ea"/>
-              </a:rPr>
-              <a:t>, которая оказалась наиболее подходящей для выполнения поставленных задач. </a:t>
-            </a:r>
-            <a:endParaRPr lang="ru-RU" dirty="0">
-              <a:solidFill>
-                <a:schemeClr val="tx1"/>
-              </a:solidFill>
-            </a:endParaRPr>
-          </a:p>
-          <a:p>
-            <a:pPr algn="just"/>
-            <a:r>
-              <a:rPr lang="ru-RU" dirty="0" smtClean="0">
-                <a:sym typeface="+mn-ea"/>
-              </a:rPr>
-              <a:t>В </a:t>
-            </a:r>
-            <a:r>
-              <a:rPr lang="ru-RU" dirty="0">
-                <a:sym typeface="+mn-ea"/>
-              </a:rPr>
-              <a:t>качестве дальнейшего улучшения веб-сайта, можно разработать и добавить полный функционал веб-приложения. Также возможно доработать интерфейс сайта с целью дальнейшего повышения его информативности, привлекательности и удобства.</a:t>
-            </a:r>
-            <a:endParaRPr lang="ru-RU" dirty="0">
-              <a:solidFill>
-                <a:schemeClr val="tx1"/>
-              </a:solidFill>
-            </a:endParaRPr>
-          </a:p>
-          <a:p>
-            <a:endParaRPr lang="ru-RU" altLang="en-US"/>
-          </a:p>
-        </p:txBody>
-      </p:sp>
+        </p:spPr>
+      </p:pic>
     </p:spTree>
   </p:cSld>
   <p:clrMapOvr>
@@ -4030,6 +4032,51 @@
       <p:grpSpPr/>
       <p:sp>
         <p:nvSpPr>
+          <p:cNvPr id="4" name="Прямоугольник с одним вырезанным углом 3"/>
+          <p:cNvSpPr/>
+          <p:nvPr/>
+        </p:nvSpPr>
+        <p:spPr>
+          <a:xfrm>
+            <a:off x="3347085" y="108585"/>
+            <a:ext cx="5916930" cy="1663700"/>
+          </a:xfrm>
+          <a:prstGeom prst="snip1Rect">
+            <a:avLst/>
+          </a:prstGeom>
+          <a:solidFill>
+            <a:schemeClr val="accent1">
+              <a:lumMod val="60000"/>
+              <a:lumOff val="40000"/>
+            </a:schemeClr>
+          </a:solidFill>
+        </p:spPr>
+        <p:style>
+          <a:lnRef idx="2">
+            <a:schemeClr val="accent1">
+              <a:shade val="50000"/>
+            </a:schemeClr>
+          </a:lnRef>
+          <a:fillRef idx="1">
+            <a:schemeClr val="accent1"/>
+          </a:fillRef>
+          <a:effectRef idx="0">
+            <a:schemeClr val="accent1"/>
+          </a:effectRef>
+          <a:fontRef idx="minor">
+            <a:schemeClr val="lt1"/>
+          </a:fontRef>
+        </p:style>
+        <p:txBody>
+          <a:bodyPr rtlCol="0" anchor="ctr"/>
+          <a:p>
+            <a:pPr algn="ctr"/>
+            <a:endParaRPr lang="ru-RU" altLang="en-US"/>
+          </a:p>
+        </p:txBody>
+      </p:sp>
+      <p:sp>
+        <p:nvSpPr>
           <p:cNvPr id="2" name="Заголовок 1"/>
           <p:cNvSpPr>
             <a:spLocks noGrp="1"/>
@@ -4040,7 +4087,148 @@
         </p:nvSpPr>
         <p:spPr>
           <a:xfrm>
-            <a:off x="2635250" y="3306445"/>
+            <a:off x="4368165" y="372110"/>
+            <a:ext cx="3841115" cy="1325880"/>
+          </a:xfrm>
+        </p:spPr>
+        <p:txBody>
+          <a:bodyPr/>
+          <a:p>
+            <a:pPr algn="ctr"/>
+            <a:r>
+              <a:rPr lang="ru-RU" b="1" dirty="0" smtClean="0">
+                <a:solidFill>
+                  <a:schemeClr val="bg1"/>
+                </a:solidFill>
+                <a:sym typeface="+mn-ea"/>
+              </a:rPr>
+              <a:t>Заключение</a:t>
+            </a:r>
+            <a:endParaRPr lang="ru-RU" altLang="en-US" b="1" dirty="0" smtClean="0">
+              <a:solidFill>
+                <a:schemeClr val="bg1"/>
+              </a:solidFill>
+              <a:sym typeface="+mn-ea"/>
+            </a:endParaRPr>
+          </a:p>
+        </p:txBody>
+      </p:sp>
+      <p:sp>
+        <p:nvSpPr>
+          <p:cNvPr id="3" name="Замещающее содержимое 2"/>
+          <p:cNvSpPr>
+            <a:spLocks noGrp="1"/>
+          </p:cNvSpPr>
+          <p:nvPr>
+            <p:ph idx="1"/>
+          </p:nvPr>
+        </p:nvSpPr>
+        <p:spPr>
+          <a:xfrm>
+            <a:off x="511810" y="1922780"/>
+            <a:ext cx="10972800" cy="4525963"/>
+          </a:xfrm>
+        </p:spPr>
+        <p:txBody>
+          <a:bodyPr>
+            <a:normAutofit fontScale="90000" lnSpcReduction="20000"/>
+          </a:bodyPr>
+          <a:p>
+            <a:pPr algn="just"/>
+            <a:r>
+              <a:rPr lang="ru-RU" sz="2500" dirty="0">
+                <a:sym typeface="+mn-ea"/>
+              </a:rPr>
+              <a:t>В ходе выполнения курсовой работы был получен дизайн веб-сайт, полностью готовый к использованию. Этот сайт ориентирован на клиентов и поставщиков для дальнейшего их привлечения. С его помощью пользователи могут получить необходимую информацию, связаться с помощью обратной связи и получить полное представление о компании в целом.</a:t>
+            </a:r>
+            <a:endParaRPr lang="ru-RU" sz="2500" dirty="0">
+              <a:solidFill>
+                <a:schemeClr val="tx1"/>
+              </a:solidFill>
+            </a:endParaRPr>
+          </a:p>
+          <a:p>
+            <a:pPr algn="just"/>
+            <a:r>
+              <a:rPr lang="ru-RU" sz="2500" dirty="0">
+                <a:sym typeface="+mn-ea"/>
+              </a:rPr>
+              <a:t>Для разработки сайта были изучены новейшие технологии веб-разметки, позволяющие создавать интерактивные и привлекательные веб-страницы. В результате анализа было решено использовать систему </a:t>
+            </a:r>
+            <a:r>
+              <a:rPr lang="en-US" altLang="ru-RU" sz="2500" dirty="0">
+                <a:sym typeface="+mn-ea"/>
+              </a:rPr>
+              <a:t>TailWind</a:t>
+            </a:r>
+            <a:r>
+              <a:rPr lang="ru-RU" sz="2500" dirty="0">
+                <a:sym typeface="+mn-ea"/>
+              </a:rPr>
+              <a:t>, которая оказалась наиболее подходящей для выполнения поставленных задач. </a:t>
+            </a:r>
+            <a:endParaRPr lang="ru-RU" sz="2500" dirty="0">
+              <a:solidFill>
+                <a:schemeClr val="tx1"/>
+              </a:solidFill>
+            </a:endParaRPr>
+          </a:p>
+          <a:p>
+            <a:pPr algn="just"/>
+            <a:r>
+              <a:rPr lang="ru-RU" sz="2500" dirty="0" smtClean="0">
+                <a:sym typeface="+mn-ea"/>
+              </a:rPr>
+              <a:t>В </a:t>
+            </a:r>
+            <a:r>
+              <a:rPr lang="ru-RU" sz="2500" dirty="0">
+                <a:sym typeface="+mn-ea"/>
+              </a:rPr>
+              <a:t>качестве дальнейшего улучшения веб-сайта, можно разработать и добавить полный функционал веб-приложения. Также возможно доработать интерфейс сайта с целью дальнейшего повышения его информативности, привлекательности и удобства.</a:t>
+            </a:r>
+            <a:endParaRPr lang="ru-RU" sz="2500" dirty="0">
+              <a:solidFill>
+                <a:schemeClr val="tx1"/>
+              </a:solidFill>
+            </a:endParaRPr>
+          </a:p>
+          <a:p>
+            <a:endParaRPr lang="ru-RU" altLang="en-US" sz="2500"/>
+          </a:p>
+        </p:txBody>
+      </p:sp>
+    </p:spTree>
+  </p:cSld>
+  <p:clrMapOvr>
+    <a:masterClrMapping/>
+  </p:clrMapOvr>
+</p:sld>
+</file>
+
+<file path=ppt/slides/slide15.xml><?xml version="1.0" encoding="utf-8"?>
+<p:sld xmlns:a="http://schemas.openxmlformats.org/drawingml/2006/main" xmlns:r="http://schemas.openxmlformats.org/officeDocument/2006/relationships" xmlns:p="http://schemas.openxmlformats.org/presentationml/2006/main">
+  <p:cSld>
+    <p:spTree>
+      <p:nvGrpSpPr>
+        <p:cNvPr id="1" name=""/>
+        <p:cNvGrpSpPr/>
+        <p:nvPr/>
+      </p:nvGrpSpPr>
+      <p:grpSpPr/>
+      <p:sp>
+        <p:nvSpPr>
+          <p:cNvPr id="2" name="Заголовок 1"/>
+          <p:cNvSpPr>
+            <a:spLocks noGrp="1"/>
+          </p:cNvSpPr>
+          <p:nvPr>
+            <p:ph type="title"/>
+          </p:nvPr>
+        </p:nvSpPr>
+        <p:spPr>
+          <a:xfrm>
+            <a:off x="621030" y="3243580"/>
             <a:ext cx="10515600" cy="1325563"/>
           </a:xfrm>
         </p:spPr>
@@ -4134,7 +4322,7 @@
         </p:nvSpPr>
         <p:spPr>
           <a:xfrm>
-            <a:off x="384810" y="1825625"/>
+            <a:off x="342900" y="1313180"/>
             <a:ext cx="6710045" cy="4351655"/>
           </a:xfrm>
         </p:spPr>
@@ -4145,9 +4333,7 @@
             <a:r>
               <a:rPr lang="ru-RU" u="sng" dirty="0" smtClean="0">
                 <a:solidFill>
-                  <a:schemeClr val="bg1">
-                    <a:lumMod val="50000"/>
-                  </a:schemeClr>
+                  <a:schemeClr val="tx1"/>
                 </a:solidFill>
                 <a:sym typeface="+mn-ea"/>
               </a:rPr>
@@ -4155,9 +4341,7 @@
             </a:r>
             <a:endParaRPr lang="ru-RU" u="sng" dirty="0" smtClean="0">
               <a:solidFill>
-                <a:schemeClr val="bg1">
-                  <a:lumMod val="50000"/>
-                </a:schemeClr>
+                <a:schemeClr val="tx1"/>
               </a:solidFill>
               <a:sym typeface="+mn-ea"/>
             </a:endParaRPr>
@@ -4167,9 +4351,7 @@
             <a:r>
               <a:rPr lang="ru-RU" u="sng" dirty="0" smtClean="0">
                 <a:solidFill>
-                  <a:schemeClr val="bg1">
-                    <a:lumMod val="50000"/>
-                  </a:schemeClr>
+                  <a:schemeClr val="tx1"/>
                 </a:solidFill>
                 <a:sym typeface="+mn-ea"/>
               </a:rPr>
@@ -4178,9 +4360,7 @@
             <a:r>
               <a:rPr lang="ru-RU" u="sng" dirty="0">
                 <a:solidFill>
-                  <a:schemeClr val="bg1">
-                    <a:lumMod val="50000"/>
-                  </a:schemeClr>
+                  <a:schemeClr val="tx1"/>
                 </a:solidFill>
                 <a:sym typeface="+mn-ea"/>
               </a:rPr>
@@ -4188,9 +4368,7 @@
             </a:r>
             <a:endParaRPr lang="ru-RU" u="sng" dirty="0">
               <a:solidFill>
-                <a:schemeClr val="bg1">
-                  <a:lumMod val="50000"/>
-                </a:schemeClr>
+                <a:schemeClr val="tx1"/>
               </a:solidFill>
               <a:sym typeface="+mn-ea"/>
             </a:endParaRPr>
@@ -4200,18 +4378,14 @@
             <a:r>
               <a:rPr lang="ru-RU" altLang="en-US" u="sng">
                 <a:solidFill>
-                  <a:schemeClr val="bg1">
-                    <a:lumMod val="50000"/>
-                  </a:schemeClr>
+                  <a:schemeClr val="tx1"/>
                 </a:solidFill>
               </a:rPr>
               <a:t>Преимущества наличия сайта у компании</a:t>
             </a:r>
             <a:endParaRPr lang="ru-RU" altLang="en-US" u="sng">
               <a:solidFill>
-                <a:schemeClr val="bg1">
-                  <a:lumMod val="50000"/>
-                </a:schemeClr>
+                <a:schemeClr val="tx1"/>
               </a:solidFill>
             </a:endParaRPr>
           </a:p>
@@ -4220,18 +4394,14 @@
             <a:r>
               <a:rPr lang="ru-RU" altLang="en-US" u="sng">
                 <a:solidFill>
-                  <a:schemeClr val="bg1">
-                    <a:lumMod val="50000"/>
-                  </a:schemeClr>
+                  <a:schemeClr val="tx1"/>
                 </a:solidFill>
               </a:rPr>
               <a:t>Обзор готового веб-сайта. Главная страница</a:t>
             </a:r>
             <a:endParaRPr lang="ru-RU" altLang="en-US" u="sng">
               <a:solidFill>
-                <a:schemeClr val="bg1">
-                  <a:lumMod val="50000"/>
-                </a:schemeClr>
+                <a:schemeClr val="tx1"/>
               </a:solidFill>
             </a:endParaRPr>
           </a:p>
@@ -4240,9 +4410,7 @@
             <a:r>
               <a:rPr lang="ru-RU" u="sng" dirty="0" smtClean="0">
                 <a:solidFill>
-                  <a:schemeClr val="bg1">
-                    <a:lumMod val="50000"/>
-                  </a:schemeClr>
+                  <a:schemeClr val="tx1"/>
                 </a:solidFill>
                 <a:sym typeface="+mn-ea"/>
               </a:rPr>
@@ -4250,9 +4418,7 @@
             </a:r>
             <a:endParaRPr lang="ru-RU" u="sng" dirty="0" smtClean="0">
               <a:solidFill>
-                <a:schemeClr val="bg1">
-                  <a:lumMod val="50000"/>
-                </a:schemeClr>
+                <a:schemeClr val="tx1"/>
               </a:solidFill>
               <a:sym typeface="+mn-ea"/>
             </a:endParaRPr>
@@ -4262,9 +4428,7 @@
             <a:r>
               <a:rPr lang="ru-RU" u="sng" dirty="0" smtClean="0">
                 <a:solidFill>
-                  <a:schemeClr val="bg1">
-                    <a:lumMod val="50000"/>
-                  </a:schemeClr>
+                  <a:schemeClr val="tx1"/>
                 </a:solidFill>
                 <a:sym typeface="+mn-ea"/>
               </a:rPr>
@@ -4272,9 +4436,7 @@
             </a:r>
             <a:endParaRPr lang="ru-RU" u="sng" dirty="0" smtClean="0">
               <a:solidFill>
-                <a:schemeClr val="bg1">
-                  <a:lumMod val="50000"/>
-                </a:schemeClr>
+                <a:schemeClr val="tx1"/>
               </a:solidFill>
               <a:sym typeface="+mn-ea"/>
             </a:endParaRPr>
@@ -4337,8 +4499,8 @@
         </p:nvSpPr>
         <p:spPr>
           <a:xfrm>
-            <a:off x="724535" y="90170"/>
-            <a:ext cx="10233025" cy="1778000"/>
+            <a:off x="415925" y="90170"/>
+            <a:ext cx="10541635" cy="1778000"/>
           </a:xfrm>
           <a:prstGeom prst="snip1Rect">
             <a:avLst/>
@@ -4393,15 +4555,15 @@
             <a:r>
               <a:rPr lang="ru-RU" sz="5400" b="1" dirty="0" smtClean="0">
                 <a:solidFill>
-                  <a:schemeClr val="bg1"/>
+                  <a:schemeClr val="tx1"/>
                 </a:solidFill>
                 <a:sym typeface="+mn-ea"/>
               </a:rPr>
-              <a:t>Цели и задачи разработки</a:t>
+              <a:t>Цели и задачи проекта</a:t>
             </a:r>
             <a:endParaRPr lang="ru-RU" altLang="en-US" sz="5400" b="1" dirty="0" smtClean="0">
               <a:solidFill>
-                <a:schemeClr val="bg1"/>
+                <a:schemeClr val="tx1"/>
               </a:solidFill>
               <a:sym typeface="+mn-ea"/>
             </a:endParaRPr>
@@ -4426,7 +4588,7 @@
         </p:spPr>
         <p:txBody>
           <a:bodyPr>
-            <a:normAutofit lnSpcReduction="10000"/>
+            <a:normAutofit/>
           </a:bodyPr>
           <a:p>
             <a:pPr>
@@ -4434,7 +4596,7 @@
               <a:buChar char="§"/>
             </a:pPr>
             <a:r>
-              <a:rPr lang="ru-RU" altLang="en-US">
+              <a:rPr lang="ru-RU" altLang="en-US" sz="2400">
                 <a:solidFill>
                   <a:schemeClr val="tx1">
                     <a:lumMod val="65000"/>
@@ -4444,7 +4606,7 @@
               </a:rPr>
               <a:t>Проведение маркетинговых исследований - использование опросов и голосований для сбора данных о предпочтениях</a:t>
             </a:r>
-            <a:endParaRPr lang="ru-RU" altLang="en-US">
+            <a:endParaRPr lang="ru-RU" altLang="en-US" sz="2400">
               <a:solidFill>
                 <a:schemeClr val="tx1">
                   <a:lumMod val="65000"/>
@@ -4459,7 +4621,7 @@
               <a:buChar char="§"/>
             </a:pPr>
             <a:r>
-              <a:rPr lang="ru-RU" altLang="en-US">
+              <a:rPr lang="ru-RU" altLang="en-US" sz="2400">
                 <a:solidFill>
                   <a:schemeClr val="tx1">
                     <a:lumMod val="65000"/>
@@ -4469,7 +4631,7 @@
               </a:rPr>
               <a:t>Оценка уровня удовлетворенности клиентов - проведение опросов среди клиентов</a:t>
             </a:r>
-            <a:endParaRPr lang="ru-RU" altLang="en-US">
+            <a:endParaRPr lang="ru-RU" altLang="en-US" sz="2400">
               <a:solidFill>
                 <a:schemeClr val="tx1">
                   <a:lumMod val="65000"/>
@@ -4484,7 +4646,7 @@
               <a:buChar char="§"/>
             </a:pPr>
             <a:r>
-              <a:rPr lang="ru-RU" altLang="en-US">
+              <a:rPr lang="ru-RU" altLang="en-US" sz="2400">
                 <a:solidFill>
                   <a:schemeClr val="tx1">
                     <a:lumMod val="65000"/>
@@ -4494,7 +4656,7 @@
               </a:rPr>
               <a:t>Принятие коллективных решений - организация голосований среди сотрудников компании или участников сообщества</a:t>
             </a:r>
-            <a:endParaRPr lang="ru-RU" altLang="en-US">
+            <a:endParaRPr lang="ru-RU" altLang="en-US" sz="2400">
               <a:solidFill>
                 <a:schemeClr val="tx1">
                   <a:lumMod val="65000"/>
@@ -4509,7 +4671,7 @@
               <a:buChar char="§"/>
             </a:pPr>
             <a:r>
-              <a:rPr lang="ru-RU" altLang="en-US">
+              <a:rPr lang="ru-RU" altLang="en-US" sz="2400">
                 <a:solidFill>
                   <a:schemeClr val="tx1">
                     <a:lumMod val="65000"/>
@@ -4519,7 +4681,7 @@
               </a:rPr>
               <a:t>Проведение общественных опросов - использование сайта для сбора мнений и предложений от широкой аудитории по различным социальным и политическим вопросам.</a:t>
             </a:r>
-            <a:endParaRPr lang="ru-RU" altLang="en-US">
+            <a:endParaRPr lang="ru-RU" altLang="en-US" sz="2400">
               <a:solidFill>
                 <a:schemeClr val="tx1">
                   <a:lumMod val="65000"/>
@@ -4534,7 +4696,7 @@
               <a:buChar char="§"/>
             </a:pPr>
             <a:r>
-              <a:rPr lang="ru-RU" altLang="en-US">
+              <a:rPr lang="ru-RU" altLang="en-US" sz="2400">
                 <a:solidFill>
                   <a:schemeClr val="tx1">
                     <a:lumMod val="65000"/>
@@ -4544,7 +4706,7 @@
               </a:rPr>
               <a:t>Создание обратной связи</a:t>
             </a:r>
-            <a:endParaRPr lang="ru-RU" altLang="en-US">
+            <a:endParaRPr lang="ru-RU" altLang="en-US" sz="2400">
               <a:solidFill>
                 <a:schemeClr val="tx1">
                   <a:lumMod val="65000"/>
@@ -4577,7 +4739,7 @@
         </p:blipFill>
         <p:spPr>
           <a:xfrm>
-            <a:off x="1122045" y="297815"/>
+            <a:off x="532765" y="297815"/>
             <a:ext cx="1183005" cy="1183005"/>
           </a:xfrm>
           <a:prstGeom prst="rect">
@@ -4615,7 +4777,7 @@
         </p:nvSpPr>
         <p:spPr>
           <a:xfrm>
-            <a:off x="274955" y="678815"/>
+            <a:off x="99695" y="488950"/>
             <a:ext cx="12193905" cy="1325880"/>
           </a:xfrm>
         </p:spPr>
@@ -4626,15 +4788,15 @@
           <a:p>
             <a:pPr algn="ctr"/>
             <a:r>
-              <a:rPr lang="ru-RU" sz="6665" b="1" dirty="0" smtClean="0">
+              <a:rPr lang="ru-RU" sz="4890" b="1" dirty="0" smtClean="0">
                 <a:sym typeface="+mn-ea"/>
               </a:rPr>
               <a:t>Преимущества наличия сайта для пользователей</a:t>
             </a:r>
             <a:br>
-              <a:rPr lang="ru-RU" sz="6665" b="1" dirty="0"/>
+              <a:rPr lang="ru-RU" sz="4890" b="1" dirty="0"/>
             </a:br>
-            <a:endParaRPr lang="ru-RU" altLang="en-US" sz="6665" b="1"/>
+            <a:endParaRPr lang="ru-RU" altLang="en-US" sz="4890" b="1"/>
           </a:p>
         </p:txBody>
       </p:sp>
@@ -4648,112 +4810,146 @@
             <p:ph idx="1"/>
           </p:nvPr>
         </p:nvSpPr>
-        <p:spPr/>
+        <p:spPr>
+          <a:xfrm>
+            <a:off x="609600" y="1705610"/>
+            <a:ext cx="10972800" cy="4525963"/>
+          </a:xfrm>
+        </p:spPr>
         <p:txBody>
           <a:bodyPr>
             <a:normAutofit lnSpcReduction="20000"/>
           </a:bodyPr>
           <a:p>
-            <a:r>
-              <a:rPr lang="ru-RU" altLang="en-US">
+            <a:pPr marL="0" indent="0">
+              <a:buNone/>
+            </a:pPr>
+            <a:r>
+              <a:rPr lang="ru-RU" altLang="en-US" sz="2800">
                 <a:solidFill>
                   <a:schemeClr val="tx1">
                     <a:lumMod val="50000"/>
                     <a:lumOff val="50000"/>
                   </a:schemeClr>
                 </a:solidFill>
+                <a:latin typeface="+mj-lt"/>
+                <a:cs typeface="+mj-lt"/>
               </a:rPr>
               <a:t>Широкие возможности - выбирайте цвета, изображения и шрифты, чтобы формы выглядели привлекательно и соответствовали вашему корпоративному стилю</a:t>
             </a:r>
-            <a:endParaRPr lang="ru-RU" altLang="en-US">
+            <a:endParaRPr lang="ru-RU" altLang="en-US" sz="2800">
               <a:solidFill>
                 <a:schemeClr val="tx1">
                   <a:lumMod val="50000"/>
                   <a:lumOff val="50000"/>
                 </a:schemeClr>
               </a:solidFill>
+              <a:latin typeface="+mj-lt"/>
+              <a:cs typeface="+mj-lt"/>
             </a:endParaRPr>
           </a:p>
           <a:p>
-            <a:endParaRPr lang="ru-RU" altLang="en-US">
+            <a:endParaRPr lang="ru-RU" altLang="en-US" sz="2800">
               <a:solidFill>
                 <a:schemeClr val="tx1">
                   <a:lumMod val="50000"/>
                   <a:lumOff val="50000"/>
                 </a:schemeClr>
               </a:solidFill>
+              <a:latin typeface="+mj-lt"/>
+              <a:cs typeface="+mj-lt"/>
             </a:endParaRPr>
           </a:p>
           <a:p>
-            <a:endParaRPr lang="ru-RU" altLang="en-US">
+            <a:endParaRPr lang="ru-RU" altLang="en-US" sz="2800">
               <a:solidFill>
                 <a:schemeClr val="tx1">
                   <a:lumMod val="50000"/>
                   <a:lumOff val="50000"/>
                 </a:schemeClr>
               </a:solidFill>
+              <a:latin typeface="+mj-lt"/>
+              <a:cs typeface="+mj-lt"/>
             </a:endParaRPr>
           </a:p>
           <a:p>
-            <a:r>
-              <a:rPr lang="ru-RU" altLang="en-US">
+            <a:pPr marL="0" indent="0">
+              <a:buNone/>
+            </a:pPr>
+            <a:r>
+              <a:rPr lang="ru-RU" altLang="en-US" sz="2800">
                 <a:solidFill>
                   <a:schemeClr val="tx1">
                     <a:lumMod val="50000"/>
                     <a:lumOff val="50000"/>
                   </a:schemeClr>
                 </a:solidFill>
+                <a:latin typeface="+mj-lt"/>
+                <a:cs typeface="+mj-lt"/>
               </a:rPr>
               <a:t>Простое создание форм - выбирать вопросы разных типов, менять их последовательность и варианты ответов не сложнее, чем вставить список в документ</a:t>
             </a:r>
-            <a:endParaRPr lang="ru-RU" altLang="en-US">
+            <a:endParaRPr lang="ru-RU" altLang="en-US" sz="2800">
               <a:solidFill>
                 <a:schemeClr val="tx1">
                   <a:lumMod val="50000"/>
                   <a:lumOff val="50000"/>
                 </a:schemeClr>
               </a:solidFill>
+              <a:latin typeface="+mj-lt"/>
+              <a:cs typeface="+mj-lt"/>
             </a:endParaRPr>
           </a:p>
           <a:p>
-            <a:endParaRPr lang="ru-RU" altLang="en-US">
+            <a:endParaRPr lang="ru-RU" altLang="en-US" sz="2800">
               <a:solidFill>
                 <a:schemeClr val="tx1">
                   <a:lumMod val="50000"/>
                   <a:lumOff val="50000"/>
                 </a:schemeClr>
               </a:solidFill>
+              <a:latin typeface="+mj-lt"/>
+              <a:cs typeface="+mj-lt"/>
             </a:endParaRPr>
           </a:p>
           <a:p>
-            <a:endParaRPr lang="ru-RU" altLang="en-US">
+            <a:endParaRPr lang="ru-RU" altLang="en-US" sz="2800">
               <a:solidFill>
                 <a:schemeClr val="tx1">
                   <a:lumMod val="50000"/>
                   <a:lumOff val="50000"/>
                 </a:schemeClr>
               </a:solidFill>
+              <a:latin typeface="+mj-lt"/>
+              <a:cs typeface="+mj-lt"/>
             </a:endParaRPr>
           </a:p>
           <a:p>
-            <a:r>
-              <a:rPr lang="ru-RU" altLang="en-US">
+            <a:pPr marL="0" indent="0">
+              <a:buNone/>
+            </a:pPr>
+            <a:r>
+              <a:rPr lang="ru-RU" altLang="en-US" sz="2800">
                 <a:solidFill>
                   <a:schemeClr val="tx1">
                     <a:lumMod val="50000"/>
                     <a:lumOff val="50000"/>
                   </a:schemeClr>
                 </a:solidFill>
+                <a:latin typeface="+mj-lt"/>
+                <a:cs typeface="+mj-lt"/>
               </a:rPr>
               <a:t>Работайте совместно на всех этапах проекта</a:t>
             </a:r>
-            <a:endParaRPr lang="ru-RU" altLang="en-US">
+            <a:endParaRPr lang="ru-RU" altLang="en-US" sz="2800">
               <a:solidFill>
                 <a:schemeClr val="tx1">
                   <a:lumMod val="50000"/>
                   <a:lumOff val="50000"/>
                 </a:schemeClr>
               </a:solidFill>
+              <a:latin typeface="+mj-lt"/>
+              <a:cs typeface="+mj-lt"/>
             </a:endParaRPr>
           </a:p>
         </p:txBody>
@@ -4851,10 +5047,7 @@
             <a:avLst/>
           </a:prstGeom>
           <a:solidFill>
-            <a:schemeClr val="accent1">
-              <a:lumMod val="60000"/>
-              <a:lumOff val="40000"/>
-            </a:schemeClr>
+            <a:schemeClr val="accent5"/>
           </a:solidFill>
         </p:spPr>
         <p:style>
@@ -4893,8 +5086,8 @@
         </p:nvSpPr>
         <p:spPr>
           <a:xfrm>
-            <a:off x="2322830" y="156210"/>
-            <a:ext cx="7093585" cy="1325880"/>
+            <a:off x="2322195" y="231775"/>
+            <a:ext cx="7093585" cy="1066165"/>
           </a:xfrm>
         </p:spPr>
         <p:txBody>
@@ -4964,7 +5157,7 @@
       <p:grpSpPr/>
       <p:pic>
         <p:nvPicPr>
-          <p:cNvPr id="4" name="Замещающее содержимое 3"/>
+          <p:cNvPr id="3" name="Замещающее содержимое 2"/>
           <p:cNvPicPr>
             <a:picLocks noChangeAspect="1"/>
           </p:cNvPicPr>
@@ -4980,8 +5173,8 @@
         </p:blipFill>
         <p:spPr>
           <a:xfrm>
-            <a:off x="812165" y="747395"/>
-            <a:ext cx="10541635" cy="5362575"/>
+            <a:off x="967105" y="934085"/>
+            <a:ext cx="11042015" cy="5375275"/>
           </a:xfrm>
           <a:prstGeom prst="rect">
             <a:avLst/>
@@ -5052,7 +5245,7 @@
       <p:grpSpPr/>
       <p:pic>
         <p:nvPicPr>
-          <p:cNvPr id="4" name="Замещающее содержимое 3"/>
+          <p:cNvPr id="3" name="Замещающее содержимое 2"/>
           <p:cNvPicPr>
             <a:picLocks noChangeAspect="1"/>
           </p:cNvPicPr>
@@ -5068,8 +5261,8 @@
         </p:blipFill>
         <p:spPr>
           <a:xfrm>
-            <a:off x="1455420" y="779145"/>
-            <a:ext cx="9765030" cy="5453380"/>
+            <a:off x="609600" y="1974850"/>
+            <a:ext cx="10972800" cy="3284220"/>
           </a:xfrm>
           <a:prstGeom prst="rect">
             <a:avLst/>
@@ -5096,7 +5289,7 @@
       <p:grpSpPr/>
       <p:pic>
         <p:nvPicPr>
-          <p:cNvPr id="4" name="Замещающее содержимое 3"/>
+          <p:cNvPr id="3" name="Замещающее содержимое 2"/>
           <p:cNvPicPr>
             <a:picLocks noChangeAspect="1"/>
           </p:cNvPicPr>
@@ -5112,8 +5305,8 @@
         </p:blipFill>
         <p:spPr>
           <a:xfrm>
-            <a:off x="1205865" y="913765"/>
-            <a:ext cx="10147935" cy="5453380"/>
+            <a:off x="609600" y="1549400"/>
+            <a:ext cx="10972800" cy="4121785"/>
           </a:xfrm>
           <a:prstGeom prst="rect">
             <a:avLst/>
@@ -5129,116 +5322,56 @@
 </file>
 
 <file path=ppt/theme/theme1.xml><?xml version="1.0" encoding="utf-8"?>
-<a:theme xmlns:a="http://schemas.openxmlformats.org/drawingml/2006/main" name="Office Theme">
+<a:theme xmlns:a="http://schemas.openxmlformats.org/drawingml/2006/main" name="Default Design">
   <a:themeElements>
-    <a:clrScheme name="Office">
+    <a:clrScheme name="">
       <a:dk1>
-        <a:sysClr val="windowText" lastClr="000000"/>
+        <a:srgbClr val="000000"/>
       </a:dk1>
       <a:lt1>
-        <a:sysClr val="window" lastClr="FFFFFF"/>
+        <a:srgbClr val="FFFFFF"/>
       </a:lt1>
       <a:dk2>
-        <a:srgbClr val="44546A"/>
+        <a:srgbClr val="000000"/>
       </a:dk2>
       <a:lt2>
-        <a:srgbClr val="E7E6E6"/>
+        <a:srgbClr val="808080"/>
       </a:lt2>
       <a:accent1>
-        <a:srgbClr val="5B9BD5"/>
+        <a:srgbClr val="7DB6EF"/>
       </a:accent1>
       <a:accent2>
-        <a:srgbClr val="ED7D31"/>
+        <a:srgbClr val="C0504D"/>
       </a:accent2>
       <a:accent3>
-        <a:srgbClr val="A5A5A5"/>
+        <a:srgbClr val="FFFFFF"/>
       </a:accent3>
       <a:accent4>
-        <a:srgbClr val="FFC000"/>
+        <a:srgbClr val="000000"/>
       </a:accent4>
       <a:accent5>
-        <a:srgbClr val="4472C4"/>
+        <a:srgbClr val="C0D7F5"/>
       </a:accent5>
       <a:accent6>
-        <a:srgbClr val="70AD47"/>
+        <a:srgbClr val="AC4744"/>
       </a:accent6>
       <a:hlink>
-        <a:srgbClr val="0563C1"/>
+        <a:srgbClr val="0066CC"/>
       </a:hlink>
       <a:folHlink>
-        <a:srgbClr val="954F72"/>
+        <a:srgbClr val="800080"/>
       </a:folHlink>
     </a:clrScheme>
-    <a:fontScheme name="Office">
+    <a:fontScheme name="">
       <a:majorFont>
-        <a:latin typeface="Calibri Light"/>
-        <a:ea typeface=""/>
+        <a:latin typeface="Arial"/>
+        <a:ea typeface="Arial"/>
         <a:cs typeface=""/>
-        <a:font script="Jpan" typeface="ＭＳ Ｐゴシック"/>
-        <a:font script="Hang" typeface="맑은 고딕"/>
-        <a:font script="Hans" typeface="宋体"/>
-        <a:font script="Hant" typeface="新細明體"/>
-        <a:font script="Arab" typeface="Times New Roman"/>
-        <a:font script="Hebr" typeface="Times New Roman"/>
-        <a:font script="Thai" typeface="Angsana New"/>
-        <a:font script="Ethi" typeface="Nyala"/>
-        <a:font script="Beng" typeface="Vrinda"/>
-        <a:font script="Gujr" typeface="Shruti"/>
-        <a:font script="Khmr" typeface="MoolBoran"/>
-        <a:font script="Knda" typeface="Tunga"/>
-        <a:font script="Guru" typeface="Raavi"/>
-        <a:font script="Cans" typeface="Euphemia"/>
-        <a:font script="Cher" typeface="Plantagenet Cherokee"/>
-        <a:font script="Yiii" typeface="Microsoft Yi Baiti"/>
-        <a:font script="Tibt" typeface="Microsoft Himalaya"/>
-        <a:font script="Thaa" typeface="MV Boli"/>
-        <a:font script="Deva" typeface="Mangal"/>
-        <a:font script="Telu" typeface="Gautami"/>
-        <a:font script="Taml" typeface="Latha"/>
-        <a:font script="Syrc" typeface="Estrangelo Edessa"/>
-        <a:font script="Orya" typeface="Kalinga"/>
-        <a:font script="Mlym" typeface="Kartika"/>
-        <a:font script="Laoo" typeface="DokChampa"/>
-        <a:font script="Sinh" typeface="Iskoola Pota"/>
-        <a:font script="Mong" typeface="Mongolian Baiti"/>
-        <a:font script="Viet" typeface="Times New Roman"/>
-        <a:font script="Uigh" typeface="Microsoft Uighur"/>
-        <a:font script="Geor" typeface="Sylfaen"/>
       </a:majorFont>
       <a:minorFont>
-        <a:latin typeface="Calibri"/>
-        <a:ea typeface=""/>
+        <a:latin typeface="Arial"/>
+        <a:ea typeface="Arial"/>
         <a:cs typeface=""/>
-        <a:font script="Jpan" typeface="ＭＳ Ｐゴシック"/>
-        <a:font script="Hang" typeface="맑은 고딕"/>
-        <a:font script="Hans" typeface="宋体"/>
-        <a:font script="Hant" typeface="新細明體"/>
-        <a:font script="Arab" typeface="Arial"/>
-        <a:font script="Hebr" typeface="Arial"/>
-        <a:font script="Thai" typeface="Cordia New"/>
-        <a:font script="Ethi" typeface="Nyala"/>
-        <a:font script="Beng" typeface="Vrinda"/>
-        <a:font script="Gujr" typeface="Shruti"/>
-        <a:font script="Khmr" typeface="DaunPenh"/>
-        <a:font script="Knda" typeface="Tunga"/>
-        <a:font script="Guru" typeface="Raavi"/>
-        <a:font script="Cans" typeface="Euphemia"/>
-        <a:font script="Cher" typeface="Plantagenet Cherokee"/>
-        <a:font script="Yiii" typeface="Microsoft Yi Baiti"/>
-        <a:font script="Tibt" typeface="Microsoft Himalaya"/>
-        <a:font script="Thaa" typeface="MV Boli"/>
-        <a:font script="Deva" typeface="Mangal"/>
-        <a:font script="Telu" typeface="Gautami"/>
-        <a:font script="Taml" typeface="Latha"/>
-        <a:font script="Syrc" typeface="Estrangelo Edessa"/>
-        <a:font script="Orya" typeface="Kalinga"/>
-        <a:font script="Mlym" typeface="Kartika"/>
-        <a:font script="Laoo" typeface="DokChampa"/>
-        <a:font script="Sinh" typeface="Iskoola Pota"/>
-        <a:font script="Mong" typeface="Mongolian Baiti"/>
-        <a:font script="Viet" typeface="Arial"/>
-        <a:font script="Uigh" typeface="Microsoft Uighur"/>
-        <a:font script="Geor" typeface="Sylfaen"/>
       </a:minorFont>
     </a:fontScheme>
     <a:fmtScheme name="Office">
@@ -5379,6 +5512,500 @@
       </a:bgFillStyleLst>
     </a:fmtScheme>
   </a:themeElements>
+  <a:extraClrSchemeLst>
+    <a:extraClrScheme>
+      <a:clrScheme name="">
+        <a:dk1>
+          <a:srgbClr val="000000"/>
+        </a:dk1>
+        <a:lt1>
+          <a:srgbClr val="FFFFFF"/>
+        </a:lt1>
+        <a:dk2>
+          <a:srgbClr val="000000"/>
+        </a:dk2>
+        <a:lt2>
+          <a:srgbClr val="969696"/>
+        </a:lt2>
+        <a:accent1>
+          <a:srgbClr val="FBDF53"/>
+        </a:accent1>
+        <a:accent2>
+          <a:srgbClr val="FF9966"/>
+        </a:accent2>
+        <a:accent3>
+          <a:srgbClr val="FFFFFF"/>
+        </a:accent3>
+        <a:accent4>
+          <a:srgbClr val="000000"/>
+        </a:accent4>
+        <a:accent5>
+          <a:srgbClr val="FDECB4"/>
+        </a:accent5>
+        <a:accent6>
+          <a:srgbClr val="E5895B"/>
+        </a:accent6>
+        <a:hlink>
+          <a:srgbClr val="CC3300"/>
+        </a:hlink>
+        <a:folHlink>
+          <a:srgbClr val="996600"/>
+        </a:folHlink>
+      </a:clrScheme>
+      <a:clrMap bg1="lt1" tx1="dk1" bg2="lt2" tx2="dk2" accent1="accent1" accent2="accent2" accent3="accent3" accent4="accent4" accent5="accent5" accent6="accent6" hlink="hlink" folHlink="folHlink"/>
+    </a:extraClrScheme>
+    <a:extraClrScheme>
+      <a:clrScheme name="">
+        <a:dk1>
+          <a:srgbClr val="000000"/>
+        </a:dk1>
+        <a:lt1>
+          <a:srgbClr val="FFFFFF"/>
+        </a:lt1>
+        <a:dk2>
+          <a:srgbClr val="000000"/>
+        </a:dk2>
+        <a:lt2>
+          <a:srgbClr val="808080"/>
+        </a:lt2>
+        <a:accent1>
+          <a:srgbClr val="99CCFF"/>
+        </a:accent1>
+        <a:accent2>
+          <a:srgbClr val="CCCCFF"/>
+        </a:accent2>
+        <a:accent3>
+          <a:srgbClr val="FFFFFF"/>
+        </a:accent3>
+        <a:accent4>
+          <a:srgbClr val="000000"/>
+        </a:accent4>
+        <a:accent5>
+          <a:srgbClr val="CAE2FF"/>
+        </a:accent5>
+        <a:accent6>
+          <a:srgbClr val="B7B7E5"/>
+        </a:accent6>
+        <a:hlink>
+          <a:srgbClr val="3333CC"/>
+        </a:hlink>
+        <a:folHlink>
+          <a:srgbClr val="AF67FF"/>
+        </a:folHlink>
+      </a:clrScheme>
+      <a:clrMap bg1="lt1" tx1="dk1" bg2="lt2" tx2="dk2" accent1="accent1" accent2="accent2" accent3="accent3" accent4="accent4" accent5="accent5" accent6="accent6" hlink="hlink" folHlink="folHlink"/>
+    </a:extraClrScheme>
+    <a:extraClrScheme>
+      <a:clrScheme name="">
+        <a:dk1>
+          <a:srgbClr val="000000"/>
+        </a:dk1>
+        <a:lt1>
+          <a:srgbClr val="DEF6F1"/>
+        </a:lt1>
+        <a:dk2>
+          <a:srgbClr val="000000"/>
+        </a:dk2>
+        <a:lt2>
+          <a:srgbClr val="969696"/>
+        </a:lt2>
+        <a:accent1>
+          <a:srgbClr val="FFFFFF"/>
+        </a:accent1>
+        <a:accent2>
+          <a:srgbClr val="8DC6FF"/>
+        </a:accent2>
+        <a:accent3>
+          <a:srgbClr val="EBFAF7"/>
+        </a:accent3>
+        <a:accent4>
+          <a:srgbClr val="000000"/>
+        </a:accent4>
+        <a:accent5>
+          <a:srgbClr val="FFFFFF"/>
+        </a:accent5>
+        <a:accent6>
+          <a:srgbClr val="7EB1E5"/>
+        </a:accent6>
+        <a:hlink>
+          <a:srgbClr val="0066CC"/>
+        </a:hlink>
+        <a:folHlink>
+          <a:srgbClr val="00A800"/>
+        </a:folHlink>
+      </a:clrScheme>
+      <a:clrMap bg1="lt1" tx1="dk1" bg2="lt2" tx2="dk2" accent1="accent1" accent2="accent2" accent3="accent3" accent4="accent4" accent5="accent5" accent6="accent6" hlink="hlink" folHlink="folHlink"/>
+    </a:extraClrScheme>
+    <a:extraClrScheme>
+      <a:clrScheme name="">
+        <a:dk1>
+          <a:srgbClr val="000000"/>
+        </a:dk1>
+        <a:lt1>
+          <a:srgbClr val="FFFFD9"/>
+        </a:lt1>
+        <a:dk2>
+          <a:srgbClr val="000000"/>
+        </a:dk2>
+        <a:lt2>
+          <a:srgbClr val="777777"/>
+        </a:lt2>
+        <a:accent1>
+          <a:srgbClr val="FFFFF7"/>
+        </a:accent1>
+        <a:accent2>
+          <a:srgbClr val="33CCCC"/>
+        </a:accent2>
+        <a:accent3>
+          <a:srgbClr val="FFFFE9"/>
+        </a:accent3>
+        <a:accent4>
+          <a:srgbClr val="000000"/>
+        </a:accent4>
+        <a:accent5>
+          <a:srgbClr val="FFFFFA"/>
+        </a:accent5>
+        <a:accent6>
+          <a:srgbClr val="2DB7B7"/>
+        </a:accent6>
+        <a:hlink>
+          <a:srgbClr val="FF5050"/>
+        </a:hlink>
+        <a:folHlink>
+          <a:srgbClr val="FF9900"/>
+        </a:folHlink>
+      </a:clrScheme>
+      <a:clrMap bg1="lt1" tx1="dk1" bg2="lt2" tx2="dk2" accent1="accent1" accent2="accent2" accent3="accent3" accent4="accent4" accent5="accent5" accent6="accent6" hlink="hlink" folHlink="folHlink"/>
+    </a:extraClrScheme>
+    <a:extraClrScheme>
+      <a:clrScheme name="">
+        <a:dk1>
+          <a:srgbClr val="FFFFFF"/>
+        </a:dk1>
+        <a:lt1>
+          <a:srgbClr val="008080"/>
+        </a:lt1>
+        <a:dk2>
+          <a:srgbClr val="FFFF99"/>
+        </a:dk2>
+        <a:lt2>
+          <a:srgbClr val="005A58"/>
+        </a:lt2>
+        <a:accent1>
+          <a:srgbClr val="006462"/>
+        </a:accent1>
+        <a:accent2>
+          <a:srgbClr val="6D6FC7"/>
+        </a:accent2>
+        <a:accent3>
+          <a:srgbClr val="AAC1C1"/>
+        </a:accent3>
+        <a:accent4>
+          <a:srgbClr val="DCDCDC"/>
+        </a:accent4>
+        <a:accent5>
+          <a:srgbClr val="AAB8B8"/>
+        </a:accent5>
+        <a:accent6>
+          <a:srgbClr val="6163B2"/>
+        </a:accent6>
+        <a:hlink>
+          <a:srgbClr val="00FFFF"/>
+        </a:hlink>
+        <a:folHlink>
+          <a:srgbClr val="00FF00"/>
+        </a:folHlink>
+      </a:clrScheme>
+      <a:clrMap bg1="lt1" tx1="dk1" bg2="lt2" tx2="dk2" accent1="accent1" accent2="accent2" accent3="accent3" accent4="accent4" accent5="accent5" accent6="accent6" hlink="hlink" folHlink="folHlink"/>
+    </a:extraClrScheme>
+    <a:extraClrScheme>
+      <a:clrScheme name="">
+        <a:dk1>
+          <a:srgbClr val="FFFFFF"/>
+        </a:dk1>
+        <a:lt1>
+          <a:srgbClr val="800000"/>
+        </a:lt1>
+        <a:dk2>
+          <a:srgbClr val="DFD293"/>
+        </a:dk2>
+        <a:lt2>
+          <a:srgbClr val="5C1F00"/>
+        </a:lt2>
+        <a:accent1>
+          <a:srgbClr val="CC3300"/>
+        </a:accent1>
+        <a:accent2>
+          <a:srgbClr val="BE7960"/>
+        </a:accent2>
+        <a:accent3>
+          <a:srgbClr val="C1AAAA"/>
+        </a:accent3>
+        <a:accent4>
+          <a:srgbClr val="DCDCDC"/>
+        </a:accent4>
+        <a:accent5>
+          <a:srgbClr val="E2ADAA"/>
+        </a:accent5>
+        <a:accent6>
+          <a:srgbClr val="AA6C55"/>
+        </a:accent6>
+        <a:hlink>
+          <a:srgbClr val="FFFF99"/>
+        </a:hlink>
+        <a:folHlink>
+          <a:srgbClr val="D3A219"/>
+        </a:folHlink>
+      </a:clrScheme>
+      <a:clrMap bg1="lt1" tx1="dk1" bg2="lt2" tx2="dk2" accent1="accent1" accent2="accent2" accent3="accent3" accent4="accent4" accent5="accent5" accent6="accent6" hlink="hlink" folHlink="folHlink"/>
+    </a:extraClrScheme>
+    <a:extraClrScheme>
+      <a:clrScheme name="">
+        <a:dk1>
+          <a:srgbClr val="FFFFFF"/>
+        </a:dk1>
+        <a:lt1>
+          <a:srgbClr val="000099"/>
+        </a:lt1>
+        <a:dk2>
+          <a:srgbClr val="CCFFFF"/>
+        </a:dk2>
+        <a:lt2>
+          <a:srgbClr val="003366"/>
+        </a:lt2>
+        <a:accent1>
+          <a:srgbClr val="3366CC"/>
+        </a:accent1>
+        <a:accent2>
+          <a:srgbClr val="00B000"/>
+        </a:accent2>
+        <a:accent3>
+          <a:srgbClr val="AAAACA"/>
+        </a:accent3>
+        <a:accent4>
+          <a:srgbClr val="DCDCDC"/>
+        </a:accent4>
+        <a:accent5>
+          <a:srgbClr val="ADB9E2"/>
+        </a:accent5>
+        <a:accent6>
+          <a:srgbClr val="009D00"/>
+        </a:accent6>
+        <a:hlink>
+          <a:srgbClr val="66CCFF"/>
+        </a:hlink>
+        <a:folHlink>
+          <a:srgbClr val="FFE701"/>
+        </a:folHlink>
+      </a:clrScheme>
+      <a:clrMap bg1="lt1" tx1="dk1" bg2="lt2" tx2="dk2" accent1="accent1" accent2="accent2" accent3="accent3" accent4="accent4" accent5="accent5" accent6="accent6" hlink="hlink" folHlink="folHlink"/>
+    </a:extraClrScheme>
+    <a:extraClrScheme>
+      <a:clrScheme name="">
+        <a:dk1>
+          <a:srgbClr val="FFFFFF"/>
+        </a:dk1>
+        <a:lt1>
+          <a:srgbClr val="000000"/>
+        </a:lt1>
+        <a:dk2>
+          <a:srgbClr val="E3EBF1"/>
+        </a:dk2>
+        <a:lt2>
+          <a:srgbClr val="336699"/>
+        </a:lt2>
+        <a:accent1>
+          <a:srgbClr val="003399"/>
+        </a:accent1>
+        <a:accent2>
+          <a:srgbClr val="468A4B"/>
+        </a:accent2>
+        <a:accent3>
+          <a:srgbClr val="AAAAAA"/>
+        </a:accent3>
+        <a:accent4>
+          <a:srgbClr val="DCDCDC"/>
+        </a:accent4>
+        <a:accent5>
+          <a:srgbClr val="AAADCA"/>
+        </a:accent5>
+        <a:accent6>
+          <a:srgbClr val="3E7B43"/>
+        </a:accent6>
+        <a:hlink>
+          <a:srgbClr val="66CCFF"/>
+        </a:hlink>
+        <a:folHlink>
+          <a:srgbClr val="F0E500"/>
+        </a:folHlink>
+      </a:clrScheme>
+      <a:clrMap bg1="lt1" tx1="dk1" bg2="lt2" tx2="dk2" accent1="accent1" accent2="accent2" accent3="accent3" accent4="accent4" accent5="accent5" accent6="accent6" hlink="hlink" folHlink="folHlink"/>
+    </a:extraClrScheme>
+    <a:extraClrScheme>
+      <a:clrScheme name="">
+        <a:dk1>
+          <a:srgbClr val="FFFFFF"/>
+        </a:dk1>
+        <a:lt1>
+          <a:srgbClr val="686B5D"/>
+        </a:lt1>
+        <a:dk2>
+          <a:srgbClr val="D1D1CB"/>
+        </a:dk2>
+        <a:lt2>
+          <a:srgbClr val="777777"/>
+        </a:lt2>
+        <a:accent1>
+          <a:srgbClr val="909082"/>
+        </a:accent1>
+        <a:accent2>
+          <a:srgbClr val="809EA8"/>
+        </a:accent2>
+        <a:accent3>
+          <a:srgbClr val="B9BAB6"/>
+        </a:accent3>
+        <a:accent4>
+          <a:srgbClr val="DCDCDC"/>
+        </a:accent4>
+        <a:accent5>
+          <a:srgbClr val="C7C7C1"/>
+        </a:accent5>
+        <a:accent6>
+          <a:srgbClr val="728D96"/>
+        </a:accent6>
+        <a:hlink>
+          <a:srgbClr val="FFCC66"/>
+        </a:hlink>
+        <a:folHlink>
+          <a:srgbClr val="E9DCB9"/>
+        </a:folHlink>
+      </a:clrScheme>
+      <a:clrMap bg1="lt1" tx1="dk1" bg2="lt2" tx2="dk2" accent1="accent1" accent2="accent2" accent3="accent3" accent4="accent4" accent5="accent5" accent6="accent6" hlink="hlink" folHlink="folHlink"/>
+    </a:extraClrScheme>
+    <a:extraClrScheme>
+      <a:clrScheme name="">
+        <a:dk1>
+          <a:srgbClr val="FFFFFF"/>
+        </a:dk1>
+        <a:lt1>
+          <a:srgbClr val="666699"/>
+        </a:lt1>
+        <a:dk2>
+          <a:srgbClr val="FFFFFF"/>
+        </a:dk2>
+        <a:lt2>
+          <a:srgbClr val="3E3E5C"/>
+        </a:lt2>
+        <a:accent1>
+          <a:srgbClr val="60597B"/>
+        </a:accent1>
+        <a:accent2>
+          <a:srgbClr val="6666FF"/>
+        </a:accent2>
+        <a:accent3>
+          <a:srgbClr val="B9B9CA"/>
+        </a:accent3>
+        <a:accent4>
+          <a:srgbClr val="DCDCDC"/>
+        </a:accent4>
+        <a:accent5>
+          <a:srgbClr val="B7B5BF"/>
+        </a:accent5>
+        <a:accent6>
+          <a:srgbClr val="5B5BE5"/>
+        </a:accent6>
+        <a:hlink>
+          <a:srgbClr val="99CCFF"/>
+        </a:hlink>
+        <a:folHlink>
+          <a:srgbClr val="FFFF99"/>
+        </a:folHlink>
+      </a:clrScheme>
+      <a:clrMap bg1="lt1" tx1="dk1" bg2="lt2" tx2="dk2" accent1="accent1" accent2="accent2" accent3="accent3" accent4="accent4" accent5="accent5" accent6="accent6" hlink="hlink" folHlink="folHlink"/>
+    </a:extraClrScheme>
+    <a:extraClrScheme>
+      <a:clrScheme name="">
+        <a:dk1>
+          <a:srgbClr val="FFFFFF"/>
+        </a:dk1>
+        <a:lt1>
+          <a:srgbClr val="523E26"/>
+        </a:lt1>
+        <a:dk2>
+          <a:srgbClr val="DFC08D"/>
+        </a:dk2>
+        <a:lt2>
+          <a:srgbClr val="2D2015"/>
+        </a:lt2>
+        <a:accent1>
+          <a:srgbClr val="8C7B70"/>
+        </a:accent1>
+        <a:accent2>
+          <a:srgbClr val="8F5F2F"/>
+        </a:accent2>
+        <a:accent3>
+          <a:srgbClr val="B3AFAB"/>
+        </a:accent3>
+        <a:accent4>
+          <a:srgbClr val="DCDCDC"/>
+        </a:accent4>
+        <a:accent5>
+          <a:srgbClr val="C5BFBC"/>
+        </a:accent5>
+        <a:accent6>
+          <a:srgbClr val="805529"/>
+        </a:accent6>
+        <a:hlink>
+          <a:srgbClr val="CCB400"/>
+        </a:hlink>
+        <a:folHlink>
+          <a:srgbClr val="8C9EA0"/>
+        </a:folHlink>
+      </a:clrScheme>
+      <a:clrMap bg1="lt1" tx1="dk1" bg2="lt2" tx2="dk2" accent1="accent1" accent2="accent2" accent3="accent3" accent4="accent4" accent5="accent5" accent6="accent6" hlink="hlink" folHlink="folHlink"/>
+    </a:extraClrScheme>
+    <a:extraClrScheme>
+      <a:clrScheme name="">
+        <a:dk1>
+          <a:srgbClr val="000000"/>
+        </a:dk1>
+        <a:lt1>
+          <a:srgbClr val="FFFFFF"/>
+        </a:lt1>
+        <a:dk2>
+          <a:srgbClr val="000000"/>
+        </a:dk2>
+        <a:lt2>
+          <a:srgbClr val="808080"/>
+        </a:lt2>
+        <a:accent1>
+          <a:srgbClr val="7DB6EF"/>
+        </a:accent1>
+        <a:accent2>
+          <a:srgbClr val="C0504D"/>
+        </a:accent2>
+        <a:accent3>
+          <a:srgbClr val="FFFFFF"/>
+        </a:accent3>
+        <a:accent4>
+          <a:srgbClr val="000000"/>
+        </a:accent4>
+        <a:accent5>
+          <a:srgbClr val="C0D7F5"/>
+        </a:accent5>
+        <a:accent6>
+          <a:srgbClr val="AC4744"/>
+        </a:accent6>
+        <a:hlink>
+          <a:srgbClr val="0066CC"/>
+        </a:hlink>
+        <a:folHlink>
+          <a:srgbClr val="800080"/>
+        </a:folHlink>
+      </a:clrScheme>
+      <a:clrMap bg1="lt1" tx1="dk1" bg2="lt2" tx2="dk2" accent1="accent1" accent2="accent2" accent3="accent3" accent4="accent4" accent5="accent5" accent6="accent6" hlink="hlink" folHlink="folHlink"/>
+    </a:extraClrScheme>
+  </a:extraClrSchemeLst>
   <a:extLst>
     <a:ext uri="{05A4C25C-085E-4340-85A3-A5531E510DB2}">
       <thm15:themeFamily xmlns:thm15="http://schemas.microsoft.com/office/thememl/2012/main" name="Office Theme" id="{62F939B6-93AF-4DB8-9C6B-D6C7DFDC589F}" vid="{4A3C46E8-61CC-4603-A589-7422A47A8E4A}"/>
